--- a/CaseStudyCoffee/bao cao.pptx
+++ b/CaseStudyCoffee/bao cao.pptx
@@ -5,18 +5,19 @@
     <p:sldMasterId id="2147483648" r:id="rId1"/>
   </p:sldMasterIdLst>
   <p:notesMasterIdLst>
-    <p:notesMasterId r:id="rId11"/>
+    <p:notesMasterId r:id="rId12"/>
   </p:notesMasterIdLst>
   <p:sldIdLst>
     <p:sldId id="283" r:id="rId2"/>
     <p:sldId id="266" r:id="rId3"/>
-    <p:sldId id="282" r:id="rId4"/>
-    <p:sldId id="271" r:id="rId5"/>
-    <p:sldId id="279" r:id="rId6"/>
-    <p:sldId id="280" r:id="rId7"/>
-    <p:sldId id="294" r:id="rId8"/>
-    <p:sldId id="295" r:id="rId9"/>
-    <p:sldId id="293" r:id="rId10"/>
+    <p:sldId id="297" r:id="rId4"/>
+    <p:sldId id="282" r:id="rId5"/>
+    <p:sldId id="271" r:id="rId6"/>
+    <p:sldId id="279" r:id="rId7"/>
+    <p:sldId id="280" r:id="rId8"/>
+    <p:sldId id="294" r:id="rId9"/>
+    <p:sldId id="295" r:id="rId10"/>
+    <p:sldId id="293" r:id="rId11"/>
   </p:sldIdLst>
   <p:sldSz cx="12192000" cy="6858000"/>
   <p:notesSz cx="6858000" cy="9144000"/>
@@ -117,7 +118,7 @@
   </p:defaultTextStyle>
   <p:extLst>
     <p:ext uri="{EFAFB233-063F-42B5-8137-9DF3F51BA10A}">
-      <p15:sldGuideLst xmlns="" xmlns:p15="http://schemas.microsoft.com/office/powerpoint/2012/main"/>
+      <p15:sldGuideLst xmlns:p15="http://schemas.microsoft.com/office/powerpoint/2012/main" xmlns=""/>
     </p:ext>
   </p:extLst>
 </p:presentation>
@@ -205,7 +206,7 @@
           <a:p>
             <a:fld id="{7C738C14-4D6C-415C-A989-B5C8E44BE00F}" type="datetimeFigureOut">
               <a:rPr lang="vi-VN" smtClean="0"/>
-              <a:t>17/11/2019</a:t>
+              <a:t>18/11/2019</a:t>
             </a:fld>
             <a:endParaRPr lang="vi-VN"/>
           </a:p>
@@ -973,7 +974,7 @@
           <a:p>
             <a:fld id="{F6D9340C-3533-43D5-B2A0-A7DB39896613}" type="slidenum">
               <a:rPr lang="en-US" smtClean="0"/>
-              <a:t>5</a:t>
+              <a:t>6</a:t>
             </a:fld>
             <a:endParaRPr lang="en-US"/>
           </a:p>
@@ -1057,7 +1058,7 @@
           <a:p>
             <a:fld id="{F6D9340C-3533-43D5-B2A0-A7DB39896613}" type="slidenum">
               <a:rPr lang="en-US" smtClean="0"/>
-              <a:t>6</a:t>
+              <a:t>7</a:t>
             </a:fld>
             <a:endParaRPr lang="en-US"/>
           </a:p>
@@ -1141,7 +1142,7 @@
           <a:p>
             <a:fld id="{F6D9340C-3533-43D5-B2A0-A7DB39896613}" type="slidenum">
               <a:rPr lang="en-US" smtClean="0"/>
-              <a:t>7</a:t>
+              <a:t>8</a:t>
             </a:fld>
             <a:endParaRPr lang="en-US"/>
           </a:p>
@@ -1289,7 +1290,7 @@
           <a:p>
             <a:fld id="{0819EF25-DB2A-4176-B43A-B0BF2243C8BF}" type="datetimeFigureOut">
               <a:rPr lang="en-US" smtClean="0"/>
-              <a:t>11/17/2019</a:t>
+              <a:t>11/18/2019</a:t>
             </a:fld>
             <a:endParaRPr lang="en-US"/>
           </a:p>
@@ -1457,7 +1458,7 @@
           <a:p>
             <a:fld id="{0819EF25-DB2A-4176-B43A-B0BF2243C8BF}" type="datetimeFigureOut">
               <a:rPr lang="en-US" smtClean="0"/>
-              <a:t>11/17/2019</a:t>
+              <a:t>11/18/2019</a:t>
             </a:fld>
             <a:endParaRPr lang="en-US"/>
           </a:p>
@@ -1635,7 +1636,7 @@
           <a:p>
             <a:fld id="{0819EF25-DB2A-4176-B43A-B0BF2243C8BF}" type="datetimeFigureOut">
               <a:rPr lang="en-US" smtClean="0"/>
-              <a:t>11/17/2019</a:t>
+              <a:t>11/18/2019</a:t>
             </a:fld>
             <a:endParaRPr lang="en-US"/>
           </a:p>
@@ -1803,7 +1804,7 @@
           <a:p>
             <a:fld id="{0819EF25-DB2A-4176-B43A-B0BF2243C8BF}" type="datetimeFigureOut">
               <a:rPr lang="en-US" smtClean="0"/>
-              <a:t>11/17/2019</a:t>
+              <a:t>11/18/2019</a:t>
             </a:fld>
             <a:endParaRPr lang="en-US"/>
           </a:p>
@@ -2048,7 +2049,7 @@
           <a:p>
             <a:fld id="{0819EF25-DB2A-4176-B43A-B0BF2243C8BF}" type="datetimeFigureOut">
               <a:rPr lang="en-US" smtClean="0"/>
-              <a:t>11/17/2019</a:t>
+              <a:t>11/18/2019</a:t>
             </a:fld>
             <a:endParaRPr lang="en-US"/>
           </a:p>
@@ -2277,7 +2278,7 @@
           <a:p>
             <a:fld id="{0819EF25-DB2A-4176-B43A-B0BF2243C8BF}" type="datetimeFigureOut">
               <a:rPr lang="en-US" smtClean="0"/>
-              <a:t>11/17/2019</a:t>
+              <a:t>11/18/2019</a:t>
             </a:fld>
             <a:endParaRPr lang="en-US"/>
           </a:p>
@@ -2641,7 +2642,7 @@
           <a:p>
             <a:fld id="{0819EF25-DB2A-4176-B43A-B0BF2243C8BF}" type="datetimeFigureOut">
               <a:rPr lang="en-US" smtClean="0"/>
-              <a:t>11/17/2019</a:t>
+              <a:t>11/18/2019</a:t>
             </a:fld>
             <a:endParaRPr lang="en-US"/>
           </a:p>
@@ -2758,7 +2759,7 @@
           <a:p>
             <a:fld id="{0819EF25-DB2A-4176-B43A-B0BF2243C8BF}" type="datetimeFigureOut">
               <a:rPr lang="en-US" smtClean="0"/>
-              <a:t>11/17/2019</a:t>
+              <a:t>11/18/2019</a:t>
             </a:fld>
             <a:endParaRPr lang="en-US"/>
           </a:p>
@@ -2853,7 +2854,7 @@
           <a:p>
             <a:fld id="{0819EF25-DB2A-4176-B43A-B0BF2243C8BF}" type="datetimeFigureOut">
               <a:rPr lang="en-US" smtClean="0"/>
-              <a:t>11/17/2019</a:t>
+              <a:t>11/18/2019</a:t>
             </a:fld>
             <a:endParaRPr lang="en-US"/>
           </a:p>
@@ -3128,7 +3129,7 @@
           <a:p>
             <a:fld id="{0819EF25-DB2A-4176-B43A-B0BF2243C8BF}" type="datetimeFigureOut">
               <a:rPr lang="en-US" smtClean="0"/>
-              <a:t>11/17/2019</a:t>
+              <a:t>11/18/2019</a:t>
             </a:fld>
             <a:endParaRPr lang="en-US"/>
           </a:p>
@@ -3380,7 +3381,7 @@
           <a:p>
             <a:fld id="{0819EF25-DB2A-4176-B43A-B0BF2243C8BF}" type="datetimeFigureOut">
               <a:rPr lang="en-US" smtClean="0"/>
-              <a:t>11/17/2019</a:t>
+              <a:t>11/18/2019</a:t>
             </a:fld>
             <a:endParaRPr lang="en-US"/>
           </a:p>
@@ -3596,7 +3597,7 @@
           <a:p>
             <a:fld id="{0819EF25-DB2A-4176-B43A-B0BF2243C8BF}" type="datetimeFigureOut">
               <a:rPr lang="en-US" smtClean="0"/>
-              <a:t>11/17/2019</a:t>
+              <a:t>11/18/2019</a:t>
             </a:fld>
             <a:endParaRPr lang="en-US"/>
           </a:p>
@@ -5450,6 +5451,315 @@
       <p:bldP spid="9" grpId="0"/>
       <p:bldP spid="10" grpId="0"/>
       <p:bldP spid="2" grpId="0" animBg="1"/>
+    </p:bldLst>
+  </p:timing>
+</p:sld>
+</file>
+
+<file path=ppt/slides/slide10.xml><?xml version="1.0" encoding="utf-8"?>
+<p:sld xmlns:a="http://schemas.openxmlformats.org/drawingml/2006/main" xmlns:r="http://schemas.openxmlformats.org/officeDocument/2006/relationships" xmlns:p="http://schemas.openxmlformats.org/presentationml/2006/main">
+  <p:cSld>
+    <p:spTree>
+      <p:nvGrpSpPr>
+        <p:cNvPr id="1" name=""/>
+        <p:cNvGrpSpPr/>
+        <p:nvPr/>
+      </p:nvGrpSpPr>
+      <p:grpSpPr>
+        <a:xfrm>
+          <a:off x="0" y="0"/>
+          <a:ext cx="0" cy="0"/>
+          <a:chOff x="0" y="0"/>
+          <a:chExt cx="0" cy="0"/>
+        </a:xfrm>
+      </p:grpSpPr>
+      <p:pic>
+        <p:nvPicPr>
+          <p:cNvPr id="3" name="Picture 2"/>
+          <p:cNvPicPr>
+            <a:picLocks noChangeAspect="1"/>
+          </p:cNvPicPr>
+          <p:nvPr/>
+        </p:nvPicPr>
+        <p:blipFill>
+          <a:blip r:embed="rId2">
+            <a:extLst>
+              <a:ext uri="{28A0092B-C50C-407E-A947-70E740481C1C}">
+                <a14:useLocalDpi xmlns:a14="http://schemas.microsoft.com/office/drawing/2010/main" val="0"/>
+              </a:ext>
+            </a:extLst>
+          </a:blip>
+          <a:stretch>
+            <a:fillRect/>
+          </a:stretch>
+        </p:blipFill>
+        <p:spPr>
+          <a:xfrm>
+            <a:off x="0" y="0"/>
+            <a:ext cx="12191999" cy="6852812"/>
+          </a:xfrm>
+          <a:prstGeom prst="rect">
+            <a:avLst/>
+          </a:prstGeom>
+        </p:spPr>
+      </p:pic>
+      <p:sp>
+        <p:nvSpPr>
+          <p:cNvPr id="5" name="Horizontal Scroll 4"/>
+          <p:cNvSpPr/>
+          <p:nvPr/>
+        </p:nvSpPr>
+        <p:spPr>
+          <a:xfrm>
+            <a:off x="288928" y="0"/>
+            <a:ext cx="11614142" cy="2714626"/>
+          </a:xfrm>
+          <a:prstGeom prst="horizontalScroll">
+            <a:avLst/>
+          </a:prstGeom>
+          <a:solidFill>
+            <a:srgbClr val="002060"/>
+          </a:solidFill>
+        </p:spPr>
+        <p:style>
+          <a:lnRef idx="2">
+            <a:schemeClr val="accent1">
+              <a:shade val="50000"/>
+            </a:schemeClr>
+          </a:lnRef>
+          <a:fillRef idx="1">
+            <a:schemeClr val="accent1"/>
+          </a:fillRef>
+          <a:effectRef idx="0">
+            <a:schemeClr val="accent1"/>
+          </a:effectRef>
+          <a:fontRef idx="minor">
+            <a:schemeClr val="lt1"/>
+          </a:fontRef>
+        </p:style>
+        <p:txBody>
+          <a:bodyPr rtlCol="0" anchor="ctr"/>
+          <a:lstStyle/>
+          <a:p>
+            <a:pPr algn="ctr"/>
+            <a:r>
+              <a:rPr lang="en-US" sz="6600" b="1" i="1" dirty="0" smtClean="0">
+                <a:ln w="9525">
+                  <a:solidFill>
+                    <a:schemeClr val="bg1"/>
+                  </a:solidFill>
+                  <a:prstDash val="solid"/>
+                </a:ln>
+                <a:solidFill>
+                  <a:schemeClr val="accent5"/>
+                </a:solidFill>
+                <a:effectLst>
+                  <a:outerShdw blurRad="12700" dist="38100" dir="2700000" algn="tl" rotWithShape="0">
+                    <a:schemeClr val="accent5">
+                      <a:lumMod val="60000"/>
+                      <a:lumOff val="40000"/>
+                    </a:schemeClr>
+                  </a:outerShdw>
+                </a:effectLst>
+                <a:latin typeface="Times New Roman" panose="02020603050405020304" pitchFamily="18" charset="0"/>
+                <a:cs typeface="Times New Roman" panose="02020603050405020304" pitchFamily="18" charset="0"/>
+              </a:rPr>
+              <a:t>CÁM ƠN THẦY VÀ CÁC BẠN </a:t>
+            </a:r>
+          </a:p>
+          <a:p>
+            <a:pPr algn="ctr"/>
+            <a:r>
+              <a:rPr lang="en-US" sz="6600" b="1" i="1" dirty="0" smtClean="0">
+                <a:ln w="9525">
+                  <a:solidFill>
+                    <a:schemeClr val="bg1"/>
+                  </a:solidFill>
+                  <a:prstDash val="solid"/>
+                </a:ln>
+                <a:solidFill>
+                  <a:schemeClr val="accent5"/>
+                </a:solidFill>
+                <a:effectLst>
+                  <a:outerShdw blurRad="12700" dist="38100" dir="2700000" algn="tl" rotWithShape="0">
+                    <a:schemeClr val="accent5">
+                      <a:lumMod val="60000"/>
+                      <a:lumOff val="40000"/>
+                    </a:schemeClr>
+                  </a:outerShdw>
+                </a:effectLst>
+                <a:latin typeface="Times New Roman" panose="02020603050405020304" pitchFamily="18" charset="0"/>
+                <a:cs typeface="Times New Roman" panose="02020603050405020304" pitchFamily="18" charset="0"/>
+              </a:rPr>
+              <a:t>ĐÃ LẮNG NGHE</a:t>
+            </a:r>
+            <a:endParaRPr lang="en-US" sz="6600" b="1" i="1" dirty="0">
+              <a:ln w="9525">
+                <a:solidFill>
+                  <a:schemeClr val="bg1"/>
+                </a:solidFill>
+                <a:prstDash val="solid"/>
+              </a:ln>
+              <a:solidFill>
+                <a:schemeClr val="accent5"/>
+              </a:solidFill>
+              <a:effectLst>
+                <a:outerShdw blurRad="12700" dist="38100" dir="2700000" algn="tl" rotWithShape="0">
+                  <a:schemeClr val="accent5">
+                    <a:lumMod val="60000"/>
+                    <a:lumOff val="40000"/>
+                  </a:schemeClr>
+                </a:outerShdw>
+              </a:effectLst>
+              <a:latin typeface="Times New Roman" panose="02020603050405020304" pitchFamily="18" charset="0"/>
+              <a:cs typeface="Times New Roman" panose="02020603050405020304" pitchFamily="18" charset="0"/>
+            </a:endParaRPr>
+          </a:p>
+        </p:txBody>
+      </p:sp>
+    </p:spTree>
+    <p:extLst>
+      <p:ext uri="{BB962C8B-B14F-4D97-AF65-F5344CB8AC3E}">
+        <p14:creationId xmlns:p14="http://schemas.microsoft.com/office/powerpoint/2010/main" val="75062086"/>
+      </p:ext>
+    </p:extLst>
+  </p:cSld>
+  <p:clrMapOvr>
+    <a:masterClrMapping/>
+  </p:clrMapOvr>
+  <p:transition spd="slow">
+    <p:fade/>
+  </p:transition>
+  <p:timing>
+    <p:tnLst>
+      <p:par>
+        <p:cTn id="1" dur="indefinite" restart="never" nodeType="tmRoot">
+          <p:childTnLst>
+            <p:seq concurrent="1" nextAc="seek">
+              <p:cTn id="2" dur="indefinite" nodeType="mainSeq">
+                <p:childTnLst>
+                  <p:par>
+                    <p:cTn id="3" fill="hold">
+                      <p:stCondLst>
+                        <p:cond delay="indefinite"/>
+                      </p:stCondLst>
+                      <p:childTnLst>
+                        <p:par>
+                          <p:cTn id="4" fill="hold">
+                            <p:stCondLst>
+                              <p:cond delay="0"/>
+                            </p:stCondLst>
+                            <p:childTnLst>
+                              <p:par>
+                                <p:cTn id="5" presetID="45" presetClass="entr" presetSubtype="0" fill="hold" grpId="0" nodeType="clickEffect">
+                                  <p:stCondLst>
+                                    <p:cond delay="0"/>
+                                  </p:stCondLst>
+                                  <p:childTnLst>
+                                    <p:set>
+                                      <p:cBhvr>
+                                        <p:cTn id="6" dur="1" fill="hold">
+                                          <p:stCondLst>
+                                            <p:cond delay="0"/>
+                                          </p:stCondLst>
+                                        </p:cTn>
+                                        <p:tgtEl>
+                                          <p:spTgt spid="5"/>
+                                        </p:tgtEl>
+                                        <p:attrNameLst>
+                                          <p:attrName>style.visibility</p:attrName>
+                                        </p:attrNameLst>
+                                      </p:cBhvr>
+                                      <p:to>
+                                        <p:strVal val="visible"/>
+                                      </p:to>
+                                    </p:set>
+                                    <p:animEffect transition="in" filter="fade">
+                                      <p:cBhvr>
+                                        <p:cTn id="7" dur="2000"/>
+                                        <p:tgtEl>
+                                          <p:spTgt spid="5"/>
+                                        </p:tgtEl>
+                                      </p:cBhvr>
+                                    </p:animEffect>
+                                    <p:anim calcmode="lin" valueType="num">
+                                      <p:cBhvr>
+                                        <p:cTn id="8" dur="2000" fill="hold"/>
+                                        <p:tgtEl>
+                                          <p:spTgt spid="5"/>
+                                        </p:tgtEl>
+                                        <p:attrNameLst>
+                                          <p:attrName>ppt_w</p:attrName>
+                                        </p:attrNameLst>
+                                      </p:cBhvr>
+                                      <p:tavLst>
+                                        <p:tav tm="0" fmla="#ppt_w*sin(2.5*pi*$)">
+                                          <p:val>
+                                            <p:fltVal val="0"/>
+                                          </p:val>
+                                        </p:tav>
+                                        <p:tav tm="100000">
+                                          <p:val>
+                                            <p:fltVal val="1"/>
+                                          </p:val>
+                                        </p:tav>
+                                      </p:tavLst>
+                                    </p:anim>
+                                    <p:anim calcmode="lin" valueType="num">
+                                      <p:cBhvr>
+                                        <p:cTn id="9" dur="2000" fill="hold"/>
+                                        <p:tgtEl>
+                                          <p:spTgt spid="5"/>
+                                        </p:tgtEl>
+                                        <p:attrNameLst>
+                                          <p:attrName>ppt_h</p:attrName>
+                                        </p:attrNameLst>
+                                      </p:cBhvr>
+                                      <p:tavLst>
+                                        <p:tav tm="0">
+                                          <p:val>
+                                            <p:strVal val="#ppt_h"/>
+                                          </p:val>
+                                        </p:tav>
+                                        <p:tav tm="100000">
+                                          <p:val>
+                                            <p:strVal val="#ppt_h"/>
+                                          </p:val>
+                                        </p:tav>
+                                      </p:tavLst>
+                                    </p:anim>
+                                  </p:childTnLst>
+                                </p:cTn>
+                              </p:par>
+                            </p:childTnLst>
+                          </p:cTn>
+                        </p:par>
+                      </p:childTnLst>
+                    </p:cTn>
+                  </p:par>
+                </p:childTnLst>
+              </p:cTn>
+              <p:prevCondLst>
+                <p:cond evt="onPrev" delay="0">
+                  <p:tgtEl>
+                    <p:sldTgt/>
+                  </p:tgtEl>
+                </p:cond>
+              </p:prevCondLst>
+              <p:nextCondLst>
+                <p:cond evt="onNext" delay="0">
+                  <p:tgtEl>
+                    <p:sldTgt/>
+                  </p:tgtEl>
+                </p:cond>
+              </p:nextCondLst>
+            </p:seq>
+          </p:childTnLst>
+        </p:cTn>
+      </p:par>
+    </p:tnLst>
+    <p:bldLst>
+      <p:bldP spid="5" grpId="0" animBg="1"/>
     </p:bldLst>
   </p:timing>
 </p:sld>
@@ -9017,6 +9327,4624 @@
           <a:chExt cx="0" cy="0"/>
         </a:xfrm>
       </p:grpSpPr>
+      <p:sp>
+        <p:nvSpPr>
+          <p:cNvPr id="11" name="Title 7"/>
+          <p:cNvSpPr txBox="1">
+            <a:spLocks/>
+          </p:cNvSpPr>
+          <p:nvPr/>
+        </p:nvSpPr>
+        <p:spPr>
+          <a:xfrm>
+            <a:off x="2369077" y="1034945"/>
+            <a:ext cx="7292987" cy="400110"/>
+          </a:xfrm>
+          <a:prstGeom prst="rect">
+            <a:avLst/>
+          </a:prstGeom>
+          <a:solidFill>
+            <a:schemeClr val="bg2"/>
+          </a:solidFill>
+        </p:spPr>
+        <p:txBody>
+          <a:bodyPr wrap="square">
+            <a:spAutoFit/>
+          </a:bodyPr>
+          <a:lstStyle>
+            <a:lvl1pPr algn="l" defTabSz="914400" rtl="0" eaLnBrk="1" latinLnBrk="0" hangingPunct="1">
+              <a:spcBef>
+                <a:spcPct val="0"/>
+              </a:spcBef>
+              <a:buNone/>
+              <a:defRPr sz="4400" kern="1200">
+                <a:solidFill>
+                  <a:schemeClr val="tx1"/>
+                </a:solidFill>
+                <a:latin typeface="+mj-lt"/>
+                <a:ea typeface="+mj-ea"/>
+                <a:cs typeface="+mj-cs"/>
+              </a:defRPr>
+            </a:lvl1pPr>
+          </a:lstStyle>
+          <a:p>
+            <a:pPr>
+              <a:defRPr/>
+            </a:pPr>
+            <a:r>
+              <a:rPr lang="en-US" sz="2000" b="1" dirty="0" smtClean="0">
+                <a:latin typeface="Times New Roman" panose="02020603050405020304" pitchFamily="18" charset="0"/>
+                <a:cs typeface="Times New Roman" panose="02020603050405020304" pitchFamily="18" charset="0"/>
+              </a:rPr>
+              <a:t>Code </a:t>
+            </a:r>
+            <a:r>
+              <a:rPr lang="en-US" sz="2000" b="1" dirty="0" err="1" smtClean="0">
+                <a:latin typeface="Times New Roman" panose="02020603050405020304" pitchFamily="18" charset="0"/>
+                <a:cs typeface="Times New Roman" panose="02020603050405020304" pitchFamily="18" charset="0"/>
+              </a:rPr>
+              <a:t>đã</a:t>
+            </a:r>
+            <a:r>
+              <a:rPr lang="en-US" sz="2000" b="1" dirty="0" smtClean="0">
+                <a:latin typeface="Times New Roman" panose="02020603050405020304" pitchFamily="18" charset="0"/>
+                <a:cs typeface="Times New Roman" panose="02020603050405020304" pitchFamily="18" charset="0"/>
+              </a:rPr>
+              <a:t> </a:t>
+            </a:r>
+            <a:r>
+              <a:rPr lang="en-US" sz="2000" b="1" dirty="0" err="1" smtClean="0">
+                <a:latin typeface="Times New Roman" panose="02020603050405020304" pitchFamily="18" charset="0"/>
+                <a:cs typeface="Times New Roman" panose="02020603050405020304" pitchFamily="18" charset="0"/>
+              </a:rPr>
+              <a:t>được</a:t>
+            </a:r>
+            <a:r>
+              <a:rPr lang="en-US" sz="2000" b="1" dirty="0" smtClean="0">
+                <a:latin typeface="Times New Roman" panose="02020603050405020304" pitchFamily="18" charset="0"/>
+                <a:cs typeface="Times New Roman" panose="02020603050405020304" pitchFamily="18" charset="0"/>
+              </a:rPr>
+              <a:t> review </a:t>
+            </a:r>
+            <a:r>
+              <a:rPr lang="en-US" sz="2000" b="1" dirty="0" err="1" smtClean="0">
+                <a:latin typeface="Times New Roman" panose="02020603050405020304" pitchFamily="18" charset="0"/>
+                <a:cs typeface="Times New Roman" panose="02020603050405020304" pitchFamily="18" charset="0"/>
+              </a:rPr>
+              <a:t>chéo</a:t>
+            </a:r>
+            <a:endParaRPr lang="en-US" sz="2000" b="1" dirty="0">
+              <a:latin typeface="Times New Roman" panose="02020603050405020304" pitchFamily="18" charset="0"/>
+              <a:cs typeface="Times New Roman" panose="02020603050405020304" pitchFamily="18" charset="0"/>
+            </a:endParaRPr>
+          </a:p>
+        </p:txBody>
+      </p:sp>
+      <p:sp>
+        <p:nvSpPr>
+          <p:cNvPr id="25" name="Rectangle 19"/>
+          <p:cNvSpPr/>
+          <p:nvPr/>
+        </p:nvSpPr>
+        <p:spPr>
+          <a:xfrm rot="21420000">
+            <a:off x="1277421" y="927868"/>
+            <a:ext cx="776677" cy="614263"/>
+          </a:xfrm>
+          <a:custGeom>
+            <a:avLst/>
+            <a:gdLst>
+              <a:gd name="connsiteX0" fmla="*/ 0 w 1339596"/>
+              <a:gd name="connsiteY0" fmla="*/ 0 h 1219200"/>
+              <a:gd name="connsiteX1" fmla="*/ 1339596 w 1339596"/>
+              <a:gd name="connsiteY1" fmla="*/ 0 h 1219200"/>
+              <a:gd name="connsiteX2" fmla="*/ 1339596 w 1339596"/>
+              <a:gd name="connsiteY2" fmla="*/ 1219200 h 1219200"/>
+              <a:gd name="connsiteX3" fmla="*/ 0 w 1339596"/>
+              <a:gd name="connsiteY3" fmla="*/ 1219200 h 1219200"/>
+              <a:gd name="connsiteX4" fmla="*/ 0 w 1339596"/>
+              <a:gd name="connsiteY4" fmla="*/ 0 h 1219200"/>
+              <a:gd name="connsiteX0" fmla="*/ 0 w 1339596"/>
+              <a:gd name="connsiteY0" fmla="*/ 11733 h 1230933"/>
+              <a:gd name="connsiteX1" fmla="*/ 1306342 w 1339596"/>
+              <a:gd name="connsiteY1" fmla="*/ 0 h 1230933"/>
+              <a:gd name="connsiteX2" fmla="*/ 1339596 w 1339596"/>
+              <a:gd name="connsiteY2" fmla="*/ 1230933 h 1230933"/>
+              <a:gd name="connsiteX3" fmla="*/ 0 w 1339596"/>
+              <a:gd name="connsiteY3" fmla="*/ 1230933 h 1230933"/>
+              <a:gd name="connsiteX4" fmla="*/ 0 w 1339596"/>
+              <a:gd name="connsiteY4" fmla="*/ 11733 h 1230933"/>
+              <a:gd name="connsiteX0" fmla="*/ 55747 w 1339596"/>
+              <a:gd name="connsiteY0" fmla="*/ 12706 h 1230933"/>
+              <a:gd name="connsiteX1" fmla="*/ 1306342 w 1339596"/>
+              <a:gd name="connsiteY1" fmla="*/ 0 h 1230933"/>
+              <a:gd name="connsiteX2" fmla="*/ 1339596 w 1339596"/>
+              <a:gd name="connsiteY2" fmla="*/ 1230933 h 1230933"/>
+              <a:gd name="connsiteX3" fmla="*/ 0 w 1339596"/>
+              <a:gd name="connsiteY3" fmla="*/ 1230933 h 1230933"/>
+              <a:gd name="connsiteX4" fmla="*/ 55747 w 1339596"/>
+              <a:gd name="connsiteY4" fmla="*/ 12706 h 1230933"/>
+              <a:gd name="connsiteX0" fmla="*/ 28195 w 1339596"/>
+              <a:gd name="connsiteY0" fmla="*/ 12225 h 1230933"/>
+              <a:gd name="connsiteX1" fmla="*/ 1306342 w 1339596"/>
+              <a:gd name="connsiteY1" fmla="*/ 0 h 1230933"/>
+              <a:gd name="connsiteX2" fmla="*/ 1339596 w 1339596"/>
+              <a:gd name="connsiteY2" fmla="*/ 1230933 h 1230933"/>
+              <a:gd name="connsiteX3" fmla="*/ 0 w 1339596"/>
+              <a:gd name="connsiteY3" fmla="*/ 1230933 h 1230933"/>
+              <a:gd name="connsiteX4" fmla="*/ 28195 w 1339596"/>
+              <a:gd name="connsiteY4" fmla="*/ 12225 h 1230933"/>
+              <a:gd name="connsiteX0" fmla="*/ 28195 w 1353846"/>
+              <a:gd name="connsiteY0" fmla="*/ 6385 h 1225093"/>
+              <a:gd name="connsiteX1" fmla="*/ 1353846 w 1353846"/>
+              <a:gd name="connsiteY1" fmla="*/ 0 h 1225093"/>
+              <a:gd name="connsiteX2" fmla="*/ 1339596 w 1353846"/>
+              <a:gd name="connsiteY2" fmla="*/ 1225093 h 1225093"/>
+              <a:gd name="connsiteX3" fmla="*/ 0 w 1353846"/>
+              <a:gd name="connsiteY3" fmla="*/ 1225093 h 1225093"/>
+              <a:gd name="connsiteX4" fmla="*/ 28195 w 1353846"/>
+              <a:gd name="connsiteY4" fmla="*/ 6385 h 1225093"/>
+              <a:gd name="connsiteX0" fmla="*/ 20681 w 1353846"/>
+              <a:gd name="connsiteY0" fmla="*/ 6253 h 1225093"/>
+              <a:gd name="connsiteX1" fmla="*/ 1353846 w 1353846"/>
+              <a:gd name="connsiteY1" fmla="*/ 0 h 1225093"/>
+              <a:gd name="connsiteX2" fmla="*/ 1339596 w 1353846"/>
+              <a:gd name="connsiteY2" fmla="*/ 1225093 h 1225093"/>
+              <a:gd name="connsiteX3" fmla="*/ 0 w 1353846"/>
+              <a:gd name="connsiteY3" fmla="*/ 1225093 h 1225093"/>
+              <a:gd name="connsiteX4" fmla="*/ 20681 w 1353846"/>
+              <a:gd name="connsiteY4" fmla="*/ 6253 h 1225093"/>
+              <a:gd name="connsiteX0" fmla="*/ 20681 w 1339596"/>
+              <a:gd name="connsiteY0" fmla="*/ 6603 h 1225443"/>
+              <a:gd name="connsiteX1" fmla="*/ 1333808 w 1339596"/>
+              <a:gd name="connsiteY1" fmla="*/ 0 h 1225443"/>
+              <a:gd name="connsiteX2" fmla="*/ 1339596 w 1339596"/>
+              <a:gd name="connsiteY2" fmla="*/ 1225443 h 1225443"/>
+              <a:gd name="connsiteX3" fmla="*/ 0 w 1339596"/>
+              <a:gd name="connsiteY3" fmla="*/ 1225443 h 1225443"/>
+              <a:gd name="connsiteX4" fmla="*/ 20681 w 1339596"/>
+              <a:gd name="connsiteY4" fmla="*/ 6603 h 1225443"/>
+              <a:gd name="connsiteX0" fmla="*/ 33205 w 1339596"/>
+              <a:gd name="connsiteY0" fmla="*/ 6822 h 1225443"/>
+              <a:gd name="connsiteX1" fmla="*/ 1333808 w 1339596"/>
+              <a:gd name="connsiteY1" fmla="*/ 0 h 1225443"/>
+              <a:gd name="connsiteX2" fmla="*/ 1339596 w 1339596"/>
+              <a:gd name="connsiteY2" fmla="*/ 1225443 h 1225443"/>
+              <a:gd name="connsiteX3" fmla="*/ 0 w 1339596"/>
+              <a:gd name="connsiteY3" fmla="*/ 1225443 h 1225443"/>
+              <a:gd name="connsiteX4" fmla="*/ 33205 w 1339596"/>
+              <a:gd name="connsiteY4" fmla="*/ 6822 h 1225443"/>
+              <a:gd name="connsiteX0" fmla="*/ 13167 w 1339596"/>
+              <a:gd name="connsiteY0" fmla="*/ 6472 h 1225443"/>
+              <a:gd name="connsiteX1" fmla="*/ 1333808 w 1339596"/>
+              <a:gd name="connsiteY1" fmla="*/ 0 h 1225443"/>
+              <a:gd name="connsiteX2" fmla="*/ 1339596 w 1339596"/>
+              <a:gd name="connsiteY2" fmla="*/ 1225443 h 1225443"/>
+              <a:gd name="connsiteX3" fmla="*/ 0 w 1339596"/>
+              <a:gd name="connsiteY3" fmla="*/ 1225443 h 1225443"/>
+              <a:gd name="connsiteX4" fmla="*/ 13167 w 1339596"/>
+              <a:gd name="connsiteY4" fmla="*/ 6472 h 1225443"/>
+              <a:gd name="connsiteX0" fmla="*/ 13167 w 1333884"/>
+              <a:gd name="connsiteY0" fmla="*/ 6472 h 1225443"/>
+              <a:gd name="connsiteX1" fmla="*/ 1333808 w 1333884"/>
+              <a:gd name="connsiteY1" fmla="*/ 0 h 1225443"/>
+              <a:gd name="connsiteX2" fmla="*/ 1302330 w 1333884"/>
+              <a:gd name="connsiteY2" fmla="*/ 1207253 h 1225443"/>
+              <a:gd name="connsiteX3" fmla="*/ 0 w 1333884"/>
+              <a:gd name="connsiteY3" fmla="*/ 1225443 h 1225443"/>
+              <a:gd name="connsiteX4" fmla="*/ 13167 w 1333884"/>
+              <a:gd name="connsiteY4" fmla="*/ 6472 h 1225443"/>
+              <a:gd name="connsiteX0" fmla="*/ 13167 w 1334211"/>
+              <a:gd name="connsiteY0" fmla="*/ 6472 h 1232826"/>
+              <a:gd name="connsiteX1" fmla="*/ 1333808 w 1334211"/>
+              <a:gd name="connsiteY1" fmla="*/ 0 h 1232826"/>
+              <a:gd name="connsiteX2" fmla="*/ 1331950 w 1334211"/>
+              <a:gd name="connsiteY2" fmla="*/ 1232826 h 1232826"/>
+              <a:gd name="connsiteX3" fmla="*/ 0 w 1334211"/>
+              <a:gd name="connsiteY3" fmla="*/ 1225443 h 1232826"/>
+              <a:gd name="connsiteX4" fmla="*/ 13167 w 1334211"/>
+              <a:gd name="connsiteY4" fmla="*/ 6472 h 1232826"/>
+              <a:gd name="connsiteX0" fmla="*/ 13167 w 1333952"/>
+              <a:gd name="connsiteY0" fmla="*/ 6472 h 1225443"/>
+              <a:gd name="connsiteX1" fmla="*/ 1333808 w 1333952"/>
+              <a:gd name="connsiteY1" fmla="*/ 0 h 1225443"/>
+              <a:gd name="connsiteX2" fmla="*/ 1319601 w 1333952"/>
+              <a:gd name="connsiteY2" fmla="*/ 1222588 h 1225443"/>
+              <a:gd name="connsiteX3" fmla="*/ 0 w 1333952"/>
+              <a:gd name="connsiteY3" fmla="*/ 1225443 h 1225443"/>
+              <a:gd name="connsiteX4" fmla="*/ 13167 w 1333952"/>
+              <a:gd name="connsiteY4" fmla="*/ 6472 h 1225443"/>
+              <a:gd name="connsiteX0" fmla="*/ 30785 w 1333952"/>
+              <a:gd name="connsiteY0" fmla="*/ 0 h 1235984"/>
+              <a:gd name="connsiteX1" fmla="*/ 1333808 w 1333952"/>
+              <a:gd name="connsiteY1" fmla="*/ 10541 h 1235984"/>
+              <a:gd name="connsiteX2" fmla="*/ 1319601 w 1333952"/>
+              <a:gd name="connsiteY2" fmla="*/ 1233129 h 1235984"/>
+              <a:gd name="connsiteX3" fmla="*/ 0 w 1333952"/>
+              <a:gd name="connsiteY3" fmla="*/ 1235984 h 1235984"/>
+              <a:gd name="connsiteX4" fmla="*/ 30785 w 1333952"/>
+              <a:gd name="connsiteY4" fmla="*/ 0 h 1235984"/>
+              <a:gd name="connsiteX0" fmla="*/ 30785 w 1319601"/>
+              <a:gd name="connsiteY0" fmla="*/ 0 h 1235984"/>
+              <a:gd name="connsiteX1" fmla="*/ 1312848 w 1319601"/>
+              <a:gd name="connsiteY1" fmla="*/ 20567 h 1235984"/>
+              <a:gd name="connsiteX2" fmla="*/ 1319601 w 1319601"/>
+              <a:gd name="connsiteY2" fmla="*/ 1233129 h 1235984"/>
+              <a:gd name="connsiteX3" fmla="*/ 0 w 1319601"/>
+              <a:gd name="connsiteY3" fmla="*/ 1235984 h 1235984"/>
+              <a:gd name="connsiteX4" fmla="*/ 30785 w 1319601"/>
+              <a:gd name="connsiteY4" fmla="*/ 0 h 1235984"/>
+            </a:gdLst>
+            <a:ahLst/>
+            <a:cxnLst>
+              <a:cxn ang="0">
+                <a:pos x="connsiteX0" y="connsiteY0"/>
+              </a:cxn>
+              <a:cxn ang="0">
+                <a:pos x="connsiteX1" y="connsiteY1"/>
+              </a:cxn>
+              <a:cxn ang="0">
+                <a:pos x="connsiteX2" y="connsiteY2"/>
+              </a:cxn>
+              <a:cxn ang="0">
+                <a:pos x="connsiteX3" y="connsiteY3"/>
+              </a:cxn>
+              <a:cxn ang="0">
+                <a:pos x="connsiteX4" y="connsiteY4"/>
+              </a:cxn>
+            </a:cxnLst>
+            <a:rect l="l" t="t" r="r" b="b"/>
+            <a:pathLst>
+              <a:path w="1319601" h="1235984">
+                <a:moveTo>
+                  <a:pt x="30785" y="0"/>
+                </a:moveTo>
+                <a:lnTo>
+                  <a:pt x="1312848" y="20567"/>
+                </a:lnTo>
+                <a:cubicBezTo>
+                  <a:pt x="1314777" y="429048"/>
+                  <a:pt x="1317672" y="824648"/>
+                  <a:pt x="1319601" y="1233129"/>
+                </a:cubicBezTo>
+                <a:lnTo>
+                  <a:pt x="0" y="1235984"/>
+                </a:lnTo>
+                <a:lnTo>
+                  <a:pt x="30785" y="0"/>
+                </a:lnTo>
+                <a:close/>
+              </a:path>
+            </a:pathLst>
+          </a:custGeom>
+          <a:gradFill flip="none" rotWithShape="1">
+            <a:gsLst>
+              <a:gs pos="21000">
+                <a:srgbClr val="FEF99C"/>
+              </a:gs>
+              <a:gs pos="0">
+                <a:srgbClr val="F6E7A6"/>
+              </a:gs>
+              <a:gs pos="100000">
+                <a:srgbClr val="FEF99C"/>
+              </a:gs>
+            </a:gsLst>
+            <a:lin ang="5400000" scaled="1"/>
+            <a:tileRect/>
+          </a:gradFill>
+          <a:ln>
+            <a:noFill/>
+          </a:ln>
+          <a:effectLst>
+            <a:outerShdw blurRad="317500" dist="38100" dir="8100000" sx="101000" sy="101000" algn="tr" rotWithShape="0">
+              <a:prstClr val="black">
+                <a:alpha val="70000"/>
+              </a:prstClr>
+            </a:outerShdw>
+          </a:effectLst>
+        </p:spPr>
+        <p:style>
+          <a:lnRef idx="2">
+            <a:schemeClr val="accent1">
+              <a:shade val="50000"/>
+            </a:schemeClr>
+          </a:lnRef>
+          <a:fillRef idx="1">
+            <a:schemeClr val="accent1"/>
+          </a:fillRef>
+          <a:effectRef idx="0">
+            <a:schemeClr val="accent1"/>
+          </a:effectRef>
+          <a:fontRef idx="minor">
+            <a:schemeClr val="lt1"/>
+          </a:fontRef>
+        </p:style>
+        <p:txBody>
+          <a:bodyPr lIns="45720" rIns="45720" anchor="ctr"/>
+          <a:lstStyle/>
+          <a:p>
+            <a:pPr algn="ctr">
+              <a:defRPr/>
+            </a:pPr>
+            <a:r>
+              <a:rPr lang="en-US" sz="5000" b="1" dirty="0">
+                <a:solidFill>
+                  <a:schemeClr val="tx1">
+                    <a:lumMod val="75000"/>
+                    <a:lumOff val="25000"/>
+                  </a:schemeClr>
+                </a:solidFill>
+                <a:latin typeface="Bradley Hand ITC" pitchFamily="66" charset="0"/>
+                <a:cs typeface="Arial" pitchFamily="34" charset="0"/>
+              </a:rPr>
+              <a:t>1</a:t>
+            </a:r>
+          </a:p>
+        </p:txBody>
+      </p:sp>
+      <p:sp>
+        <p:nvSpPr>
+          <p:cNvPr id="43" name="Title 7"/>
+          <p:cNvSpPr txBox="1">
+            <a:spLocks/>
+          </p:cNvSpPr>
+          <p:nvPr/>
+        </p:nvSpPr>
+        <p:spPr>
+          <a:xfrm>
+            <a:off x="2358887" y="1683914"/>
+            <a:ext cx="7283691" cy="400110"/>
+          </a:xfrm>
+          <a:prstGeom prst="rect">
+            <a:avLst/>
+          </a:prstGeom>
+          <a:solidFill>
+            <a:schemeClr val="bg2"/>
+          </a:solidFill>
+        </p:spPr>
+        <p:txBody>
+          <a:bodyPr wrap="square">
+            <a:spAutoFit/>
+          </a:bodyPr>
+          <a:lstStyle>
+            <a:lvl1pPr algn="l" defTabSz="914400" rtl="0" eaLnBrk="1" latinLnBrk="0" hangingPunct="1">
+              <a:spcBef>
+                <a:spcPct val="0"/>
+              </a:spcBef>
+              <a:buNone/>
+              <a:defRPr sz="4400" kern="1200">
+                <a:solidFill>
+                  <a:schemeClr val="tx1"/>
+                </a:solidFill>
+                <a:latin typeface="+mj-lt"/>
+                <a:ea typeface="+mj-ea"/>
+                <a:cs typeface="+mj-cs"/>
+              </a:defRPr>
+            </a:lvl1pPr>
+          </a:lstStyle>
+          <a:p>
+            <a:r>
+              <a:rPr lang="en-US" sz="2000" b="1" dirty="0" err="1" smtClean="0">
+                <a:latin typeface="Times New Roman" panose="02020603050405020304" pitchFamily="18" charset="0"/>
+                <a:cs typeface="Times New Roman" panose="02020603050405020304" pitchFamily="18" charset="0"/>
+              </a:rPr>
+              <a:t>Chức</a:t>
+            </a:r>
+            <a:r>
+              <a:rPr lang="en-US" sz="2000" b="1" dirty="0" smtClean="0">
+                <a:latin typeface="Times New Roman" panose="02020603050405020304" pitchFamily="18" charset="0"/>
+                <a:cs typeface="Times New Roman" panose="02020603050405020304" pitchFamily="18" charset="0"/>
+              </a:rPr>
+              <a:t> </a:t>
+            </a:r>
+            <a:r>
+              <a:rPr lang="en-US" sz="2000" b="1" dirty="0" err="1" smtClean="0">
+                <a:latin typeface="Times New Roman" panose="02020603050405020304" pitchFamily="18" charset="0"/>
+                <a:cs typeface="Times New Roman" panose="02020603050405020304" pitchFamily="18" charset="0"/>
+              </a:rPr>
+              <a:t>năng</a:t>
+            </a:r>
+            <a:r>
+              <a:rPr lang="en-US" sz="2000" b="1" dirty="0" smtClean="0">
+                <a:latin typeface="Times New Roman" panose="02020603050405020304" pitchFamily="18" charset="0"/>
+                <a:cs typeface="Times New Roman" panose="02020603050405020304" pitchFamily="18" charset="0"/>
+              </a:rPr>
+              <a:t> </a:t>
+            </a:r>
+            <a:r>
+              <a:rPr lang="en-US" sz="2000" b="1" dirty="0" err="1" smtClean="0">
+                <a:latin typeface="Times New Roman" panose="02020603050405020304" pitchFamily="18" charset="0"/>
+                <a:cs typeface="Times New Roman" panose="02020603050405020304" pitchFamily="18" charset="0"/>
+              </a:rPr>
+              <a:t>đã</a:t>
+            </a:r>
+            <a:r>
+              <a:rPr lang="en-US" sz="2000" b="1" dirty="0" smtClean="0">
+                <a:latin typeface="Times New Roman" panose="02020603050405020304" pitchFamily="18" charset="0"/>
+                <a:cs typeface="Times New Roman" panose="02020603050405020304" pitchFamily="18" charset="0"/>
+              </a:rPr>
+              <a:t> </a:t>
+            </a:r>
+            <a:r>
+              <a:rPr lang="en-US" sz="2000" b="1" dirty="0" err="1" smtClean="0">
+                <a:latin typeface="Times New Roman" panose="02020603050405020304" pitchFamily="18" charset="0"/>
+                <a:cs typeface="Times New Roman" panose="02020603050405020304" pitchFamily="18" charset="0"/>
+              </a:rPr>
+              <a:t>được</a:t>
+            </a:r>
+            <a:r>
+              <a:rPr lang="en-US" sz="2000" b="1" dirty="0" smtClean="0">
+                <a:latin typeface="Times New Roman" panose="02020603050405020304" pitchFamily="18" charset="0"/>
+                <a:cs typeface="Times New Roman" panose="02020603050405020304" pitchFamily="18" charset="0"/>
+              </a:rPr>
+              <a:t> test </a:t>
+            </a:r>
+            <a:r>
+              <a:rPr lang="en-US" sz="2000" b="1" dirty="0" err="1" smtClean="0">
+                <a:latin typeface="Times New Roman" panose="02020603050405020304" pitchFamily="18" charset="0"/>
+                <a:cs typeface="Times New Roman" panose="02020603050405020304" pitchFamily="18" charset="0"/>
+              </a:rPr>
+              <a:t>chéo</a:t>
+            </a:r>
+            <a:endParaRPr lang="en-US" sz="2000" b="1" dirty="0">
+              <a:latin typeface="Times New Roman" panose="02020603050405020304" pitchFamily="18" charset="0"/>
+              <a:cs typeface="Times New Roman" panose="02020603050405020304" pitchFamily="18" charset="0"/>
+            </a:endParaRPr>
+          </a:p>
+        </p:txBody>
+      </p:sp>
+      <p:sp>
+        <p:nvSpPr>
+          <p:cNvPr id="44" name="Rectangle 19"/>
+          <p:cNvSpPr/>
+          <p:nvPr/>
+        </p:nvSpPr>
+        <p:spPr>
+          <a:xfrm rot="286156">
+            <a:off x="1271290" y="1743028"/>
+            <a:ext cx="698979" cy="620788"/>
+          </a:xfrm>
+          <a:custGeom>
+            <a:avLst/>
+            <a:gdLst>
+              <a:gd name="connsiteX0" fmla="*/ 0 w 1339596"/>
+              <a:gd name="connsiteY0" fmla="*/ 0 h 1219200"/>
+              <a:gd name="connsiteX1" fmla="*/ 1339596 w 1339596"/>
+              <a:gd name="connsiteY1" fmla="*/ 0 h 1219200"/>
+              <a:gd name="connsiteX2" fmla="*/ 1339596 w 1339596"/>
+              <a:gd name="connsiteY2" fmla="*/ 1219200 h 1219200"/>
+              <a:gd name="connsiteX3" fmla="*/ 0 w 1339596"/>
+              <a:gd name="connsiteY3" fmla="*/ 1219200 h 1219200"/>
+              <a:gd name="connsiteX4" fmla="*/ 0 w 1339596"/>
+              <a:gd name="connsiteY4" fmla="*/ 0 h 1219200"/>
+              <a:gd name="connsiteX0" fmla="*/ 0 w 1339596"/>
+              <a:gd name="connsiteY0" fmla="*/ 11733 h 1230933"/>
+              <a:gd name="connsiteX1" fmla="*/ 1306342 w 1339596"/>
+              <a:gd name="connsiteY1" fmla="*/ 0 h 1230933"/>
+              <a:gd name="connsiteX2" fmla="*/ 1339596 w 1339596"/>
+              <a:gd name="connsiteY2" fmla="*/ 1230933 h 1230933"/>
+              <a:gd name="connsiteX3" fmla="*/ 0 w 1339596"/>
+              <a:gd name="connsiteY3" fmla="*/ 1230933 h 1230933"/>
+              <a:gd name="connsiteX4" fmla="*/ 0 w 1339596"/>
+              <a:gd name="connsiteY4" fmla="*/ 11733 h 1230933"/>
+              <a:gd name="connsiteX0" fmla="*/ 55747 w 1339596"/>
+              <a:gd name="connsiteY0" fmla="*/ 12706 h 1230933"/>
+              <a:gd name="connsiteX1" fmla="*/ 1306342 w 1339596"/>
+              <a:gd name="connsiteY1" fmla="*/ 0 h 1230933"/>
+              <a:gd name="connsiteX2" fmla="*/ 1339596 w 1339596"/>
+              <a:gd name="connsiteY2" fmla="*/ 1230933 h 1230933"/>
+              <a:gd name="connsiteX3" fmla="*/ 0 w 1339596"/>
+              <a:gd name="connsiteY3" fmla="*/ 1230933 h 1230933"/>
+              <a:gd name="connsiteX4" fmla="*/ 55747 w 1339596"/>
+              <a:gd name="connsiteY4" fmla="*/ 12706 h 1230933"/>
+              <a:gd name="connsiteX0" fmla="*/ 28195 w 1339596"/>
+              <a:gd name="connsiteY0" fmla="*/ 12225 h 1230933"/>
+              <a:gd name="connsiteX1" fmla="*/ 1306342 w 1339596"/>
+              <a:gd name="connsiteY1" fmla="*/ 0 h 1230933"/>
+              <a:gd name="connsiteX2" fmla="*/ 1339596 w 1339596"/>
+              <a:gd name="connsiteY2" fmla="*/ 1230933 h 1230933"/>
+              <a:gd name="connsiteX3" fmla="*/ 0 w 1339596"/>
+              <a:gd name="connsiteY3" fmla="*/ 1230933 h 1230933"/>
+              <a:gd name="connsiteX4" fmla="*/ 28195 w 1339596"/>
+              <a:gd name="connsiteY4" fmla="*/ 12225 h 1230933"/>
+              <a:gd name="connsiteX0" fmla="*/ 28195 w 1353846"/>
+              <a:gd name="connsiteY0" fmla="*/ 6385 h 1225093"/>
+              <a:gd name="connsiteX1" fmla="*/ 1353846 w 1353846"/>
+              <a:gd name="connsiteY1" fmla="*/ 0 h 1225093"/>
+              <a:gd name="connsiteX2" fmla="*/ 1339596 w 1353846"/>
+              <a:gd name="connsiteY2" fmla="*/ 1225093 h 1225093"/>
+              <a:gd name="connsiteX3" fmla="*/ 0 w 1353846"/>
+              <a:gd name="connsiteY3" fmla="*/ 1225093 h 1225093"/>
+              <a:gd name="connsiteX4" fmla="*/ 28195 w 1353846"/>
+              <a:gd name="connsiteY4" fmla="*/ 6385 h 1225093"/>
+              <a:gd name="connsiteX0" fmla="*/ 20681 w 1353846"/>
+              <a:gd name="connsiteY0" fmla="*/ 6253 h 1225093"/>
+              <a:gd name="connsiteX1" fmla="*/ 1353846 w 1353846"/>
+              <a:gd name="connsiteY1" fmla="*/ 0 h 1225093"/>
+              <a:gd name="connsiteX2" fmla="*/ 1339596 w 1353846"/>
+              <a:gd name="connsiteY2" fmla="*/ 1225093 h 1225093"/>
+              <a:gd name="connsiteX3" fmla="*/ 0 w 1353846"/>
+              <a:gd name="connsiteY3" fmla="*/ 1225093 h 1225093"/>
+              <a:gd name="connsiteX4" fmla="*/ 20681 w 1353846"/>
+              <a:gd name="connsiteY4" fmla="*/ 6253 h 1225093"/>
+              <a:gd name="connsiteX0" fmla="*/ 20681 w 1339596"/>
+              <a:gd name="connsiteY0" fmla="*/ 6603 h 1225443"/>
+              <a:gd name="connsiteX1" fmla="*/ 1333808 w 1339596"/>
+              <a:gd name="connsiteY1" fmla="*/ 0 h 1225443"/>
+              <a:gd name="connsiteX2" fmla="*/ 1339596 w 1339596"/>
+              <a:gd name="connsiteY2" fmla="*/ 1225443 h 1225443"/>
+              <a:gd name="connsiteX3" fmla="*/ 0 w 1339596"/>
+              <a:gd name="connsiteY3" fmla="*/ 1225443 h 1225443"/>
+              <a:gd name="connsiteX4" fmla="*/ 20681 w 1339596"/>
+              <a:gd name="connsiteY4" fmla="*/ 6603 h 1225443"/>
+              <a:gd name="connsiteX0" fmla="*/ 33205 w 1339596"/>
+              <a:gd name="connsiteY0" fmla="*/ 6822 h 1225443"/>
+              <a:gd name="connsiteX1" fmla="*/ 1333808 w 1339596"/>
+              <a:gd name="connsiteY1" fmla="*/ 0 h 1225443"/>
+              <a:gd name="connsiteX2" fmla="*/ 1339596 w 1339596"/>
+              <a:gd name="connsiteY2" fmla="*/ 1225443 h 1225443"/>
+              <a:gd name="connsiteX3" fmla="*/ 0 w 1339596"/>
+              <a:gd name="connsiteY3" fmla="*/ 1225443 h 1225443"/>
+              <a:gd name="connsiteX4" fmla="*/ 33205 w 1339596"/>
+              <a:gd name="connsiteY4" fmla="*/ 6822 h 1225443"/>
+              <a:gd name="connsiteX0" fmla="*/ 13167 w 1339596"/>
+              <a:gd name="connsiteY0" fmla="*/ 6472 h 1225443"/>
+              <a:gd name="connsiteX1" fmla="*/ 1333808 w 1339596"/>
+              <a:gd name="connsiteY1" fmla="*/ 0 h 1225443"/>
+              <a:gd name="connsiteX2" fmla="*/ 1339596 w 1339596"/>
+              <a:gd name="connsiteY2" fmla="*/ 1225443 h 1225443"/>
+              <a:gd name="connsiteX3" fmla="*/ 0 w 1339596"/>
+              <a:gd name="connsiteY3" fmla="*/ 1225443 h 1225443"/>
+              <a:gd name="connsiteX4" fmla="*/ 13167 w 1339596"/>
+              <a:gd name="connsiteY4" fmla="*/ 6472 h 1225443"/>
+              <a:gd name="connsiteX0" fmla="*/ 13167 w 1333884"/>
+              <a:gd name="connsiteY0" fmla="*/ 6472 h 1225443"/>
+              <a:gd name="connsiteX1" fmla="*/ 1333808 w 1333884"/>
+              <a:gd name="connsiteY1" fmla="*/ 0 h 1225443"/>
+              <a:gd name="connsiteX2" fmla="*/ 1302330 w 1333884"/>
+              <a:gd name="connsiteY2" fmla="*/ 1207253 h 1225443"/>
+              <a:gd name="connsiteX3" fmla="*/ 0 w 1333884"/>
+              <a:gd name="connsiteY3" fmla="*/ 1225443 h 1225443"/>
+              <a:gd name="connsiteX4" fmla="*/ 13167 w 1333884"/>
+              <a:gd name="connsiteY4" fmla="*/ 6472 h 1225443"/>
+              <a:gd name="connsiteX0" fmla="*/ 13167 w 1334211"/>
+              <a:gd name="connsiteY0" fmla="*/ 6472 h 1232826"/>
+              <a:gd name="connsiteX1" fmla="*/ 1333808 w 1334211"/>
+              <a:gd name="connsiteY1" fmla="*/ 0 h 1232826"/>
+              <a:gd name="connsiteX2" fmla="*/ 1331950 w 1334211"/>
+              <a:gd name="connsiteY2" fmla="*/ 1232826 h 1232826"/>
+              <a:gd name="connsiteX3" fmla="*/ 0 w 1334211"/>
+              <a:gd name="connsiteY3" fmla="*/ 1225443 h 1232826"/>
+              <a:gd name="connsiteX4" fmla="*/ 13167 w 1334211"/>
+              <a:gd name="connsiteY4" fmla="*/ 6472 h 1232826"/>
+              <a:gd name="connsiteX0" fmla="*/ 13167 w 1333952"/>
+              <a:gd name="connsiteY0" fmla="*/ 6472 h 1225443"/>
+              <a:gd name="connsiteX1" fmla="*/ 1333808 w 1333952"/>
+              <a:gd name="connsiteY1" fmla="*/ 0 h 1225443"/>
+              <a:gd name="connsiteX2" fmla="*/ 1319601 w 1333952"/>
+              <a:gd name="connsiteY2" fmla="*/ 1222588 h 1225443"/>
+              <a:gd name="connsiteX3" fmla="*/ 0 w 1333952"/>
+              <a:gd name="connsiteY3" fmla="*/ 1225443 h 1225443"/>
+              <a:gd name="connsiteX4" fmla="*/ 13167 w 1333952"/>
+              <a:gd name="connsiteY4" fmla="*/ 6472 h 1225443"/>
+              <a:gd name="connsiteX0" fmla="*/ 30785 w 1333952"/>
+              <a:gd name="connsiteY0" fmla="*/ 0 h 1235984"/>
+              <a:gd name="connsiteX1" fmla="*/ 1333808 w 1333952"/>
+              <a:gd name="connsiteY1" fmla="*/ 10541 h 1235984"/>
+              <a:gd name="connsiteX2" fmla="*/ 1319601 w 1333952"/>
+              <a:gd name="connsiteY2" fmla="*/ 1233129 h 1235984"/>
+              <a:gd name="connsiteX3" fmla="*/ 0 w 1333952"/>
+              <a:gd name="connsiteY3" fmla="*/ 1235984 h 1235984"/>
+              <a:gd name="connsiteX4" fmla="*/ 30785 w 1333952"/>
+              <a:gd name="connsiteY4" fmla="*/ 0 h 1235984"/>
+              <a:gd name="connsiteX0" fmla="*/ 30785 w 1319601"/>
+              <a:gd name="connsiteY0" fmla="*/ 0 h 1235984"/>
+              <a:gd name="connsiteX1" fmla="*/ 1312848 w 1319601"/>
+              <a:gd name="connsiteY1" fmla="*/ 20567 h 1235984"/>
+              <a:gd name="connsiteX2" fmla="*/ 1319601 w 1319601"/>
+              <a:gd name="connsiteY2" fmla="*/ 1233129 h 1235984"/>
+              <a:gd name="connsiteX3" fmla="*/ 0 w 1319601"/>
+              <a:gd name="connsiteY3" fmla="*/ 1235984 h 1235984"/>
+              <a:gd name="connsiteX4" fmla="*/ 30785 w 1319601"/>
+              <a:gd name="connsiteY4" fmla="*/ 0 h 1235984"/>
+            </a:gdLst>
+            <a:ahLst/>
+            <a:cxnLst>
+              <a:cxn ang="0">
+                <a:pos x="connsiteX0" y="connsiteY0"/>
+              </a:cxn>
+              <a:cxn ang="0">
+                <a:pos x="connsiteX1" y="connsiteY1"/>
+              </a:cxn>
+              <a:cxn ang="0">
+                <a:pos x="connsiteX2" y="connsiteY2"/>
+              </a:cxn>
+              <a:cxn ang="0">
+                <a:pos x="connsiteX3" y="connsiteY3"/>
+              </a:cxn>
+              <a:cxn ang="0">
+                <a:pos x="connsiteX4" y="connsiteY4"/>
+              </a:cxn>
+            </a:cxnLst>
+            <a:rect l="l" t="t" r="r" b="b"/>
+            <a:pathLst>
+              <a:path w="1319601" h="1235984">
+                <a:moveTo>
+                  <a:pt x="30785" y="0"/>
+                </a:moveTo>
+                <a:lnTo>
+                  <a:pt x="1312848" y="20567"/>
+                </a:lnTo>
+                <a:cubicBezTo>
+                  <a:pt x="1314777" y="429048"/>
+                  <a:pt x="1317672" y="824648"/>
+                  <a:pt x="1319601" y="1233129"/>
+                </a:cubicBezTo>
+                <a:lnTo>
+                  <a:pt x="0" y="1235984"/>
+                </a:lnTo>
+                <a:lnTo>
+                  <a:pt x="30785" y="0"/>
+                </a:lnTo>
+                <a:close/>
+              </a:path>
+            </a:pathLst>
+          </a:custGeom>
+          <a:solidFill>
+            <a:srgbClr val="984EB6"/>
+          </a:solidFill>
+          <a:ln>
+            <a:noFill/>
+          </a:ln>
+          <a:effectLst>
+            <a:outerShdw blurRad="317500" dist="38100" dir="8100000" sx="101000" sy="101000" algn="tr" rotWithShape="0">
+              <a:prstClr val="black">
+                <a:alpha val="70000"/>
+              </a:prstClr>
+            </a:outerShdw>
+          </a:effectLst>
+        </p:spPr>
+        <p:style>
+          <a:lnRef idx="2">
+            <a:schemeClr val="accent1">
+              <a:shade val="50000"/>
+            </a:schemeClr>
+          </a:lnRef>
+          <a:fillRef idx="1">
+            <a:schemeClr val="accent1"/>
+          </a:fillRef>
+          <a:effectRef idx="0">
+            <a:schemeClr val="accent1"/>
+          </a:effectRef>
+          <a:fontRef idx="minor">
+            <a:schemeClr val="lt1"/>
+          </a:fontRef>
+        </p:style>
+        <p:txBody>
+          <a:bodyPr lIns="45720" rIns="45720" anchor="ctr"/>
+          <a:lstStyle/>
+          <a:p>
+            <a:pPr algn="ctr">
+              <a:defRPr/>
+            </a:pPr>
+            <a:r>
+              <a:rPr lang="en-US" sz="5000" b="1" dirty="0">
+                <a:solidFill>
+                  <a:schemeClr val="tx1">
+                    <a:lumMod val="85000"/>
+                    <a:lumOff val="15000"/>
+                  </a:schemeClr>
+                </a:solidFill>
+                <a:latin typeface="Bradley Hand ITC" pitchFamily="66" charset="0"/>
+                <a:cs typeface="Arial" pitchFamily="34" charset="0"/>
+              </a:rPr>
+              <a:t>2</a:t>
+            </a:r>
+          </a:p>
+        </p:txBody>
+      </p:sp>
+      <p:sp>
+        <p:nvSpPr>
+          <p:cNvPr id="45" name="Rectangle 19"/>
+          <p:cNvSpPr/>
+          <p:nvPr/>
+        </p:nvSpPr>
+        <p:spPr>
+          <a:xfrm rot="21124480">
+            <a:off x="1197912" y="2612834"/>
+            <a:ext cx="820546" cy="613178"/>
+          </a:xfrm>
+          <a:custGeom>
+            <a:avLst/>
+            <a:gdLst>
+              <a:gd name="connsiteX0" fmla="*/ 0 w 1339596"/>
+              <a:gd name="connsiteY0" fmla="*/ 0 h 1219200"/>
+              <a:gd name="connsiteX1" fmla="*/ 1339596 w 1339596"/>
+              <a:gd name="connsiteY1" fmla="*/ 0 h 1219200"/>
+              <a:gd name="connsiteX2" fmla="*/ 1339596 w 1339596"/>
+              <a:gd name="connsiteY2" fmla="*/ 1219200 h 1219200"/>
+              <a:gd name="connsiteX3" fmla="*/ 0 w 1339596"/>
+              <a:gd name="connsiteY3" fmla="*/ 1219200 h 1219200"/>
+              <a:gd name="connsiteX4" fmla="*/ 0 w 1339596"/>
+              <a:gd name="connsiteY4" fmla="*/ 0 h 1219200"/>
+              <a:gd name="connsiteX0" fmla="*/ 0 w 1339596"/>
+              <a:gd name="connsiteY0" fmla="*/ 11733 h 1230933"/>
+              <a:gd name="connsiteX1" fmla="*/ 1306342 w 1339596"/>
+              <a:gd name="connsiteY1" fmla="*/ 0 h 1230933"/>
+              <a:gd name="connsiteX2" fmla="*/ 1339596 w 1339596"/>
+              <a:gd name="connsiteY2" fmla="*/ 1230933 h 1230933"/>
+              <a:gd name="connsiteX3" fmla="*/ 0 w 1339596"/>
+              <a:gd name="connsiteY3" fmla="*/ 1230933 h 1230933"/>
+              <a:gd name="connsiteX4" fmla="*/ 0 w 1339596"/>
+              <a:gd name="connsiteY4" fmla="*/ 11733 h 1230933"/>
+              <a:gd name="connsiteX0" fmla="*/ 55747 w 1339596"/>
+              <a:gd name="connsiteY0" fmla="*/ 12706 h 1230933"/>
+              <a:gd name="connsiteX1" fmla="*/ 1306342 w 1339596"/>
+              <a:gd name="connsiteY1" fmla="*/ 0 h 1230933"/>
+              <a:gd name="connsiteX2" fmla="*/ 1339596 w 1339596"/>
+              <a:gd name="connsiteY2" fmla="*/ 1230933 h 1230933"/>
+              <a:gd name="connsiteX3" fmla="*/ 0 w 1339596"/>
+              <a:gd name="connsiteY3" fmla="*/ 1230933 h 1230933"/>
+              <a:gd name="connsiteX4" fmla="*/ 55747 w 1339596"/>
+              <a:gd name="connsiteY4" fmla="*/ 12706 h 1230933"/>
+              <a:gd name="connsiteX0" fmla="*/ 28195 w 1339596"/>
+              <a:gd name="connsiteY0" fmla="*/ 12225 h 1230933"/>
+              <a:gd name="connsiteX1" fmla="*/ 1306342 w 1339596"/>
+              <a:gd name="connsiteY1" fmla="*/ 0 h 1230933"/>
+              <a:gd name="connsiteX2" fmla="*/ 1339596 w 1339596"/>
+              <a:gd name="connsiteY2" fmla="*/ 1230933 h 1230933"/>
+              <a:gd name="connsiteX3" fmla="*/ 0 w 1339596"/>
+              <a:gd name="connsiteY3" fmla="*/ 1230933 h 1230933"/>
+              <a:gd name="connsiteX4" fmla="*/ 28195 w 1339596"/>
+              <a:gd name="connsiteY4" fmla="*/ 12225 h 1230933"/>
+              <a:gd name="connsiteX0" fmla="*/ 28195 w 1353846"/>
+              <a:gd name="connsiteY0" fmla="*/ 6385 h 1225093"/>
+              <a:gd name="connsiteX1" fmla="*/ 1353846 w 1353846"/>
+              <a:gd name="connsiteY1" fmla="*/ 0 h 1225093"/>
+              <a:gd name="connsiteX2" fmla="*/ 1339596 w 1353846"/>
+              <a:gd name="connsiteY2" fmla="*/ 1225093 h 1225093"/>
+              <a:gd name="connsiteX3" fmla="*/ 0 w 1353846"/>
+              <a:gd name="connsiteY3" fmla="*/ 1225093 h 1225093"/>
+              <a:gd name="connsiteX4" fmla="*/ 28195 w 1353846"/>
+              <a:gd name="connsiteY4" fmla="*/ 6385 h 1225093"/>
+              <a:gd name="connsiteX0" fmla="*/ 20681 w 1353846"/>
+              <a:gd name="connsiteY0" fmla="*/ 6253 h 1225093"/>
+              <a:gd name="connsiteX1" fmla="*/ 1353846 w 1353846"/>
+              <a:gd name="connsiteY1" fmla="*/ 0 h 1225093"/>
+              <a:gd name="connsiteX2" fmla="*/ 1339596 w 1353846"/>
+              <a:gd name="connsiteY2" fmla="*/ 1225093 h 1225093"/>
+              <a:gd name="connsiteX3" fmla="*/ 0 w 1353846"/>
+              <a:gd name="connsiteY3" fmla="*/ 1225093 h 1225093"/>
+              <a:gd name="connsiteX4" fmla="*/ 20681 w 1353846"/>
+              <a:gd name="connsiteY4" fmla="*/ 6253 h 1225093"/>
+              <a:gd name="connsiteX0" fmla="*/ 20681 w 1339596"/>
+              <a:gd name="connsiteY0" fmla="*/ 6603 h 1225443"/>
+              <a:gd name="connsiteX1" fmla="*/ 1333808 w 1339596"/>
+              <a:gd name="connsiteY1" fmla="*/ 0 h 1225443"/>
+              <a:gd name="connsiteX2" fmla="*/ 1339596 w 1339596"/>
+              <a:gd name="connsiteY2" fmla="*/ 1225443 h 1225443"/>
+              <a:gd name="connsiteX3" fmla="*/ 0 w 1339596"/>
+              <a:gd name="connsiteY3" fmla="*/ 1225443 h 1225443"/>
+              <a:gd name="connsiteX4" fmla="*/ 20681 w 1339596"/>
+              <a:gd name="connsiteY4" fmla="*/ 6603 h 1225443"/>
+              <a:gd name="connsiteX0" fmla="*/ 33205 w 1339596"/>
+              <a:gd name="connsiteY0" fmla="*/ 6822 h 1225443"/>
+              <a:gd name="connsiteX1" fmla="*/ 1333808 w 1339596"/>
+              <a:gd name="connsiteY1" fmla="*/ 0 h 1225443"/>
+              <a:gd name="connsiteX2" fmla="*/ 1339596 w 1339596"/>
+              <a:gd name="connsiteY2" fmla="*/ 1225443 h 1225443"/>
+              <a:gd name="connsiteX3" fmla="*/ 0 w 1339596"/>
+              <a:gd name="connsiteY3" fmla="*/ 1225443 h 1225443"/>
+              <a:gd name="connsiteX4" fmla="*/ 33205 w 1339596"/>
+              <a:gd name="connsiteY4" fmla="*/ 6822 h 1225443"/>
+              <a:gd name="connsiteX0" fmla="*/ 13167 w 1339596"/>
+              <a:gd name="connsiteY0" fmla="*/ 6472 h 1225443"/>
+              <a:gd name="connsiteX1" fmla="*/ 1333808 w 1339596"/>
+              <a:gd name="connsiteY1" fmla="*/ 0 h 1225443"/>
+              <a:gd name="connsiteX2" fmla="*/ 1339596 w 1339596"/>
+              <a:gd name="connsiteY2" fmla="*/ 1225443 h 1225443"/>
+              <a:gd name="connsiteX3" fmla="*/ 0 w 1339596"/>
+              <a:gd name="connsiteY3" fmla="*/ 1225443 h 1225443"/>
+              <a:gd name="connsiteX4" fmla="*/ 13167 w 1339596"/>
+              <a:gd name="connsiteY4" fmla="*/ 6472 h 1225443"/>
+              <a:gd name="connsiteX0" fmla="*/ 13167 w 1333884"/>
+              <a:gd name="connsiteY0" fmla="*/ 6472 h 1225443"/>
+              <a:gd name="connsiteX1" fmla="*/ 1333808 w 1333884"/>
+              <a:gd name="connsiteY1" fmla="*/ 0 h 1225443"/>
+              <a:gd name="connsiteX2" fmla="*/ 1302330 w 1333884"/>
+              <a:gd name="connsiteY2" fmla="*/ 1207253 h 1225443"/>
+              <a:gd name="connsiteX3" fmla="*/ 0 w 1333884"/>
+              <a:gd name="connsiteY3" fmla="*/ 1225443 h 1225443"/>
+              <a:gd name="connsiteX4" fmla="*/ 13167 w 1333884"/>
+              <a:gd name="connsiteY4" fmla="*/ 6472 h 1225443"/>
+              <a:gd name="connsiteX0" fmla="*/ 13167 w 1334211"/>
+              <a:gd name="connsiteY0" fmla="*/ 6472 h 1232826"/>
+              <a:gd name="connsiteX1" fmla="*/ 1333808 w 1334211"/>
+              <a:gd name="connsiteY1" fmla="*/ 0 h 1232826"/>
+              <a:gd name="connsiteX2" fmla="*/ 1331950 w 1334211"/>
+              <a:gd name="connsiteY2" fmla="*/ 1232826 h 1232826"/>
+              <a:gd name="connsiteX3" fmla="*/ 0 w 1334211"/>
+              <a:gd name="connsiteY3" fmla="*/ 1225443 h 1232826"/>
+              <a:gd name="connsiteX4" fmla="*/ 13167 w 1334211"/>
+              <a:gd name="connsiteY4" fmla="*/ 6472 h 1232826"/>
+              <a:gd name="connsiteX0" fmla="*/ 13167 w 1333952"/>
+              <a:gd name="connsiteY0" fmla="*/ 6472 h 1225443"/>
+              <a:gd name="connsiteX1" fmla="*/ 1333808 w 1333952"/>
+              <a:gd name="connsiteY1" fmla="*/ 0 h 1225443"/>
+              <a:gd name="connsiteX2" fmla="*/ 1319601 w 1333952"/>
+              <a:gd name="connsiteY2" fmla="*/ 1222588 h 1225443"/>
+              <a:gd name="connsiteX3" fmla="*/ 0 w 1333952"/>
+              <a:gd name="connsiteY3" fmla="*/ 1225443 h 1225443"/>
+              <a:gd name="connsiteX4" fmla="*/ 13167 w 1333952"/>
+              <a:gd name="connsiteY4" fmla="*/ 6472 h 1225443"/>
+              <a:gd name="connsiteX0" fmla="*/ 30785 w 1333952"/>
+              <a:gd name="connsiteY0" fmla="*/ 0 h 1235984"/>
+              <a:gd name="connsiteX1" fmla="*/ 1333808 w 1333952"/>
+              <a:gd name="connsiteY1" fmla="*/ 10541 h 1235984"/>
+              <a:gd name="connsiteX2" fmla="*/ 1319601 w 1333952"/>
+              <a:gd name="connsiteY2" fmla="*/ 1233129 h 1235984"/>
+              <a:gd name="connsiteX3" fmla="*/ 0 w 1333952"/>
+              <a:gd name="connsiteY3" fmla="*/ 1235984 h 1235984"/>
+              <a:gd name="connsiteX4" fmla="*/ 30785 w 1333952"/>
+              <a:gd name="connsiteY4" fmla="*/ 0 h 1235984"/>
+              <a:gd name="connsiteX0" fmla="*/ 30785 w 1319601"/>
+              <a:gd name="connsiteY0" fmla="*/ 0 h 1235984"/>
+              <a:gd name="connsiteX1" fmla="*/ 1312848 w 1319601"/>
+              <a:gd name="connsiteY1" fmla="*/ 20567 h 1235984"/>
+              <a:gd name="connsiteX2" fmla="*/ 1319601 w 1319601"/>
+              <a:gd name="connsiteY2" fmla="*/ 1233129 h 1235984"/>
+              <a:gd name="connsiteX3" fmla="*/ 0 w 1319601"/>
+              <a:gd name="connsiteY3" fmla="*/ 1235984 h 1235984"/>
+              <a:gd name="connsiteX4" fmla="*/ 30785 w 1319601"/>
+              <a:gd name="connsiteY4" fmla="*/ 0 h 1235984"/>
+            </a:gdLst>
+            <a:ahLst/>
+            <a:cxnLst>
+              <a:cxn ang="0">
+                <a:pos x="connsiteX0" y="connsiteY0"/>
+              </a:cxn>
+              <a:cxn ang="0">
+                <a:pos x="connsiteX1" y="connsiteY1"/>
+              </a:cxn>
+              <a:cxn ang="0">
+                <a:pos x="connsiteX2" y="connsiteY2"/>
+              </a:cxn>
+              <a:cxn ang="0">
+                <a:pos x="connsiteX3" y="connsiteY3"/>
+              </a:cxn>
+              <a:cxn ang="0">
+                <a:pos x="connsiteX4" y="connsiteY4"/>
+              </a:cxn>
+            </a:cxnLst>
+            <a:rect l="l" t="t" r="r" b="b"/>
+            <a:pathLst>
+              <a:path w="1319601" h="1235984">
+                <a:moveTo>
+                  <a:pt x="30785" y="0"/>
+                </a:moveTo>
+                <a:lnTo>
+                  <a:pt x="1312848" y="20567"/>
+                </a:lnTo>
+                <a:cubicBezTo>
+                  <a:pt x="1314777" y="429048"/>
+                  <a:pt x="1317672" y="824648"/>
+                  <a:pt x="1319601" y="1233129"/>
+                </a:cubicBezTo>
+                <a:lnTo>
+                  <a:pt x="0" y="1235984"/>
+                </a:lnTo>
+                <a:lnTo>
+                  <a:pt x="30785" y="0"/>
+                </a:lnTo>
+                <a:close/>
+              </a:path>
+            </a:pathLst>
+          </a:custGeom>
+          <a:ln/>
+        </p:spPr>
+        <p:style>
+          <a:lnRef idx="3">
+            <a:schemeClr val="lt1"/>
+          </a:lnRef>
+          <a:fillRef idx="1">
+            <a:schemeClr val="accent5"/>
+          </a:fillRef>
+          <a:effectRef idx="1">
+            <a:schemeClr val="accent5"/>
+          </a:effectRef>
+          <a:fontRef idx="minor">
+            <a:schemeClr val="lt1"/>
+          </a:fontRef>
+        </p:style>
+        <p:txBody>
+          <a:bodyPr lIns="45720" rIns="45720" anchor="ctr"/>
+          <a:lstStyle/>
+          <a:p>
+            <a:pPr algn="ctr">
+              <a:defRPr/>
+            </a:pPr>
+            <a:r>
+              <a:rPr lang="en-US" sz="5000" b="1" dirty="0" smtClean="0">
+                <a:solidFill>
+                  <a:schemeClr val="tx1">
+                    <a:lumMod val="85000"/>
+                    <a:lumOff val="15000"/>
+                  </a:schemeClr>
+                </a:solidFill>
+                <a:latin typeface="Bradley Hand ITC" pitchFamily="66" charset="0"/>
+                <a:cs typeface="Arial" pitchFamily="34" charset="0"/>
+              </a:rPr>
+              <a:t>3</a:t>
+            </a:r>
+            <a:endParaRPr lang="en-US" sz="5000" b="1" dirty="0">
+              <a:solidFill>
+                <a:schemeClr val="tx1">
+                  <a:lumMod val="85000"/>
+                  <a:lumOff val="15000"/>
+                </a:schemeClr>
+              </a:solidFill>
+              <a:latin typeface="Bradley Hand ITC" pitchFamily="66" charset="0"/>
+              <a:cs typeface="Arial" pitchFamily="34" charset="0"/>
+            </a:endParaRPr>
+          </a:p>
+        </p:txBody>
+      </p:sp>
+      <p:sp>
+        <p:nvSpPr>
+          <p:cNvPr id="46" name="Title 7"/>
+          <p:cNvSpPr txBox="1">
+            <a:spLocks/>
+          </p:cNvSpPr>
+          <p:nvPr/>
+        </p:nvSpPr>
+        <p:spPr>
+          <a:xfrm>
+            <a:off x="2389483" y="2565480"/>
+            <a:ext cx="7272581" cy="400110"/>
+          </a:xfrm>
+          <a:prstGeom prst="rect">
+            <a:avLst/>
+          </a:prstGeom>
+          <a:solidFill>
+            <a:schemeClr val="bg2"/>
+          </a:solidFill>
+        </p:spPr>
+        <p:txBody>
+          <a:bodyPr wrap="square">
+            <a:spAutoFit/>
+          </a:bodyPr>
+          <a:lstStyle>
+            <a:lvl1pPr algn="l" defTabSz="914400" rtl="0" eaLnBrk="1" latinLnBrk="0" hangingPunct="1">
+              <a:spcBef>
+                <a:spcPct val="0"/>
+              </a:spcBef>
+              <a:buNone/>
+              <a:defRPr sz="4400" kern="1200">
+                <a:solidFill>
+                  <a:schemeClr val="tx1"/>
+                </a:solidFill>
+                <a:latin typeface="+mj-lt"/>
+                <a:ea typeface="+mj-ea"/>
+                <a:cs typeface="+mj-cs"/>
+              </a:defRPr>
+            </a:lvl1pPr>
+          </a:lstStyle>
+          <a:p>
+            <a:r>
+              <a:rPr lang="en-US" sz="2000" b="1" dirty="0" err="1" smtClean="0">
+                <a:latin typeface="Times New Roman" panose="02020603050405020304" pitchFamily="18" charset="0"/>
+                <a:cs typeface="Times New Roman" panose="02020603050405020304" pitchFamily="18" charset="0"/>
+              </a:rPr>
+              <a:t>Đã</a:t>
+            </a:r>
+            <a:r>
+              <a:rPr lang="en-US" sz="2000" b="1" dirty="0" smtClean="0">
+                <a:latin typeface="Times New Roman" panose="02020603050405020304" pitchFamily="18" charset="0"/>
+                <a:cs typeface="Times New Roman" panose="02020603050405020304" pitchFamily="18" charset="0"/>
+              </a:rPr>
+              <a:t> validate </a:t>
+            </a:r>
+            <a:r>
+              <a:rPr lang="en-US" sz="2000" b="1" dirty="0" err="1" smtClean="0">
+                <a:latin typeface="Times New Roman" panose="02020603050405020304" pitchFamily="18" charset="0"/>
+                <a:cs typeface="Times New Roman" panose="02020603050405020304" pitchFamily="18" charset="0"/>
+              </a:rPr>
+              <a:t>dữ</a:t>
+            </a:r>
+            <a:r>
+              <a:rPr lang="en-US" sz="2000" b="1" dirty="0" smtClean="0">
+                <a:latin typeface="Times New Roman" panose="02020603050405020304" pitchFamily="18" charset="0"/>
+                <a:cs typeface="Times New Roman" panose="02020603050405020304" pitchFamily="18" charset="0"/>
+              </a:rPr>
+              <a:t> </a:t>
+            </a:r>
+            <a:r>
+              <a:rPr lang="en-US" sz="2000" b="1" dirty="0" err="1" smtClean="0">
+                <a:latin typeface="Times New Roman" panose="02020603050405020304" pitchFamily="18" charset="0"/>
+                <a:cs typeface="Times New Roman" panose="02020603050405020304" pitchFamily="18" charset="0"/>
+              </a:rPr>
+              <a:t>liệu</a:t>
+            </a:r>
+            <a:endParaRPr lang="en-US" sz="2000" b="1" dirty="0">
+              <a:latin typeface="Times New Roman" panose="02020603050405020304" pitchFamily="18" charset="0"/>
+              <a:cs typeface="Times New Roman" panose="02020603050405020304" pitchFamily="18" charset="0"/>
+            </a:endParaRPr>
+          </a:p>
+        </p:txBody>
+      </p:sp>
+      <p:sp>
+        <p:nvSpPr>
+          <p:cNvPr id="13" name="Rectangle 12"/>
+          <p:cNvSpPr/>
+          <p:nvPr/>
+        </p:nvSpPr>
+        <p:spPr>
+          <a:xfrm>
+            <a:off x="11568113" y="6286500"/>
+            <a:ext cx="276225" cy="307777"/>
+          </a:xfrm>
+          <a:prstGeom prst="rect">
+            <a:avLst/>
+          </a:prstGeom>
+        </p:spPr>
+        <p:txBody>
+          <a:bodyPr wrap="square">
+            <a:spAutoFit/>
+          </a:bodyPr>
+          <a:lstStyle/>
+          <a:p>
+            <a:r>
+              <a:rPr lang="en-US" sz="1400" b="1" dirty="0">
+                <a:latin typeface="Times New Roman" pitchFamily="18" charset="0"/>
+                <a:cs typeface="Times New Roman" pitchFamily="18" charset="0"/>
+              </a:rPr>
+              <a:t>4</a:t>
+            </a:r>
+          </a:p>
+        </p:txBody>
+      </p:sp>
+      <p:sp>
+        <p:nvSpPr>
+          <p:cNvPr id="12" name="Chevron 11"/>
+          <p:cNvSpPr/>
+          <p:nvPr/>
+        </p:nvSpPr>
+        <p:spPr>
+          <a:xfrm>
+            <a:off x="522461" y="181819"/>
+            <a:ext cx="6848155" cy="577485"/>
+          </a:xfrm>
+          <a:prstGeom prst="chevron">
+            <a:avLst>
+              <a:gd name="adj" fmla="val 30952"/>
+            </a:avLst>
+          </a:prstGeom>
+          <a:solidFill>
+            <a:schemeClr val="accent6"/>
+          </a:solidFill>
+          <a:ln>
+            <a:noFill/>
+          </a:ln>
+          <a:scene3d>
+            <a:camera prst="orthographicFront"/>
+            <a:lightRig rig="threePt" dir="t"/>
+          </a:scene3d>
+          <a:sp3d>
+            <a:bevelT w="114300" prst="artDeco"/>
+          </a:sp3d>
+        </p:spPr>
+        <p:style>
+          <a:lnRef idx="2">
+            <a:schemeClr val="accent1">
+              <a:shade val="50000"/>
+            </a:schemeClr>
+          </a:lnRef>
+          <a:fillRef idx="1">
+            <a:schemeClr val="accent1"/>
+          </a:fillRef>
+          <a:effectRef idx="0">
+            <a:schemeClr val="accent1"/>
+          </a:effectRef>
+          <a:fontRef idx="minor">
+            <a:schemeClr val="lt1"/>
+          </a:fontRef>
+        </p:style>
+        <p:txBody>
+          <a:bodyPr anchor="ctr"/>
+          <a:lstStyle/>
+          <a:p>
+            <a:pPr>
+              <a:defRPr/>
+            </a:pPr>
+            <a:r>
+              <a:rPr lang="en-US" sz="2000" b="1" dirty="0" smtClean="0">
+                <a:solidFill>
+                  <a:schemeClr val="tx1"/>
+                </a:solidFill>
+                <a:latin typeface="Times New Roman" pitchFamily="18" charset="0"/>
+                <a:cs typeface="Times New Roman" pitchFamily="18" charset="0"/>
+              </a:rPr>
+              <a:t>ĐỊNH NGHĨA HOÀN THÀNH CỦA NHÓM</a:t>
+            </a:r>
+            <a:endParaRPr lang="vi-VN" sz="2000" b="1" dirty="0">
+              <a:solidFill>
+                <a:schemeClr val="tx1"/>
+              </a:solidFill>
+              <a:latin typeface="Times New Roman" pitchFamily="18" charset="0"/>
+              <a:cs typeface="Times New Roman" pitchFamily="18" charset="0"/>
+            </a:endParaRPr>
+          </a:p>
+        </p:txBody>
+      </p:sp>
+      <p:sp>
+        <p:nvSpPr>
+          <p:cNvPr id="14" name="Rectangle 19"/>
+          <p:cNvSpPr/>
+          <p:nvPr/>
+        </p:nvSpPr>
+        <p:spPr>
+          <a:xfrm>
+            <a:off x="1210506" y="3427280"/>
+            <a:ext cx="820546" cy="613178"/>
+          </a:xfrm>
+          <a:custGeom>
+            <a:avLst/>
+            <a:gdLst>
+              <a:gd name="connsiteX0" fmla="*/ 0 w 1339596"/>
+              <a:gd name="connsiteY0" fmla="*/ 0 h 1219200"/>
+              <a:gd name="connsiteX1" fmla="*/ 1339596 w 1339596"/>
+              <a:gd name="connsiteY1" fmla="*/ 0 h 1219200"/>
+              <a:gd name="connsiteX2" fmla="*/ 1339596 w 1339596"/>
+              <a:gd name="connsiteY2" fmla="*/ 1219200 h 1219200"/>
+              <a:gd name="connsiteX3" fmla="*/ 0 w 1339596"/>
+              <a:gd name="connsiteY3" fmla="*/ 1219200 h 1219200"/>
+              <a:gd name="connsiteX4" fmla="*/ 0 w 1339596"/>
+              <a:gd name="connsiteY4" fmla="*/ 0 h 1219200"/>
+              <a:gd name="connsiteX0" fmla="*/ 0 w 1339596"/>
+              <a:gd name="connsiteY0" fmla="*/ 11733 h 1230933"/>
+              <a:gd name="connsiteX1" fmla="*/ 1306342 w 1339596"/>
+              <a:gd name="connsiteY1" fmla="*/ 0 h 1230933"/>
+              <a:gd name="connsiteX2" fmla="*/ 1339596 w 1339596"/>
+              <a:gd name="connsiteY2" fmla="*/ 1230933 h 1230933"/>
+              <a:gd name="connsiteX3" fmla="*/ 0 w 1339596"/>
+              <a:gd name="connsiteY3" fmla="*/ 1230933 h 1230933"/>
+              <a:gd name="connsiteX4" fmla="*/ 0 w 1339596"/>
+              <a:gd name="connsiteY4" fmla="*/ 11733 h 1230933"/>
+              <a:gd name="connsiteX0" fmla="*/ 55747 w 1339596"/>
+              <a:gd name="connsiteY0" fmla="*/ 12706 h 1230933"/>
+              <a:gd name="connsiteX1" fmla="*/ 1306342 w 1339596"/>
+              <a:gd name="connsiteY1" fmla="*/ 0 h 1230933"/>
+              <a:gd name="connsiteX2" fmla="*/ 1339596 w 1339596"/>
+              <a:gd name="connsiteY2" fmla="*/ 1230933 h 1230933"/>
+              <a:gd name="connsiteX3" fmla="*/ 0 w 1339596"/>
+              <a:gd name="connsiteY3" fmla="*/ 1230933 h 1230933"/>
+              <a:gd name="connsiteX4" fmla="*/ 55747 w 1339596"/>
+              <a:gd name="connsiteY4" fmla="*/ 12706 h 1230933"/>
+              <a:gd name="connsiteX0" fmla="*/ 28195 w 1339596"/>
+              <a:gd name="connsiteY0" fmla="*/ 12225 h 1230933"/>
+              <a:gd name="connsiteX1" fmla="*/ 1306342 w 1339596"/>
+              <a:gd name="connsiteY1" fmla="*/ 0 h 1230933"/>
+              <a:gd name="connsiteX2" fmla="*/ 1339596 w 1339596"/>
+              <a:gd name="connsiteY2" fmla="*/ 1230933 h 1230933"/>
+              <a:gd name="connsiteX3" fmla="*/ 0 w 1339596"/>
+              <a:gd name="connsiteY3" fmla="*/ 1230933 h 1230933"/>
+              <a:gd name="connsiteX4" fmla="*/ 28195 w 1339596"/>
+              <a:gd name="connsiteY4" fmla="*/ 12225 h 1230933"/>
+              <a:gd name="connsiteX0" fmla="*/ 28195 w 1353846"/>
+              <a:gd name="connsiteY0" fmla="*/ 6385 h 1225093"/>
+              <a:gd name="connsiteX1" fmla="*/ 1353846 w 1353846"/>
+              <a:gd name="connsiteY1" fmla="*/ 0 h 1225093"/>
+              <a:gd name="connsiteX2" fmla="*/ 1339596 w 1353846"/>
+              <a:gd name="connsiteY2" fmla="*/ 1225093 h 1225093"/>
+              <a:gd name="connsiteX3" fmla="*/ 0 w 1353846"/>
+              <a:gd name="connsiteY3" fmla="*/ 1225093 h 1225093"/>
+              <a:gd name="connsiteX4" fmla="*/ 28195 w 1353846"/>
+              <a:gd name="connsiteY4" fmla="*/ 6385 h 1225093"/>
+              <a:gd name="connsiteX0" fmla="*/ 20681 w 1353846"/>
+              <a:gd name="connsiteY0" fmla="*/ 6253 h 1225093"/>
+              <a:gd name="connsiteX1" fmla="*/ 1353846 w 1353846"/>
+              <a:gd name="connsiteY1" fmla="*/ 0 h 1225093"/>
+              <a:gd name="connsiteX2" fmla="*/ 1339596 w 1353846"/>
+              <a:gd name="connsiteY2" fmla="*/ 1225093 h 1225093"/>
+              <a:gd name="connsiteX3" fmla="*/ 0 w 1353846"/>
+              <a:gd name="connsiteY3" fmla="*/ 1225093 h 1225093"/>
+              <a:gd name="connsiteX4" fmla="*/ 20681 w 1353846"/>
+              <a:gd name="connsiteY4" fmla="*/ 6253 h 1225093"/>
+              <a:gd name="connsiteX0" fmla="*/ 20681 w 1339596"/>
+              <a:gd name="connsiteY0" fmla="*/ 6603 h 1225443"/>
+              <a:gd name="connsiteX1" fmla="*/ 1333808 w 1339596"/>
+              <a:gd name="connsiteY1" fmla="*/ 0 h 1225443"/>
+              <a:gd name="connsiteX2" fmla="*/ 1339596 w 1339596"/>
+              <a:gd name="connsiteY2" fmla="*/ 1225443 h 1225443"/>
+              <a:gd name="connsiteX3" fmla="*/ 0 w 1339596"/>
+              <a:gd name="connsiteY3" fmla="*/ 1225443 h 1225443"/>
+              <a:gd name="connsiteX4" fmla="*/ 20681 w 1339596"/>
+              <a:gd name="connsiteY4" fmla="*/ 6603 h 1225443"/>
+              <a:gd name="connsiteX0" fmla="*/ 33205 w 1339596"/>
+              <a:gd name="connsiteY0" fmla="*/ 6822 h 1225443"/>
+              <a:gd name="connsiteX1" fmla="*/ 1333808 w 1339596"/>
+              <a:gd name="connsiteY1" fmla="*/ 0 h 1225443"/>
+              <a:gd name="connsiteX2" fmla="*/ 1339596 w 1339596"/>
+              <a:gd name="connsiteY2" fmla="*/ 1225443 h 1225443"/>
+              <a:gd name="connsiteX3" fmla="*/ 0 w 1339596"/>
+              <a:gd name="connsiteY3" fmla="*/ 1225443 h 1225443"/>
+              <a:gd name="connsiteX4" fmla="*/ 33205 w 1339596"/>
+              <a:gd name="connsiteY4" fmla="*/ 6822 h 1225443"/>
+              <a:gd name="connsiteX0" fmla="*/ 13167 w 1339596"/>
+              <a:gd name="connsiteY0" fmla="*/ 6472 h 1225443"/>
+              <a:gd name="connsiteX1" fmla="*/ 1333808 w 1339596"/>
+              <a:gd name="connsiteY1" fmla="*/ 0 h 1225443"/>
+              <a:gd name="connsiteX2" fmla="*/ 1339596 w 1339596"/>
+              <a:gd name="connsiteY2" fmla="*/ 1225443 h 1225443"/>
+              <a:gd name="connsiteX3" fmla="*/ 0 w 1339596"/>
+              <a:gd name="connsiteY3" fmla="*/ 1225443 h 1225443"/>
+              <a:gd name="connsiteX4" fmla="*/ 13167 w 1339596"/>
+              <a:gd name="connsiteY4" fmla="*/ 6472 h 1225443"/>
+              <a:gd name="connsiteX0" fmla="*/ 13167 w 1333884"/>
+              <a:gd name="connsiteY0" fmla="*/ 6472 h 1225443"/>
+              <a:gd name="connsiteX1" fmla="*/ 1333808 w 1333884"/>
+              <a:gd name="connsiteY1" fmla="*/ 0 h 1225443"/>
+              <a:gd name="connsiteX2" fmla="*/ 1302330 w 1333884"/>
+              <a:gd name="connsiteY2" fmla="*/ 1207253 h 1225443"/>
+              <a:gd name="connsiteX3" fmla="*/ 0 w 1333884"/>
+              <a:gd name="connsiteY3" fmla="*/ 1225443 h 1225443"/>
+              <a:gd name="connsiteX4" fmla="*/ 13167 w 1333884"/>
+              <a:gd name="connsiteY4" fmla="*/ 6472 h 1225443"/>
+              <a:gd name="connsiteX0" fmla="*/ 13167 w 1334211"/>
+              <a:gd name="connsiteY0" fmla="*/ 6472 h 1232826"/>
+              <a:gd name="connsiteX1" fmla="*/ 1333808 w 1334211"/>
+              <a:gd name="connsiteY1" fmla="*/ 0 h 1232826"/>
+              <a:gd name="connsiteX2" fmla="*/ 1331950 w 1334211"/>
+              <a:gd name="connsiteY2" fmla="*/ 1232826 h 1232826"/>
+              <a:gd name="connsiteX3" fmla="*/ 0 w 1334211"/>
+              <a:gd name="connsiteY3" fmla="*/ 1225443 h 1232826"/>
+              <a:gd name="connsiteX4" fmla="*/ 13167 w 1334211"/>
+              <a:gd name="connsiteY4" fmla="*/ 6472 h 1232826"/>
+              <a:gd name="connsiteX0" fmla="*/ 13167 w 1333952"/>
+              <a:gd name="connsiteY0" fmla="*/ 6472 h 1225443"/>
+              <a:gd name="connsiteX1" fmla="*/ 1333808 w 1333952"/>
+              <a:gd name="connsiteY1" fmla="*/ 0 h 1225443"/>
+              <a:gd name="connsiteX2" fmla="*/ 1319601 w 1333952"/>
+              <a:gd name="connsiteY2" fmla="*/ 1222588 h 1225443"/>
+              <a:gd name="connsiteX3" fmla="*/ 0 w 1333952"/>
+              <a:gd name="connsiteY3" fmla="*/ 1225443 h 1225443"/>
+              <a:gd name="connsiteX4" fmla="*/ 13167 w 1333952"/>
+              <a:gd name="connsiteY4" fmla="*/ 6472 h 1225443"/>
+              <a:gd name="connsiteX0" fmla="*/ 30785 w 1333952"/>
+              <a:gd name="connsiteY0" fmla="*/ 0 h 1235984"/>
+              <a:gd name="connsiteX1" fmla="*/ 1333808 w 1333952"/>
+              <a:gd name="connsiteY1" fmla="*/ 10541 h 1235984"/>
+              <a:gd name="connsiteX2" fmla="*/ 1319601 w 1333952"/>
+              <a:gd name="connsiteY2" fmla="*/ 1233129 h 1235984"/>
+              <a:gd name="connsiteX3" fmla="*/ 0 w 1333952"/>
+              <a:gd name="connsiteY3" fmla="*/ 1235984 h 1235984"/>
+              <a:gd name="connsiteX4" fmla="*/ 30785 w 1333952"/>
+              <a:gd name="connsiteY4" fmla="*/ 0 h 1235984"/>
+              <a:gd name="connsiteX0" fmla="*/ 30785 w 1319601"/>
+              <a:gd name="connsiteY0" fmla="*/ 0 h 1235984"/>
+              <a:gd name="connsiteX1" fmla="*/ 1312848 w 1319601"/>
+              <a:gd name="connsiteY1" fmla="*/ 20567 h 1235984"/>
+              <a:gd name="connsiteX2" fmla="*/ 1319601 w 1319601"/>
+              <a:gd name="connsiteY2" fmla="*/ 1233129 h 1235984"/>
+              <a:gd name="connsiteX3" fmla="*/ 0 w 1319601"/>
+              <a:gd name="connsiteY3" fmla="*/ 1235984 h 1235984"/>
+              <a:gd name="connsiteX4" fmla="*/ 30785 w 1319601"/>
+              <a:gd name="connsiteY4" fmla="*/ 0 h 1235984"/>
+            </a:gdLst>
+            <a:ahLst/>
+            <a:cxnLst>
+              <a:cxn ang="0">
+                <a:pos x="connsiteX0" y="connsiteY0"/>
+              </a:cxn>
+              <a:cxn ang="0">
+                <a:pos x="connsiteX1" y="connsiteY1"/>
+              </a:cxn>
+              <a:cxn ang="0">
+                <a:pos x="connsiteX2" y="connsiteY2"/>
+              </a:cxn>
+              <a:cxn ang="0">
+                <a:pos x="connsiteX3" y="connsiteY3"/>
+              </a:cxn>
+              <a:cxn ang="0">
+                <a:pos x="connsiteX4" y="connsiteY4"/>
+              </a:cxn>
+            </a:cxnLst>
+            <a:rect l="l" t="t" r="r" b="b"/>
+            <a:pathLst>
+              <a:path w="1319601" h="1235984">
+                <a:moveTo>
+                  <a:pt x="30785" y="0"/>
+                </a:moveTo>
+                <a:lnTo>
+                  <a:pt x="1312848" y="20567"/>
+                </a:lnTo>
+                <a:cubicBezTo>
+                  <a:pt x="1314777" y="429048"/>
+                  <a:pt x="1317672" y="824648"/>
+                  <a:pt x="1319601" y="1233129"/>
+                </a:cubicBezTo>
+                <a:lnTo>
+                  <a:pt x="0" y="1235984"/>
+                </a:lnTo>
+                <a:lnTo>
+                  <a:pt x="30785" y="0"/>
+                </a:lnTo>
+                <a:close/>
+              </a:path>
+            </a:pathLst>
+          </a:custGeom>
+          <a:solidFill>
+            <a:srgbClr val="92D050"/>
+          </a:solidFill>
+          <a:ln>
+            <a:noFill/>
+          </a:ln>
+          <a:effectLst>
+            <a:outerShdw blurRad="50800" dist="38100" dir="5400000" algn="t" rotWithShape="0">
+              <a:prstClr val="black">
+                <a:alpha val="40000"/>
+              </a:prstClr>
+            </a:outerShdw>
+          </a:effectLst>
+        </p:spPr>
+        <p:style>
+          <a:lnRef idx="2">
+            <a:schemeClr val="accent1">
+              <a:shade val="50000"/>
+            </a:schemeClr>
+          </a:lnRef>
+          <a:fillRef idx="1">
+            <a:schemeClr val="accent1"/>
+          </a:fillRef>
+          <a:effectRef idx="0">
+            <a:schemeClr val="accent1"/>
+          </a:effectRef>
+          <a:fontRef idx="minor">
+            <a:schemeClr val="lt1"/>
+          </a:fontRef>
+        </p:style>
+        <p:txBody>
+          <a:bodyPr lIns="45720" rIns="45720" anchor="ctr"/>
+          <a:lstStyle/>
+          <a:p>
+            <a:pPr algn="ctr">
+              <a:defRPr/>
+            </a:pPr>
+            <a:r>
+              <a:rPr lang="en-US" sz="5000" b="1" dirty="0" smtClean="0">
+                <a:solidFill>
+                  <a:schemeClr val="tx1">
+                    <a:lumMod val="85000"/>
+                    <a:lumOff val="15000"/>
+                  </a:schemeClr>
+                </a:solidFill>
+                <a:latin typeface="Bradley Hand ITC" pitchFamily="66" charset="0"/>
+                <a:cs typeface="Arial" pitchFamily="34" charset="0"/>
+              </a:rPr>
+              <a:t>4</a:t>
+            </a:r>
+            <a:endParaRPr lang="en-US" sz="5000" b="1" dirty="0">
+              <a:solidFill>
+                <a:schemeClr val="tx1">
+                  <a:lumMod val="85000"/>
+                  <a:lumOff val="15000"/>
+                </a:schemeClr>
+              </a:solidFill>
+              <a:latin typeface="Bradley Hand ITC" pitchFamily="66" charset="0"/>
+              <a:cs typeface="Arial" pitchFamily="34" charset="0"/>
+            </a:endParaRPr>
+          </a:p>
+        </p:txBody>
+      </p:sp>
+      <p:sp>
+        <p:nvSpPr>
+          <p:cNvPr id="15" name="Title 7"/>
+          <p:cNvSpPr txBox="1">
+            <a:spLocks/>
+          </p:cNvSpPr>
+          <p:nvPr/>
+        </p:nvSpPr>
+        <p:spPr>
+          <a:xfrm>
+            <a:off x="2402078" y="3379926"/>
+            <a:ext cx="7259986" cy="400110"/>
+          </a:xfrm>
+          <a:prstGeom prst="rect">
+            <a:avLst/>
+          </a:prstGeom>
+          <a:solidFill>
+            <a:schemeClr val="bg2"/>
+          </a:solidFill>
+        </p:spPr>
+        <p:txBody>
+          <a:bodyPr wrap="square">
+            <a:spAutoFit/>
+          </a:bodyPr>
+          <a:lstStyle>
+            <a:lvl1pPr algn="l" defTabSz="914400" rtl="0" eaLnBrk="1" latinLnBrk="0" hangingPunct="1">
+              <a:spcBef>
+                <a:spcPct val="0"/>
+              </a:spcBef>
+              <a:buNone/>
+              <a:defRPr sz="4400" kern="1200">
+                <a:solidFill>
+                  <a:schemeClr val="tx1"/>
+                </a:solidFill>
+                <a:latin typeface="+mj-lt"/>
+                <a:ea typeface="+mj-ea"/>
+                <a:cs typeface="+mj-cs"/>
+              </a:defRPr>
+            </a:lvl1pPr>
+          </a:lstStyle>
+          <a:p>
+            <a:r>
+              <a:rPr lang="en-US" sz="2000" b="1" dirty="0" err="1" smtClean="0">
+                <a:latin typeface="Times New Roman" panose="02020603050405020304" pitchFamily="18" charset="0"/>
+                <a:cs typeface="Times New Roman" panose="02020603050405020304" pitchFamily="18" charset="0"/>
+              </a:rPr>
+              <a:t>Đã</a:t>
+            </a:r>
+            <a:r>
+              <a:rPr lang="en-US" sz="2000" b="1" dirty="0" smtClean="0">
+                <a:latin typeface="Times New Roman" panose="02020603050405020304" pitchFamily="18" charset="0"/>
+                <a:cs typeface="Times New Roman" panose="02020603050405020304" pitchFamily="18" charset="0"/>
+              </a:rPr>
+              <a:t> refactor </a:t>
+            </a:r>
+            <a:r>
+              <a:rPr lang="en-US" sz="2000" b="1" dirty="0" err="1" smtClean="0">
+                <a:latin typeface="Times New Roman" panose="02020603050405020304" pitchFamily="18" charset="0"/>
+                <a:cs typeface="Times New Roman" panose="02020603050405020304" pitchFamily="18" charset="0"/>
+              </a:rPr>
+              <a:t>ít</a:t>
+            </a:r>
+            <a:r>
+              <a:rPr lang="en-US" sz="2000" b="1" dirty="0" smtClean="0">
+                <a:latin typeface="Times New Roman" panose="02020603050405020304" pitchFamily="18" charset="0"/>
+                <a:cs typeface="Times New Roman" panose="02020603050405020304" pitchFamily="18" charset="0"/>
+              </a:rPr>
+              <a:t> </a:t>
+            </a:r>
+            <a:r>
+              <a:rPr lang="en-US" sz="2000" b="1" dirty="0" err="1" smtClean="0">
+                <a:latin typeface="Times New Roman" panose="02020603050405020304" pitchFamily="18" charset="0"/>
+                <a:cs typeface="Times New Roman" panose="02020603050405020304" pitchFamily="18" charset="0"/>
+              </a:rPr>
+              <a:t>nhất</a:t>
+            </a:r>
+            <a:r>
+              <a:rPr lang="en-US" sz="2000" b="1" dirty="0" smtClean="0">
+                <a:latin typeface="Times New Roman" panose="02020603050405020304" pitchFamily="18" charset="0"/>
+                <a:cs typeface="Times New Roman" panose="02020603050405020304" pitchFamily="18" charset="0"/>
+              </a:rPr>
+              <a:t> </a:t>
+            </a:r>
+            <a:r>
+              <a:rPr lang="en-US" sz="2000" b="1" dirty="0" err="1" smtClean="0">
+                <a:latin typeface="Times New Roman" panose="02020603050405020304" pitchFamily="18" charset="0"/>
+                <a:cs typeface="Times New Roman" panose="02020603050405020304" pitchFamily="18" charset="0"/>
+              </a:rPr>
+              <a:t>một</a:t>
+            </a:r>
+            <a:r>
+              <a:rPr lang="en-US" sz="2000" b="1" dirty="0" smtClean="0">
+                <a:latin typeface="Times New Roman" panose="02020603050405020304" pitchFamily="18" charset="0"/>
+                <a:cs typeface="Times New Roman" panose="02020603050405020304" pitchFamily="18" charset="0"/>
+              </a:rPr>
+              <a:t> </a:t>
+            </a:r>
+            <a:r>
+              <a:rPr lang="en-US" sz="2000" b="1" dirty="0" err="1" smtClean="0">
+                <a:latin typeface="Times New Roman" panose="02020603050405020304" pitchFamily="18" charset="0"/>
+                <a:cs typeface="Times New Roman" panose="02020603050405020304" pitchFamily="18" charset="0"/>
+              </a:rPr>
+              <a:t>lần</a:t>
+            </a:r>
+            <a:endParaRPr lang="en-US" sz="2000" b="1" dirty="0">
+              <a:latin typeface="Times New Roman" panose="02020603050405020304" pitchFamily="18" charset="0"/>
+              <a:cs typeface="Times New Roman" panose="02020603050405020304" pitchFamily="18" charset="0"/>
+            </a:endParaRPr>
+          </a:p>
+        </p:txBody>
+      </p:sp>
+      <p:sp>
+        <p:nvSpPr>
+          <p:cNvPr id="16" name="Rectangle 19"/>
+          <p:cNvSpPr/>
+          <p:nvPr/>
+        </p:nvSpPr>
+        <p:spPr>
+          <a:xfrm rot="362673">
+            <a:off x="1210506" y="4337660"/>
+            <a:ext cx="820546" cy="613178"/>
+          </a:xfrm>
+          <a:custGeom>
+            <a:avLst/>
+            <a:gdLst>
+              <a:gd name="connsiteX0" fmla="*/ 0 w 1339596"/>
+              <a:gd name="connsiteY0" fmla="*/ 0 h 1219200"/>
+              <a:gd name="connsiteX1" fmla="*/ 1339596 w 1339596"/>
+              <a:gd name="connsiteY1" fmla="*/ 0 h 1219200"/>
+              <a:gd name="connsiteX2" fmla="*/ 1339596 w 1339596"/>
+              <a:gd name="connsiteY2" fmla="*/ 1219200 h 1219200"/>
+              <a:gd name="connsiteX3" fmla="*/ 0 w 1339596"/>
+              <a:gd name="connsiteY3" fmla="*/ 1219200 h 1219200"/>
+              <a:gd name="connsiteX4" fmla="*/ 0 w 1339596"/>
+              <a:gd name="connsiteY4" fmla="*/ 0 h 1219200"/>
+              <a:gd name="connsiteX0" fmla="*/ 0 w 1339596"/>
+              <a:gd name="connsiteY0" fmla="*/ 11733 h 1230933"/>
+              <a:gd name="connsiteX1" fmla="*/ 1306342 w 1339596"/>
+              <a:gd name="connsiteY1" fmla="*/ 0 h 1230933"/>
+              <a:gd name="connsiteX2" fmla="*/ 1339596 w 1339596"/>
+              <a:gd name="connsiteY2" fmla="*/ 1230933 h 1230933"/>
+              <a:gd name="connsiteX3" fmla="*/ 0 w 1339596"/>
+              <a:gd name="connsiteY3" fmla="*/ 1230933 h 1230933"/>
+              <a:gd name="connsiteX4" fmla="*/ 0 w 1339596"/>
+              <a:gd name="connsiteY4" fmla="*/ 11733 h 1230933"/>
+              <a:gd name="connsiteX0" fmla="*/ 55747 w 1339596"/>
+              <a:gd name="connsiteY0" fmla="*/ 12706 h 1230933"/>
+              <a:gd name="connsiteX1" fmla="*/ 1306342 w 1339596"/>
+              <a:gd name="connsiteY1" fmla="*/ 0 h 1230933"/>
+              <a:gd name="connsiteX2" fmla="*/ 1339596 w 1339596"/>
+              <a:gd name="connsiteY2" fmla="*/ 1230933 h 1230933"/>
+              <a:gd name="connsiteX3" fmla="*/ 0 w 1339596"/>
+              <a:gd name="connsiteY3" fmla="*/ 1230933 h 1230933"/>
+              <a:gd name="connsiteX4" fmla="*/ 55747 w 1339596"/>
+              <a:gd name="connsiteY4" fmla="*/ 12706 h 1230933"/>
+              <a:gd name="connsiteX0" fmla="*/ 28195 w 1339596"/>
+              <a:gd name="connsiteY0" fmla="*/ 12225 h 1230933"/>
+              <a:gd name="connsiteX1" fmla="*/ 1306342 w 1339596"/>
+              <a:gd name="connsiteY1" fmla="*/ 0 h 1230933"/>
+              <a:gd name="connsiteX2" fmla="*/ 1339596 w 1339596"/>
+              <a:gd name="connsiteY2" fmla="*/ 1230933 h 1230933"/>
+              <a:gd name="connsiteX3" fmla="*/ 0 w 1339596"/>
+              <a:gd name="connsiteY3" fmla="*/ 1230933 h 1230933"/>
+              <a:gd name="connsiteX4" fmla="*/ 28195 w 1339596"/>
+              <a:gd name="connsiteY4" fmla="*/ 12225 h 1230933"/>
+              <a:gd name="connsiteX0" fmla="*/ 28195 w 1353846"/>
+              <a:gd name="connsiteY0" fmla="*/ 6385 h 1225093"/>
+              <a:gd name="connsiteX1" fmla="*/ 1353846 w 1353846"/>
+              <a:gd name="connsiteY1" fmla="*/ 0 h 1225093"/>
+              <a:gd name="connsiteX2" fmla="*/ 1339596 w 1353846"/>
+              <a:gd name="connsiteY2" fmla="*/ 1225093 h 1225093"/>
+              <a:gd name="connsiteX3" fmla="*/ 0 w 1353846"/>
+              <a:gd name="connsiteY3" fmla="*/ 1225093 h 1225093"/>
+              <a:gd name="connsiteX4" fmla="*/ 28195 w 1353846"/>
+              <a:gd name="connsiteY4" fmla="*/ 6385 h 1225093"/>
+              <a:gd name="connsiteX0" fmla="*/ 20681 w 1353846"/>
+              <a:gd name="connsiteY0" fmla="*/ 6253 h 1225093"/>
+              <a:gd name="connsiteX1" fmla="*/ 1353846 w 1353846"/>
+              <a:gd name="connsiteY1" fmla="*/ 0 h 1225093"/>
+              <a:gd name="connsiteX2" fmla="*/ 1339596 w 1353846"/>
+              <a:gd name="connsiteY2" fmla="*/ 1225093 h 1225093"/>
+              <a:gd name="connsiteX3" fmla="*/ 0 w 1353846"/>
+              <a:gd name="connsiteY3" fmla="*/ 1225093 h 1225093"/>
+              <a:gd name="connsiteX4" fmla="*/ 20681 w 1353846"/>
+              <a:gd name="connsiteY4" fmla="*/ 6253 h 1225093"/>
+              <a:gd name="connsiteX0" fmla="*/ 20681 w 1339596"/>
+              <a:gd name="connsiteY0" fmla="*/ 6603 h 1225443"/>
+              <a:gd name="connsiteX1" fmla="*/ 1333808 w 1339596"/>
+              <a:gd name="connsiteY1" fmla="*/ 0 h 1225443"/>
+              <a:gd name="connsiteX2" fmla="*/ 1339596 w 1339596"/>
+              <a:gd name="connsiteY2" fmla="*/ 1225443 h 1225443"/>
+              <a:gd name="connsiteX3" fmla="*/ 0 w 1339596"/>
+              <a:gd name="connsiteY3" fmla="*/ 1225443 h 1225443"/>
+              <a:gd name="connsiteX4" fmla="*/ 20681 w 1339596"/>
+              <a:gd name="connsiteY4" fmla="*/ 6603 h 1225443"/>
+              <a:gd name="connsiteX0" fmla="*/ 33205 w 1339596"/>
+              <a:gd name="connsiteY0" fmla="*/ 6822 h 1225443"/>
+              <a:gd name="connsiteX1" fmla="*/ 1333808 w 1339596"/>
+              <a:gd name="connsiteY1" fmla="*/ 0 h 1225443"/>
+              <a:gd name="connsiteX2" fmla="*/ 1339596 w 1339596"/>
+              <a:gd name="connsiteY2" fmla="*/ 1225443 h 1225443"/>
+              <a:gd name="connsiteX3" fmla="*/ 0 w 1339596"/>
+              <a:gd name="connsiteY3" fmla="*/ 1225443 h 1225443"/>
+              <a:gd name="connsiteX4" fmla="*/ 33205 w 1339596"/>
+              <a:gd name="connsiteY4" fmla="*/ 6822 h 1225443"/>
+              <a:gd name="connsiteX0" fmla="*/ 13167 w 1339596"/>
+              <a:gd name="connsiteY0" fmla="*/ 6472 h 1225443"/>
+              <a:gd name="connsiteX1" fmla="*/ 1333808 w 1339596"/>
+              <a:gd name="connsiteY1" fmla="*/ 0 h 1225443"/>
+              <a:gd name="connsiteX2" fmla="*/ 1339596 w 1339596"/>
+              <a:gd name="connsiteY2" fmla="*/ 1225443 h 1225443"/>
+              <a:gd name="connsiteX3" fmla="*/ 0 w 1339596"/>
+              <a:gd name="connsiteY3" fmla="*/ 1225443 h 1225443"/>
+              <a:gd name="connsiteX4" fmla="*/ 13167 w 1339596"/>
+              <a:gd name="connsiteY4" fmla="*/ 6472 h 1225443"/>
+              <a:gd name="connsiteX0" fmla="*/ 13167 w 1333884"/>
+              <a:gd name="connsiteY0" fmla="*/ 6472 h 1225443"/>
+              <a:gd name="connsiteX1" fmla="*/ 1333808 w 1333884"/>
+              <a:gd name="connsiteY1" fmla="*/ 0 h 1225443"/>
+              <a:gd name="connsiteX2" fmla="*/ 1302330 w 1333884"/>
+              <a:gd name="connsiteY2" fmla="*/ 1207253 h 1225443"/>
+              <a:gd name="connsiteX3" fmla="*/ 0 w 1333884"/>
+              <a:gd name="connsiteY3" fmla="*/ 1225443 h 1225443"/>
+              <a:gd name="connsiteX4" fmla="*/ 13167 w 1333884"/>
+              <a:gd name="connsiteY4" fmla="*/ 6472 h 1225443"/>
+              <a:gd name="connsiteX0" fmla="*/ 13167 w 1334211"/>
+              <a:gd name="connsiteY0" fmla="*/ 6472 h 1232826"/>
+              <a:gd name="connsiteX1" fmla="*/ 1333808 w 1334211"/>
+              <a:gd name="connsiteY1" fmla="*/ 0 h 1232826"/>
+              <a:gd name="connsiteX2" fmla="*/ 1331950 w 1334211"/>
+              <a:gd name="connsiteY2" fmla="*/ 1232826 h 1232826"/>
+              <a:gd name="connsiteX3" fmla="*/ 0 w 1334211"/>
+              <a:gd name="connsiteY3" fmla="*/ 1225443 h 1232826"/>
+              <a:gd name="connsiteX4" fmla="*/ 13167 w 1334211"/>
+              <a:gd name="connsiteY4" fmla="*/ 6472 h 1232826"/>
+              <a:gd name="connsiteX0" fmla="*/ 13167 w 1333952"/>
+              <a:gd name="connsiteY0" fmla="*/ 6472 h 1225443"/>
+              <a:gd name="connsiteX1" fmla="*/ 1333808 w 1333952"/>
+              <a:gd name="connsiteY1" fmla="*/ 0 h 1225443"/>
+              <a:gd name="connsiteX2" fmla="*/ 1319601 w 1333952"/>
+              <a:gd name="connsiteY2" fmla="*/ 1222588 h 1225443"/>
+              <a:gd name="connsiteX3" fmla="*/ 0 w 1333952"/>
+              <a:gd name="connsiteY3" fmla="*/ 1225443 h 1225443"/>
+              <a:gd name="connsiteX4" fmla="*/ 13167 w 1333952"/>
+              <a:gd name="connsiteY4" fmla="*/ 6472 h 1225443"/>
+              <a:gd name="connsiteX0" fmla="*/ 30785 w 1333952"/>
+              <a:gd name="connsiteY0" fmla="*/ 0 h 1235984"/>
+              <a:gd name="connsiteX1" fmla="*/ 1333808 w 1333952"/>
+              <a:gd name="connsiteY1" fmla="*/ 10541 h 1235984"/>
+              <a:gd name="connsiteX2" fmla="*/ 1319601 w 1333952"/>
+              <a:gd name="connsiteY2" fmla="*/ 1233129 h 1235984"/>
+              <a:gd name="connsiteX3" fmla="*/ 0 w 1333952"/>
+              <a:gd name="connsiteY3" fmla="*/ 1235984 h 1235984"/>
+              <a:gd name="connsiteX4" fmla="*/ 30785 w 1333952"/>
+              <a:gd name="connsiteY4" fmla="*/ 0 h 1235984"/>
+              <a:gd name="connsiteX0" fmla="*/ 30785 w 1319601"/>
+              <a:gd name="connsiteY0" fmla="*/ 0 h 1235984"/>
+              <a:gd name="connsiteX1" fmla="*/ 1312848 w 1319601"/>
+              <a:gd name="connsiteY1" fmla="*/ 20567 h 1235984"/>
+              <a:gd name="connsiteX2" fmla="*/ 1319601 w 1319601"/>
+              <a:gd name="connsiteY2" fmla="*/ 1233129 h 1235984"/>
+              <a:gd name="connsiteX3" fmla="*/ 0 w 1319601"/>
+              <a:gd name="connsiteY3" fmla="*/ 1235984 h 1235984"/>
+              <a:gd name="connsiteX4" fmla="*/ 30785 w 1319601"/>
+              <a:gd name="connsiteY4" fmla="*/ 0 h 1235984"/>
+            </a:gdLst>
+            <a:ahLst/>
+            <a:cxnLst>
+              <a:cxn ang="0">
+                <a:pos x="connsiteX0" y="connsiteY0"/>
+              </a:cxn>
+              <a:cxn ang="0">
+                <a:pos x="connsiteX1" y="connsiteY1"/>
+              </a:cxn>
+              <a:cxn ang="0">
+                <a:pos x="connsiteX2" y="connsiteY2"/>
+              </a:cxn>
+              <a:cxn ang="0">
+                <a:pos x="connsiteX3" y="connsiteY3"/>
+              </a:cxn>
+              <a:cxn ang="0">
+                <a:pos x="connsiteX4" y="connsiteY4"/>
+              </a:cxn>
+            </a:cxnLst>
+            <a:rect l="l" t="t" r="r" b="b"/>
+            <a:pathLst>
+              <a:path w="1319601" h="1235984">
+                <a:moveTo>
+                  <a:pt x="30785" y="0"/>
+                </a:moveTo>
+                <a:lnTo>
+                  <a:pt x="1312848" y="20567"/>
+                </a:lnTo>
+                <a:cubicBezTo>
+                  <a:pt x="1314777" y="429048"/>
+                  <a:pt x="1317672" y="824648"/>
+                  <a:pt x="1319601" y="1233129"/>
+                </a:cubicBezTo>
+                <a:lnTo>
+                  <a:pt x="0" y="1235984"/>
+                </a:lnTo>
+                <a:lnTo>
+                  <a:pt x="30785" y="0"/>
+                </a:lnTo>
+                <a:close/>
+              </a:path>
+            </a:pathLst>
+          </a:custGeom>
+          <a:ln/>
+        </p:spPr>
+        <p:style>
+          <a:lnRef idx="1">
+            <a:schemeClr val="accent1"/>
+          </a:lnRef>
+          <a:fillRef idx="2">
+            <a:schemeClr val="accent1"/>
+          </a:fillRef>
+          <a:effectRef idx="1">
+            <a:schemeClr val="accent1"/>
+          </a:effectRef>
+          <a:fontRef idx="minor">
+            <a:schemeClr val="dk1"/>
+          </a:fontRef>
+        </p:style>
+        <p:txBody>
+          <a:bodyPr lIns="45720" rIns="45720" anchor="ctr"/>
+          <a:lstStyle/>
+          <a:p>
+            <a:pPr algn="ctr">
+              <a:defRPr/>
+            </a:pPr>
+            <a:r>
+              <a:rPr lang="en-US" sz="5000" b="1" dirty="0">
+                <a:solidFill>
+                  <a:schemeClr val="tx1">
+                    <a:lumMod val="85000"/>
+                    <a:lumOff val="15000"/>
+                  </a:schemeClr>
+                </a:solidFill>
+                <a:latin typeface="Bradley Hand ITC" pitchFamily="66" charset="0"/>
+                <a:cs typeface="Arial" pitchFamily="34" charset="0"/>
+              </a:rPr>
+              <a:t>5</a:t>
+            </a:r>
+            <a:endParaRPr lang="en-US" sz="5000" b="1" dirty="0">
+              <a:solidFill>
+                <a:schemeClr val="tx1">
+                  <a:lumMod val="85000"/>
+                  <a:lumOff val="15000"/>
+                </a:schemeClr>
+              </a:solidFill>
+              <a:latin typeface="Bradley Hand ITC" pitchFamily="66" charset="0"/>
+              <a:cs typeface="Arial" pitchFamily="34" charset="0"/>
+            </a:endParaRPr>
+          </a:p>
+        </p:txBody>
+      </p:sp>
+      <p:sp>
+        <p:nvSpPr>
+          <p:cNvPr id="17" name="Title 7"/>
+          <p:cNvSpPr txBox="1">
+            <a:spLocks/>
+          </p:cNvSpPr>
+          <p:nvPr/>
+        </p:nvSpPr>
+        <p:spPr>
+          <a:xfrm>
+            <a:off x="2402078" y="4290306"/>
+            <a:ext cx="7259986" cy="400110"/>
+          </a:xfrm>
+          <a:prstGeom prst="rect">
+            <a:avLst/>
+          </a:prstGeom>
+          <a:solidFill>
+            <a:schemeClr val="bg2"/>
+          </a:solidFill>
+        </p:spPr>
+        <p:txBody>
+          <a:bodyPr wrap="square">
+            <a:spAutoFit/>
+          </a:bodyPr>
+          <a:lstStyle>
+            <a:lvl1pPr algn="l" defTabSz="914400" rtl="0" eaLnBrk="1" latinLnBrk="0" hangingPunct="1">
+              <a:spcBef>
+                <a:spcPct val="0"/>
+              </a:spcBef>
+              <a:buNone/>
+              <a:defRPr sz="4400" kern="1200">
+                <a:solidFill>
+                  <a:schemeClr val="tx1"/>
+                </a:solidFill>
+                <a:latin typeface="+mj-lt"/>
+                <a:ea typeface="+mj-ea"/>
+                <a:cs typeface="+mj-cs"/>
+              </a:defRPr>
+            </a:lvl1pPr>
+          </a:lstStyle>
+          <a:p>
+            <a:r>
+              <a:rPr lang="en-US" sz="2000" b="1" dirty="0" err="1" smtClean="0">
+                <a:latin typeface="Times New Roman" panose="02020603050405020304" pitchFamily="18" charset="0"/>
+                <a:cs typeface="Times New Roman" panose="02020603050405020304" pitchFamily="18" charset="0"/>
+              </a:rPr>
+              <a:t>Đã</a:t>
+            </a:r>
+            <a:r>
+              <a:rPr lang="en-US" sz="2000" b="1" dirty="0" smtClean="0">
+                <a:latin typeface="Times New Roman" panose="02020603050405020304" pitchFamily="18" charset="0"/>
+                <a:cs typeface="Times New Roman" panose="02020603050405020304" pitchFamily="18" charset="0"/>
+              </a:rPr>
+              <a:t> merge </a:t>
+            </a:r>
+            <a:r>
+              <a:rPr lang="en-US" sz="2000" b="1" dirty="0" err="1" smtClean="0">
+                <a:latin typeface="Times New Roman" panose="02020603050405020304" pitchFamily="18" charset="0"/>
+                <a:cs typeface="Times New Roman" panose="02020603050405020304" pitchFamily="18" charset="0"/>
+              </a:rPr>
+              <a:t>vào</a:t>
+            </a:r>
+            <a:r>
+              <a:rPr lang="en-US" sz="2000" b="1" dirty="0" smtClean="0">
+                <a:latin typeface="Times New Roman" panose="02020603050405020304" pitchFamily="18" charset="0"/>
+                <a:cs typeface="Times New Roman" panose="02020603050405020304" pitchFamily="18" charset="0"/>
+              </a:rPr>
+              <a:t> </a:t>
+            </a:r>
+            <a:r>
+              <a:rPr lang="en-US" sz="2000" b="1" dirty="0" err="1" smtClean="0">
+                <a:latin typeface="Times New Roman" panose="02020603050405020304" pitchFamily="18" charset="0"/>
+                <a:cs typeface="Times New Roman" panose="02020603050405020304" pitchFamily="18" charset="0"/>
+              </a:rPr>
+              <a:t>nhánh</a:t>
+            </a:r>
+            <a:r>
+              <a:rPr lang="en-US" sz="2000" b="1" dirty="0" smtClean="0">
+                <a:latin typeface="Times New Roman" panose="02020603050405020304" pitchFamily="18" charset="0"/>
+                <a:cs typeface="Times New Roman" panose="02020603050405020304" pitchFamily="18" charset="0"/>
+              </a:rPr>
+              <a:t> </a:t>
+            </a:r>
+            <a:r>
+              <a:rPr lang="en-US" sz="2000" b="1" dirty="0" err="1" smtClean="0">
+                <a:latin typeface="Times New Roman" panose="02020603050405020304" pitchFamily="18" charset="0"/>
+                <a:cs typeface="Times New Roman" panose="02020603050405020304" pitchFamily="18" charset="0"/>
+              </a:rPr>
+              <a:t>dev</a:t>
+            </a:r>
+            <a:endParaRPr lang="en-US" sz="2000" b="1" dirty="0">
+              <a:latin typeface="Times New Roman" panose="02020603050405020304" pitchFamily="18" charset="0"/>
+              <a:cs typeface="Times New Roman" panose="02020603050405020304" pitchFamily="18" charset="0"/>
+            </a:endParaRPr>
+          </a:p>
+        </p:txBody>
+      </p:sp>
+      <p:sp>
+        <p:nvSpPr>
+          <p:cNvPr id="18" name="Rectangle 19"/>
+          <p:cNvSpPr/>
+          <p:nvPr/>
+        </p:nvSpPr>
+        <p:spPr>
+          <a:xfrm rot="21400954">
+            <a:off x="1232039" y="5200923"/>
+            <a:ext cx="820546" cy="613178"/>
+          </a:xfrm>
+          <a:custGeom>
+            <a:avLst/>
+            <a:gdLst>
+              <a:gd name="connsiteX0" fmla="*/ 0 w 1339596"/>
+              <a:gd name="connsiteY0" fmla="*/ 0 h 1219200"/>
+              <a:gd name="connsiteX1" fmla="*/ 1339596 w 1339596"/>
+              <a:gd name="connsiteY1" fmla="*/ 0 h 1219200"/>
+              <a:gd name="connsiteX2" fmla="*/ 1339596 w 1339596"/>
+              <a:gd name="connsiteY2" fmla="*/ 1219200 h 1219200"/>
+              <a:gd name="connsiteX3" fmla="*/ 0 w 1339596"/>
+              <a:gd name="connsiteY3" fmla="*/ 1219200 h 1219200"/>
+              <a:gd name="connsiteX4" fmla="*/ 0 w 1339596"/>
+              <a:gd name="connsiteY4" fmla="*/ 0 h 1219200"/>
+              <a:gd name="connsiteX0" fmla="*/ 0 w 1339596"/>
+              <a:gd name="connsiteY0" fmla="*/ 11733 h 1230933"/>
+              <a:gd name="connsiteX1" fmla="*/ 1306342 w 1339596"/>
+              <a:gd name="connsiteY1" fmla="*/ 0 h 1230933"/>
+              <a:gd name="connsiteX2" fmla="*/ 1339596 w 1339596"/>
+              <a:gd name="connsiteY2" fmla="*/ 1230933 h 1230933"/>
+              <a:gd name="connsiteX3" fmla="*/ 0 w 1339596"/>
+              <a:gd name="connsiteY3" fmla="*/ 1230933 h 1230933"/>
+              <a:gd name="connsiteX4" fmla="*/ 0 w 1339596"/>
+              <a:gd name="connsiteY4" fmla="*/ 11733 h 1230933"/>
+              <a:gd name="connsiteX0" fmla="*/ 55747 w 1339596"/>
+              <a:gd name="connsiteY0" fmla="*/ 12706 h 1230933"/>
+              <a:gd name="connsiteX1" fmla="*/ 1306342 w 1339596"/>
+              <a:gd name="connsiteY1" fmla="*/ 0 h 1230933"/>
+              <a:gd name="connsiteX2" fmla="*/ 1339596 w 1339596"/>
+              <a:gd name="connsiteY2" fmla="*/ 1230933 h 1230933"/>
+              <a:gd name="connsiteX3" fmla="*/ 0 w 1339596"/>
+              <a:gd name="connsiteY3" fmla="*/ 1230933 h 1230933"/>
+              <a:gd name="connsiteX4" fmla="*/ 55747 w 1339596"/>
+              <a:gd name="connsiteY4" fmla="*/ 12706 h 1230933"/>
+              <a:gd name="connsiteX0" fmla="*/ 28195 w 1339596"/>
+              <a:gd name="connsiteY0" fmla="*/ 12225 h 1230933"/>
+              <a:gd name="connsiteX1" fmla="*/ 1306342 w 1339596"/>
+              <a:gd name="connsiteY1" fmla="*/ 0 h 1230933"/>
+              <a:gd name="connsiteX2" fmla="*/ 1339596 w 1339596"/>
+              <a:gd name="connsiteY2" fmla="*/ 1230933 h 1230933"/>
+              <a:gd name="connsiteX3" fmla="*/ 0 w 1339596"/>
+              <a:gd name="connsiteY3" fmla="*/ 1230933 h 1230933"/>
+              <a:gd name="connsiteX4" fmla="*/ 28195 w 1339596"/>
+              <a:gd name="connsiteY4" fmla="*/ 12225 h 1230933"/>
+              <a:gd name="connsiteX0" fmla="*/ 28195 w 1353846"/>
+              <a:gd name="connsiteY0" fmla="*/ 6385 h 1225093"/>
+              <a:gd name="connsiteX1" fmla="*/ 1353846 w 1353846"/>
+              <a:gd name="connsiteY1" fmla="*/ 0 h 1225093"/>
+              <a:gd name="connsiteX2" fmla="*/ 1339596 w 1353846"/>
+              <a:gd name="connsiteY2" fmla="*/ 1225093 h 1225093"/>
+              <a:gd name="connsiteX3" fmla="*/ 0 w 1353846"/>
+              <a:gd name="connsiteY3" fmla="*/ 1225093 h 1225093"/>
+              <a:gd name="connsiteX4" fmla="*/ 28195 w 1353846"/>
+              <a:gd name="connsiteY4" fmla="*/ 6385 h 1225093"/>
+              <a:gd name="connsiteX0" fmla="*/ 20681 w 1353846"/>
+              <a:gd name="connsiteY0" fmla="*/ 6253 h 1225093"/>
+              <a:gd name="connsiteX1" fmla="*/ 1353846 w 1353846"/>
+              <a:gd name="connsiteY1" fmla="*/ 0 h 1225093"/>
+              <a:gd name="connsiteX2" fmla="*/ 1339596 w 1353846"/>
+              <a:gd name="connsiteY2" fmla="*/ 1225093 h 1225093"/>
+              <a:gd name="connsiteX3" fmla="*/ 0 w 1353846"/>
+              <a:gd name="connsiteY3" fmla="*/ 1225093 h 1225093"/>
+              <a:gd name="connsiteX4" fmla="*/ 20681 w 1353846"/>
+              <a:gd name="connsiteY4" fmla="*/ 6253 h 1225093"/>
+              <a:gd name="connsiteX0" fmla="*/ 20681 w 1339596"/>
+              <a:gd name="connsiteY0" fmla="*/ 6603 h 1225443"/>
+              <a:gd name="connsiteX1" fmla="*/ 1333808 w 1339596"/>
+              <a:gd name="connsiteY1" fmla="*/ 0 h 1225443"/>
+              <a:gd name="connsiteX2" fmla="*/ 1339596 w 1339596"/>
+              <a:gd name="connsiteY2" fmla="*/ 1225443 h 1225443"/>
+              <a:gd name="connsiteX3" fmla="*/ 0 w 1339596"/>
+              <a:gd name="connsiteY3" fmla="*/ 1225443 h 1225443"/>
+              <a:gd name="connsiteX4" fmla="*/ 20681 w 1339596"/>
+              <a:gd name="connsiteY4" fmla="*/ 6603 h 1225443"/>
+              <a:gd name="connsiteX0" fmla="*/ 33205 w 1339596"/>
+              <a:gd name="connsiteY0" fmla="*/ 6822 h 1225443"/>
+              <a:gd name="connsiteX1" fmla="*/ 1333808 w 1339596"/>
+              <a:gd name="connsiteY1" fmla="*/ 0 h 1225443"/>
+              <a:gd name="connsiteX2" fmla="*/ 1339596 w 1339596"/>
+              <a:gd name="connsiteY2" fmla="*/ 1225443 h 1225443"/>
+              <a:gd name="connsiteX3" fmla="*/ 0 w 1339596"/>
+              <a:gd name="connsiteY3" fmla="*/ 1225443 h 1225443"/>
+              <a:gd name="connsiteX4" fmla="*/ 33205 w 1339596"/>
+              <a:gd name="connsiteY4" fmla="*/ 6822 h 1225443"/>
+              <a:gd name="connsiteX0" fmla="*/ 13167 w 1339596"/>
+              <a:gd name="connsiteY0" fmla="*/ 6472 h 1225443"/>
+              <a:gd name="connsiteX1" fmla="*/ 1333808 w 1339596"/>
+              <a:gd name="connsiteY1" fmla="*/ 0 h 1225443"/>
+              <a:gd name="connsiteX2" fmla="*/ 1339596 w 1339596"/>
+              <a:gd name="connsiteY2" fmla="*/ 1225443 h 1225443"/>
+              <a:gd name="connsiteX3" fmla="*/ 0 w 1339596"/>
+              <a:gd name="connsiteY3" fmla="*/ 1225443 h 1225443"/>
+              <a:gd name="connsiteX4" fmla="*/ 13167 w 1339596"/>
+              <a:gd name="connsiteY4" fmla="*/ 6472 h 1225443"/>
+              <a:gd name="connsiteX0" fmla="*/ 13167 w 1333884"/>
+              <a:gd name="connsiteY0" fmla="*/ 6472 h 1225443"/>
+              <a:gd name="connsiteX1" fmla="*/ 1333808 w 1333884"/>
+              <a:gd name="connsiteY1" fmla="*/ 0 h 1225443"/>
+              <a:gd name="connsiteX2" fmla="*/ 1302330 w 1333884"/>
+              <a:gd name="connsiteY2" fmla="*/ 1207253 h 1225443"/>
+              <a:gd name="connsiteX3" fmla="*/ 0 w 1333884"/>
+              <a:gd name="connsiteY3" fmla="*/ 1225443 h 1225443"/>
+              <a:gd name="connsiteX4" fmla="*/ 13167 w 1333884"/>
+              <a:gd name="connsiteY4" fmla="*/ 6472 h 1225443"/>
+              <a:gd name="connsiteX0" fmla="*/ 13167 w 1334211"/>
+              <a:gd name="connsiteY0" fmla="*/ 6472 h 1232826"/>
+              <a:gd name="connsiteX1" fmla="*/ 1333808 w 1334211"/>
+              <a:gd name="connsiteY1" fmla="*/ 0 h 1232826"/>
+              <a:gd name="connsiteX2" fmla="*/ 1331950 w 1334211"/>
+              <a:gd name="connsiteY2" fmla="*/ 1232826 h 1232826"/>
+              <a:gd name="connsiteX3" fmla="*/ 0 w 1334211"/>
+              <a:gd name="connsiteY3" fmla="*/ 1225443 h 1232826"/>
+              <a:gd name="connsiteX4" fmla="*/ 13167 w 1334211"/>
+              <a:gd name="connsiteY4" fmla="*/ 6472 h 1232826"/>
+              <a:gd name="connsiteX0" fmla="*/ 13167 w 1333952"/>
+              <a:gd name="connsiteY0" fmla="*/ 6472 h 1225443"/>
+              <a:gd name="connsiteX1" fmla="*/ 1333808 w 1333952"/>
+              <a:gd name="connsiteY1" fmla="*/ 0 h 1225443"/>
+              <a:gd name="connsiteX2" fmla="*/ 1319601 w 1333952"/>
+              <a:gd name="connsiteY2" fmla="*/ 1222588 h 1225443"/>
+              <a:gd name="connsiteX3" fmla="*/ 0 w 1333952"/>
+              <a:gd name="connsiteY3" fmla="*/ 1225443 h 1225443"/>
+              <a:gd name="connsiteX4" fmla="*/ 13167 w 1333952"/>
+              <a:gd name="connsiteY4" fmla="*/ 6472 h 1225443"/>
+              <a:gd name="connsiteX0" fmla="*/ 30785 w 1333952"/>
+              <a:gd name="connsiteY0" fmla="*/ 0 h 1235984"/>
+              <a:gd name="connsiteX1" fmla="*/ 1333808 w 1333952"/>
+              <a:gd name="connsiteY1" fmla="*/ 10541 h 1235984"/>
+              <a:gd name="connsiteX2" fmla="*/ 1319601 w 1333952"/>
+              <a:gd name="connsiteY2" fmla="*/ 1233129 h 1235984"/>
+              <a:gd name="connsiteX3" fmla="*/ 0 w 1333952"/>
+              <a:gd name="connsiteY3" fmla="*/ 1235984 h 1235984"/>
+              <a:gd name="connsiteX4" fmla="*/ 30785 w 1333952"/>
+              <a:gd name="connsiteY4" fmla="*/ 0 h 1235984"/>
+              <a:gd name="connsiteX0" fmla="*/ 30785 w 1319601"/>
+              <a:gd name="connsiteY0" fmla="*/ 0 h 1235984"/>
+              <a:gd name="connsiteX1" fmla="*/ 1312848 w 1319601"/>
+              <a:gd name="connsiteY1" fmla="*/ 20567 h 1235984"/>
+              <a:gd name="connsiteX2" fmla="*/ 1319601 w 1319601"/>
+              <a:gd name="connsiteY2" fmla="*/ 1233129 h 1235984"/>
+              <a:gd name="connsiteX3" fmla="*/ 0 w 1319601"/>
+              <a:gd name="connsiteY3" fmla="*/ 1235984 h 1235984"/>
+              <a:gd name="connsiteX4" fmla="*/ 30785 w 1319601"/>
+              <a:gd name="connsiteY4" fmla="*/ 0 h 1235984"/>
+            </a:gdLst>
+            <a:ahLst/>
+            <a:cxnLst>
+              <a:cxn ang="0">
+                <a:pos x="connsiteX0" y="connsiteY0"/>
+              </a:cxn>
+              <a:cxn ang="0">
+                <a:pos x="connsiteX1" y="connsiteY1"/>
+              </a:cxn>
+              <a:cxn ang="0">
+                <a:pos x="connsiteX2" y="connsiteY2"/>
+              </a:cxn>
+              <a:cxn ang="0">
+                <a:pos x="connsiteX3" y="connsiteY3"/>
+              </a:cxn>
+              <a:cxn ang="0">
+                <a:pos x="connsiteX4" y="connsiteY4"/>
+              </a:cxn>
+            </a:cxnLst>
+            <a:rect l="l" t="t" r="r" b="b"/>
+            <a:pathLst>
+              <a:path w="1319601" h="1235984">
+                <a:moveTo>
+                  <a:pt x="30785" y="0"/>
+                </a:moveTo>
+                <a:lnTo>
+                  <a:pt x="1312848" y="20567"/>
+                </a:lnTo>
+                <a:cubicBezTo>
+                  <a:pt x="1314777" y="429048"/>
+                  <a:pt x="1317672" y="824648"/>
+                  <a:pt x="1319601" y="1233129"/>
+                </a:cubicBezTo>
+                <a:lnTo>
+                  <a:pt x="0" y="1235984"/>
+                </a:lnTo>
+                <a:lnTo>
+                  <a:pt x="30785" y="0"/>
+                </a:lnTo>
+                <a:close/>
+              </a:path>
+            </a:pathLst>
+          </a:custGeom>
+          <a:ln/>
+        </p:spPr>
+        <p:style>
+          <a:lnRef idx="1">
+            <a:schemeClr val="accent2"/>
+          </a:lnRef>
+          <a:fillRef idx="3">
+            <a:schemeClr val="accent2"/>
+          </a:fillRef>
+          <a:effectRef idx="2">
+            <a:schemeClr val="accent2"/>
+          </a:effectRef>
+          <a:fontRef idx="minor">
+            <a:schemeClr val="lt1"/>
+          </a:fontRef>
+        </p:style>
+        <p:txBody>
+          <a:bodyPr lIns="45720" rIns="45720" anchor="ctr"/>
+          <a:lstStyle/>
+          <a:p>
+            <a:pPr algn="ctr">
+              <a:defRPr/>
+            </a:pPr>
+            <a:r>
+              <a:rPr lang="en-US" sz="5000" b="1" dirty="0" smtClean="0">
+                <a:solidFill>
+                  <a:schemeClr val="tx1">
+                    <a:lumMod val="85000"/>
+                    <a:lumOff val="15000"/>
+                  </a:schemeClr>
+                </a:solidFill>
+                <a:latin typeface="Bradley Hand ITC" pitchFamily="66" charset="0"/>
+                <a:cs typeface="Arial" pitchFamily="34" charset="0"/>
+              </a:rPr>
+              <a:t>6</a:t>
+            </a:r>
+            <a:endParaRPr lang="en-US" sz="5000" b="1" dirty="0">
+              <a:solidFill>
+                <a:schemeClr val="tx1">
+                  <a:lumMod val="85000"/>
+                  <a:lumOff val="15000"/>
+                </a:schemeClr>
+              </a:solidFill>
+              <a:latin typeface="Bradley Hand ITC" pitchFamily="66" charset="0"/>
+              <a:cs typeface="Arial" pitchFamily="34" charset="0"/>
+            </a:endParaRPr>
+          </a:p>
+        </p:txBody>
+      </p:sp>
+      <p:sp>
+        <p:nvSpPr>
+          <p:cNvPr id="19" name="Title 7"/>
+          <p:cNvSpPr txBox="1">
+            <a:spLocks/>
+          </p:cNvSpPr>
+          <p:nvPr/>
+        </p:nvSpPr>
+        <p:spPr>
+          <a:xfrm>
+            <a:off x="2423611" y="5153569"/>
+            <a:ext cx="7259986" cy="400110"/>
+          </a:xfrm>
+          <a:prstGeom prst="rect">
+            <a:avLst/>
+          </a:prstGeom>
+          <a:solidFill>
+            <a:schemeClr val="bg2"/>
+          </a:solidFill>
+        </p:spPr>
+        <p:txBody>
+          <a:bodyPr wrap="square">
+            <a:spAutoFit/>
+          </a:bodyPr>
+          <a:lstStyle>
+            <a:lvl1pPr algn="l" defTabSz="914400" rtl="0" eaLnBrk="1" latinLnBrk="0" hangingPunct="1">
+              <a:spcBef>
+                <a:spcPct val="0"/>
+              </a:spcBef>
+              <a:buNone/>
+              <a:defRPr sz="4400" kern="1200">
+                <a:solidFill>
+                  <a:schemeClr val="tx1"/>
+                </a:solidFill>
+                <a:latin typeface="+mj-lt"/>
+                <a:ea typeface="+mj-ea"/>
+                <a:cs typeface="+mj-cs"/>
+              </a:defRPr>
+            </a:lvl1pPr>
+          </a:lstStyle>
+          <a:p>
+            <a:r>
+              <a:rPr lang="en-US" sz="2000" b="1" dirty="0" err="1" smtClean="0">
+                <a:latin typeface="Times New Roman" panose="02020603050405020304" pitchFamily="18" charset="0"/>
+                <a:cs typeface="Times New Roman" panose="02020603050405020304" pitchFamily="18" charset="0"/>
+              </a:rPr>
+              <a:t>Sử</a:t>
+            </a:r>
+            <a:r>
+              <a:rPr lang="en-US" sz="2000" b="1" dirty="0" smtClean="0">
+                <a:latin typeface="Times New Roman" panose="02020603050405020304" pitchFamily="18" charset="0"/>
+                <a:cs typeface="Times New Roman" panose="02020603050405020304" pitchFamily="18" charset="0"/>
+              </a:rPr>
+              <a:t> </a:t>
+            </a:r>
+            <a:r>
+              <a:rPr lang="en-US" sz="2000" b="1" dirty="0" err="1" smtClean="0">
+                <a:latin typeface="Times New Roman" panose="02020603050405020304" pitchFamily="18" charset="0"/>
+                <a:cs typeface="Times New Roman" panose="02020603050405020304" pitchFamily="18" charset="0"/>
+              </a:rPr>
+              <a:t>dụng</a:t>
+            </a:r>
+            <a:r>
+              <a:rPr lang="en-US" sz="2000" b="1" dirty="0" smtClean="0">
+                <a:latin typeface="Times New Roman" panose="02020603050405020304" pitchFamily="18" charset="0"/>
+                <a:cs typeface="Times New Roman" panose="02020603050405020304" pitchFamily="18" charset="0"/>
+              </a:rPr>
+              <a:t> </a:t>
+            </a:r>
+            <a:r>
+              <a:rPr lang="en-US" sz="2000" b="1" dirty="0" err="1" smtClean="0">
+                <a:latin typeface="Times New Roman" panose="02020603050405020304" pitchFamily="18" charset="0"/>
+                <a:cs typeface="Times New Roman" panose="02020603050405020304" pitchFamily="18" charset="0"/>
+              </a:rPr>
+              <a:t>màu</a:t>
+            </a:r>
+            <a:r>
+              <a:rPr lang="en-US" sz="2000" b="1" dirty="0" smtClean="0">
+                <a:latin typeface="Times New Roman" panose="02020603050405020304" pitchFamily="18" charset="0"/>
+                <a:cs typeface="Times New Roman" panose="02020603050405020304" pitchFamily="18" charset="0"/>
+              </a:rPr>
+              <a:t> </a:t>
+            </a:r>
+            <a:r>
+              <a:rPr lang="en-US" sz="2000" b="1" dirty="0" err="1" smtClean="0">
+                <a:latin typeface="Times New Roman" panose="02020603050405020304" pitchFamily="18" charset="0"/>
+                <a:cs typeface="Times New Roman" panose="02020603050405020304" pitchFamily="18" charset="0"/>
+              </a:rPr>
+              <a:t>mặc</a:t>
+            </a:r>
+            <a:r>
+              <a:rPr lang="en-US" sz="2000" b="1" dirty="0" smtClean="0">
+                <a:latin typeface="Times New Roman" panose="02020603050405020304" pitchFamily="18" charset="0"/>
+                <a:cs typeface="Times New Roman" panose="02020603050405020304" pitchFamily="18" charset="0"/>
+              </a:rPr>
+              <a:t> </a:t>
+            </a:r>
+            <a:r>
+              <a:rPr lang="en-US" sz="2000" b="1" dirty="0" err="1" smtClean="0">
+                <a:latin typeface="Times New Roman" panose="02020603050405020304" pitchFamily="18" charset="0"/>
+                <a:cs typeface="Times New Roman" panose="02020603050405020304" pitchFamily="18" charset="0"/>
+              </a:rPr>
+              <a:t>định</a:t>
+            </a:r>
+            <a:r>
+              <a:rPr lang="en-US" sz="2000" b="1" dirty="0" smtClean="0">
+                <a:latin typeface="Times New Roman" panose="02020603050405020304" pitchFamily="18" charset="0"/>
+                <a:cs typeface="Times New Roman" panose="02020603050405020304" pitchFamily="18" charset="0"/>
+              </a:rPr>
+              <a:t> </a:t>
+            </a:r>
+            <a:r>
+              <a:rPr lang="en-US" sz="2000" b="1" dirty="0" err="1" smtClean="0">
+                <a:latin typeface="Times New Roman" panose="02020603050405020304" pitchFamily="18" charset="0"/>
+                <a:cs typeface="Times New Roman" panose="02020603050405020304" pitchFamily="18" charset="0"/>
+              </a:rPr>
+              <a:t>của</a:t>
+            </a:r>
+            <a:r>
+              <a:rPr lang="en-US" sz="2000" b="1" dirty="0" smtClean="0">
+                <a:latin typeface="Times New Roman" panose="02020603050405020304" pitchFamily="18" charset="0"/>
+                <a:cs typeface="Times New Roman" panose="02020603050405020304" pitchFamily="18" charset="0"/>
+              </a:rPr>
+              <a:t> Bootstrap</a:t>
+            </a:r>
+            <a:endParaRPr lang="en-US" sz="2000" b="1" dirty="0">
+              <a:latin typeface="Times New Roman" panose="02020603050405020304" pitchFamily="18" charset="0"/>
+              <a:cs typeface="Times New Roman" panose="02020603050405020304" pitchFamily="18" charset="0"/>
+            </a:endParaRPr>
+          </a:p>
+        </p:txBody>
+      </p:sp>
+      <p:sp>
+        <p:nvSpPr>
+          <p:cNvPr id="20" name="Rectangle 19"/>
+          <p:cNvSpPr/>
+          <p:nvPr/>
+        </p:nvSpPr>
+        <p:spPr>
+          <a:xfrm>
+            <a:off x="1242047" y="5984618"/>
+            <a:ext cx="820546" cy="613178"/>
+          </a:xfrm>
+          <a:custGeom>
+            <a:avLst/>
+            <a:gdLst>
+              <a:gd name="connsiteX0" fmla="*/ 0 w 1339596"/>
+              <a:gd name="connsiteY0" fmla="*/ 0 h 1219200"/>
+              <a:gd name="connsiteX1" fmla="*/ 1339596 w 1339596"/>
+              <a:gd name="connsiteY1" fmla="*/ 0 h 1219200"/>
+              <a:gd name="connsiteX2" fmla="*/ 1339596 w 1339596"/>
+              <a:gd name="connsiteY2" fmla="*/ 1219200 h 1219200"/>
+              <a:gd name="connsiteX3" fmla="*/ 0 w 1339596"/>
+              <a:gd name="connsiteY3" fmla="*/ 1219200 h 1219200"/>
+              <a:gd name="connsiteX4" fmla="*/ 0 w 1339596"/>
+              <a:gd name="connsiteY4" fmla="*/ 0 h 1219200"/>
+              <a:gd name="connsiteX0" fmla="*/ 0 w 1339596"/>
+              <a:gd name="connsiteY0" fmla="*/ 11733 h 1230933"/>
+              <a:gd name="connsiteX1" fmla="*/ 1306342 w 1339596"/>
+              <a:gd name="connsiteY1" fmla="*/ 0 h 1230933"/>
+              <a:gd name="connsiteX2" fmla="*/ 1339596 w 1339596"/>
+              <a:gd name="connsiteY2" fmla="*/ 1230933 h 1230933"/>
+              <a:gd name="connsiteX3" fmla="*/ 0 w 1339596"/>
+              <a:gd name="connsiteY3" fmla="*/ 1230933 h 1230933"/>
+              <a:gd name="connsiteX4" fmla="*/ 0 w 1339596"/>
+              <a:gd name="connsiteY4" fmla="*/ 11733 h 1230933"/>
+              <a:gd name="connsiteX0" fmla="*/ 55747 w 1339596"/>
+              <a:gd name="connsiteY0" fmla="*/ 12706 h 1230933"/>
+              <a:gd name="connsiteX1" fmla="*/ 1306342 w 1339596"/>
+              <a:gd name="connsiteY1" fmla="*/ 0 h 1230933"/>
+              <a:gd name="connsiteX2" fmla="*/ 1339596 w 1339596"/>
+              <a:gd name="connsiteY2" fmla="*/ 1230933 h 1230933"/>
+              <a:gd name="connsiteX3" fmla="*/ 0 w 1339596"/>
+              <a:gd name="connsiteY3" fmla="*/ 1230933 h 1230933"/>
+              <a:gd name="connsiteX4" fmla="*/ 55747 w 1339596"/>
+              <a:gd name="connsiteY4" fmla="*/ 12706 h 1230933"/>
+              <a:gd name="connsiteX0" fmla="*/ 28195 w 1339596"/>
+              <a:gd name="connsiteY0" fmla="*/ 12225 h 1230933"/>
+              <a:gd name="connsiteX1" fmla="*/ 1306342 w 1339596"/>
+              <a:gd name="connsiteY1" fmla="*/ 0 h 1230933"/>
+              <a:gd name="connsiteX2" fmla="*/ 1339596 w 1339596"/>
+              <a:gd name="connsiteY2" fmla="*/ 1230933 h 1230933"/>
+              <a:gd name="connsiteX3" fmla="*/ 0 w 1339596"/>
+              <a:gd name="connsiteY3" fmla="*/ 1230933 h 1230933"/>
+              <a:gd name="connsiteX4" fmla="*/ 28195 w 1339596"/>
+              <a:gd name="connsiteY4" fmla="*/ 12225 h 1230933"/>
+              <a:gd name="connsiteX0" fmla="*/ 28195 w 1353846"/>
+              <a:gd name="connsiteY0" fmla="*/ 6385 h 1225093"/>
+              <a:gd name="connsiteX1" fmla="*/ 1353846 w 1353846"/>
+              <a:gd name="connsiteY1" fmla="*/ 0 h 1225093"/>
+              <a:gd name="connsiteX2" fmla="*/ 1339596 w 1353846"/>
+              <a:gd name="connsiteY2" fmla="*/ 1225093 h 1225093"/>
+              <a:gd name="connsiteX3" fmla="*/ 0 w 1353846"/>
+              <a:gd name="connsiteY3" fmla="*/ 1225093 h 1225093"/>
+              <a:gd name="connsiteX4" fmla="*/ 28195 w 1353846"/>
+              <a:gd name="connsiteY4" fmla="*/ 6385 h 1225093"/>
+              <a:gd name="connsiteX0" fmla="*/ 20681 w 1353846"/>
+              <a:gd name="connsiteY0" fmla="*/ 6253 h 1225093"/>
+              <a:gd name="connsiteX1" fmla="*/ 1353846 w 1353846"/>
+              <a:gd name="connsiteY1" fmla="*/ 0 h 1225093"/>
+              <a:gd name="connsiteX2" fmla="*/ 1339596 w 1353846"/>
+              <a:gd name="connsiteY2" fmla="*/ 1225093 h 1225093"/>
+              <a:gd name="connsiteX3" fmla="*/ 0 w 1353846"/>
+              <a:gd name="connsiteY3" fmla="*/ 1225093 h 1225093"/>
+              <a:gd name="connsiteX4" fmla="*/ 20681 w 1353846"/>
+              <a:gd name="connsiteY4" fmla="*/ 6253 h 1225093"/>
+              <a:gd name="connsiteX0" fmla="*/ 20681 w 1339596"/>
+              <a:gd name="connsiteY0" fmla="*/ 6603 h 1225443"/>
+              <a:gd name="connsiteX1" fmla="*/ 1333808 w 1339596"/>
+              <a:gd name="connsiteY1" fmla="*/ 0 h 1225443"/>
+              <a:gd name="connsiteX2" fmla="*/ 1339596 w 1339596"/>
+              <a:gd name="connsiteY2" fmla="*/ 1225443 h 1225443"/>
+              <a:gd name="connsiteX3" fmla="*/ 0 w 1339596"/>
+              <a:gd name="connsiteY3" fmla="*/ 1225443 h 1225443"/>
+              <a:gd name="connsiteX4" fmla="*/ 20681 w 1339596"/>
+              <a:gd name="connsiteY4" fmla="*/ 6603 h 1225443"/>
+              <a:gd name="connsiteX0" fmla="*/ 33205 w 1339596"/>
+              <a:gd name="connsiteY0" fmla="*/ 6822 h 1225443"/>
+              <a:gd name="connsiteX1" fmla="*/ 1333808 w 1339596"/>
+              <a:gd name="connsiteY1" fmla="*/ 0 h 1225443"/>
+              <a:gd name="connsiteX2" fmla="*/ 1339596 w 1339596"/>
+              <a:gd name="connsiteY2" fmla="*/ 1225443 h 1225443"/>
+              <a:gd name="connsiteX3" fmla="*/ 0 w 1339596"/>
+              <a:gd name="connsiteY3" fmla="*/ 1225443 h 1225443"/>
+              <a:gd name="connsiteX4" fmla="*/ 33205 w 1339596"/>
+              <a:gd name="connsiteY4" fmla="*/ 6822 h 1225443"/>
+              <a:gd name="connsiteX0" fmla="*/ 13167 w 1339596"/>
+              <a:gd name="connsiteY0" fmla="*/ 6472 h 1225443"/>
+              <a:gd name="connsiteX1" fmla="*/ 1333808 w 1339596"/>
+              <a:gd name="connsiteY1" fmla="*/ 0 h 1225443"/>
+              <a:gd name="connsiteX2" fmla="*/ 1339596 w 1339596"/>
+              <a:gd name="connsiteY2" fmla="*/ 1225443 h 1225443"/>
+              <a:gd name="connsiteX3" fmla="*/ 0 w 1339596"/>
+              <a:gd name="connsiteY3" fmla="*/ 1225443 h 1225443"/>
+              <a:gd name="connsiteX4" fmla="*/ 13167 w 1339596"/>
+              <a:gd name="connsiteY4" fmla="*/ 6472 h 1225443"/>
+              <a:gd name="connsiteX0" fmla="*/ 13167 w 1333884"/>
+              <a:gd name="connsiteY0" fmla="*/ 6472 h 1225443"/>
+              <a:gd name="connsiteX1" fmla="*/ 1333808 w 1333884"/>
+              <a:gd name="connsiteY1" fmla="*/ 0 h 1225443"/>
+              <a:gd name="connsiteX2" fmla="*/ 1302330 w 1333884"/>
+              <a:gd name="connsiteY2" fmla="*/ 1207253 h 1225443"/>
+              <a:gd name="connsiteX3" fmla="*/ 0 w 1333884"/>
+              <a:gd name="connsiteY3" fmla="*/ 1225443 h 1225443"/>
+              <a:gd name="connsiteX4" fmla="*/ 13167 w 1333884"/>
+              <a:gd name="connsiteY4" fmla="*/ 6472 h 1225443"/>
+              <a:gd name="connsiteX0" fmla="*/ 13167 w 1334211"/>
+              <a:gd name="connsiteY0" fmla="*/ 6472 h 1232826"/>
+              <a:gd name="connsiteX1" fmla="*/ 1333808 w 1334211"/>
+              <a:gd name="connsiteY1" fmla="*/ 0 h 1232826"/>
+              <a:gd name="connsiteX2" fmla="*/ 1331950 w 1334211"/>
+              <a:gd name="connsiteY2" fmla="*/ 1232826 h 1232826"/>
+              <a:gd name="connsiteX3" fmla="*/ 0 w 1334211"/>
+              <a:gd name="connsiteY3" fmla="*/ 1225443 h 1232826"/>
+              <a:gd name="connsiteX4" fmla="*/ 13167 w 1334211"/>
+              <a:gd name="connsiteY4" fmla="*/ 6472 h 1232826"/>
+              <a:gd name="connsiteX0" fmla="*/ 13167 w 1333952"/>
+              <a:gd name="connsiteY0" fmla="*/ 6472 h 1225443"/>
+              <a:gd name="connsiteX1" fmla="*/ 1333808 w 1333952"/>
+              <a:gd name="connsiteY1" fmla="*/ 0 h 1225443"/>
+              <a:gd name="connsiteX2" fmla="*/ 1319601 w 1333952"/>
+              <a:gd name="connsiteY2" fmla="*/ 1222588 h 1225443"/>
+              <a:gd name="connsiteX3" fmla="*/ 0 w 1333952"/>
+              <a:gd name="connsiteY3" fmla="*/ 1225443 h 1225443"/>
+              <a:gd name="connsiteX4" fmla="*/ 13167 w 1333952"/>
+              <a:gd name="connsiteY4" fmla="*/ 6472 h 1225443"/>
+              <a:gd name="connsiteX0" fmla="*/ 30785 w 1333952"/>
+              <a:gd name="connsiteY0" fmla="*/ 0 h 1235984"/>
+              <a:gd name="connsiteX1" fmla="*/ 1333808 w 1333952"/>
+              <a:gd name="connsiteY1" fmla="*/ 10541 h 1235984"/>
+              <a:gd name="connsiteX2" fmla="*/ 1319601 w 1333952"/>
+              <a:gd name="connsiteY2" fmla="*/ 1233129 h 1235984"/>
+              <a:gd name="connsiteX3" fmla="*/ 0 w 1333952"/>
+              <a:gd name="connsiteY3" fmla="*/ 1235984 h 1235984"/>
+              <a:gd name="connsiteX4" fmla="*/ 30785 w 1333952"/>
+              <a:gd name="connsiteY4" fmla="*/ 0 h 1235984"/>
+              <a:gd name="connsiteX0" fmla="*/ 30785 w 1319601"/>
+              <a:gd name="connsiteY0" fmla="*/ 0 h 1235984"/>
+              <a:gd name="connsiteX1" fmla="*/ 1312848 w 1319601"/>
+              <a:gd name="connsiteY1" fmla="*/ 20567 h 1235984"/>
+              <a:gd name="connsiteX2" fmla="*/ 1319601 w 1319601"/>
+              <a:gd name="connsiteY2" fmla="*/ 1233129 h 1235984"/>
+              <a:gd name="connsiteX3" fmla="*/ 0 w 1319601"/>
+              <a:gd name="connsiteY3" fmla="*/ 1235984 h 1235984"/>
+              <a:gd name="connsiteX4" fmla="*/ 30785 w 1319601"/>
+              <a:gd name="connsiteY4" fmla="*/ 0 h 1235984"/>
+            </a:gdLst>
+            <a:ahLst/>
+            <a:cxnLst>
+              <a:cxn ang="0">
+                <a:pos x="connsiteX0" y="connsiteY0"/>
+              </a:cxn>
+              <a:cxn ang="0">
+                <a:pos x="connsiteX1" y="connsiteY1"/>
+              </a:cxn>
+              <a:cxn ang="0">
+                <a:pos x="connsiteX2" y="connsiteY2"/>
+              </a:cxn>
+              <a:cxn ang="0">
+                <a:pos x="connsiteX3" y="connsiteY3"/>
+              </a:cxn>
+              <a:cxn ang="0">
+                <a:pos x="connsiteX4" y="connsiteY4"/>
+              </a:cxn>
+            </a:cxnLst>
+            <a:rect l="l" t="t" r="r" b="b"/>
+            <a:pathLst>
+              <a:path w="1319601" h="1235984">
+                <a:moveTo>
+                  <a:pt x="30785" y="0"/>
+                </a:moveTo>
+                <a:lnTo>
+                  <a:pt x="1312848" y="20567"/>
+                </a:lnTo>
+                <a:cubicBezTo>
+                  <a:pt x="1314777" y="429048"/>
+                  <a:pt x="1317672" y="824648"/>
+                  <a:pt x="1319601" y="1233129"/>
+                </a:cubicBezTo>
+                <a:lnTo>
+                  <a:pt x="0" y="1235984"/>
+                </a:lnTo>
+                <a:lnTo>
+                  <a:pt x="30785" y="0"/>
+                </a:lnTo>
+                <a:close/>
+              </a:path>
+            </a:pathLst>
+          </a:custGeom>
+          <a:ln/>
+        </p:spPr>
+        <p:style>
+          <a:lnRef idx="1">
+            <a:schemeClr val="accent6"/>
+          </a:lnRef>
+          <a:fillRef idx="2">
+            <a:schemeClr val="accent6"/>
+          </a:fillRef>
+          <a:effectRef idx="1">
+            <a:schemeClr val="accent6"/>
+          </a:effectRef>
+          <a:fontRef idx="minor">
+            <a:schemeClr val="dk1"/>
+          </a:fontRef>
+        </p:style>
+        <p:txBody>
+          <a:bodyPr lIns="45720" rIns="45720" anchor="ctr"/>
+          <a:lstStyle/>
+          <a:p>
+            <a:pPr algn="ctr">
+              <a:defRPr/>
+            </a:pPr>
+            <a:r>
+              <a:rPr lang="en-US" sz="5000" b="1" dirty="0">
+                <a:solidFill>
+                  <a:schemeClr val="tx1">
+                    <a:lumMod val="85000"/>
+                    <a:lumOff val="15000"/>
+                  </a:schemeClr>
+                </a:solidFill>
+                <a:latin typeface="Bradley Hand ITC" pitchFamily="66" charset="0"/>
+                <a:cs typeface="Arial" pitchFamily="34" charset="0"/>
+              </a:rPr>
+              <a:t>7</a:t>
+            </a:r>
+            <a:endParaRPr lang="en-US" sz="5000" b="1" dirty="0">
+              <a:solidFill>
+                <a:schemeClr val="tx1">
+                  <a:lumMod val="85000"/>
+                  <a:lumOff val="15000"/>
+                </a:schemeClr>
+              </a:solidFill>
+              <a:latin typeface="Bradley Hand ITC" pitchFamily="66" charset="0"/>
+              <a:cs typeface="Arial" pitchFamily="34" charset="0"/>
+            </a:endParaRPr>
+          </a:p>
+        </p:txBody>
+      </p:sp>
+      <p:sp>
+        <p:nvSpPr>
+          <p:cNvPr id="21" name="Title 7"/>
+          <p:cNvSpPr txBox="1">
+            <a:spLocks/>
+          </p:cNvSpPr>
+          <p:nvPr/>
+        </p:nvSpPr>
+        <p:spPr>
+          <a:xfrm>
+            <a:off x="2433619" y="5937264"/>
+            <a:ext cx="7259986" cy="400110"/>
+          </a:xfrm>
+          <a:prstGeom prst="rect">
+            <a:avLst/>
+          </a:prstGeom>
+          <a:solidFill>
+            <a:schemeClr val="bg2"/>
+          </a:solidFill>
+        </p:spPr>
+        <p:txBody>
+          <a:bodyPr wrap="square">
+            <a:spAutoFit/>
+          </a:bodyPr>
+          <a:lstStyle>
+            <a:lvl1pPr algn="l" defTabSz="914400" rtl="0" eaLnBrk="1" latinLnBrk="0" hangingPunct="1">
+              <a:spcBef>
+                <a:spcPct val="0"/>
+              </a:spcBef>
+              <a:buNone/>
+              <a:defRPr sz="4400" kern="1200">
+                <a:solidFill>
+                  <a:schemeClr val="tx1"/>
+                </a:solidFill>
+                <a:latin typeface="+mj-lt"/>
+                <a:ea typeface="+mj-ea"/>
+                <a:cs typeface="+mj-cs"/>
+              </a:defRPr>
+            </a:lvl1pPr>
+          </a:lstStyle>
+          <a:p>
+            <a:r>
+              <a:rPr lang="en-US" sz="2000" b="1" dirty="0" err="1" smtClean="0">
+                <a:latin typeface="Times New Roman" panose="02020603050405020304" pitchFamily="18" charset="0"/>
+                <a:cs typeface="Times New Roman" panose="02020603050405020304" pitchFamily="18" charset="0"/>
+              </a:rPr>
+              <a:t>Giao</a:t>
+            </a:r>
+            <a:r>
+              <a:rPr lang="en-US" sz="2000" b="1" dirty="0" smtClean="0">
+                <a:latin typeface="Times New Roman" panose="02020603050405020304" pitchFamily="18" charset="0"/>
+                <a:cs typeface="Times New Roman" panose="02020603050405020304" pitchFamily="18" charset="0"/>
+              </a:rPr>
+              <a:t> </a:t>
+            </a:r>
+            <a:r>
+              <a:rPr lang="en-US" sz="2000" b="1" dirty="0" err="1" smtClean="0">
+                <a:latin typeface="Times New Roman" panose="02020603050405020304" pitchFamily="18" charset="0"/>
+                <a:cs typeface="Times New Roman" panose="02020603050405020304" pitchFamily="18" charset="0"/>
+              </a:rPr>
+              <a:t>diện</a:t>
+            </a:r>
+            <a:r>
+              <a:rPr lang="en-US" sz="2000" b="1" dirty="0" smtClean="0">
+                <a:latin typeface="Times New Roman" panose="02020603050405020304" pitchFamily="18" charset="0"/>
+                <a:cs typeface="Times New Roman" panose="02020603050405020304" pitchFamily="18" charset="0"/>
+              </a:rPr>
+              <a:t> </a:t>
+            </a:r>
+            <a:r>
+              <a:rPr lang="en-US" sz="2000" b="1" dirty="0" err="1" smtClean="0">
+                <a:latin typeface="Times New Roman" panose="02020603050405020304" pitchFamily="18" charset="0"/>
+                <a:cs typeface="Times New Roman" panose="02020603050405020304" pitchFamily="18" charset="0"/>
+              </a:rPr>
+              <a:t>đúng</a:t>
+            </a:r>
+            <a:r>
+              <a:rPr lang="en-US" sz="2000" b="1" dirty="0" smtClean="0">
+                <a:latin typeface="Times New Roman" panose="02020603050405020304" pitchFamily="18" charset="0"/>
+                <a:cs typeface="Times New Roman" panose="02020603050405020304" pitchFamily="18" charset="0"/>
+              </a:rPr>
+              <a:t> </a:t>
+            </a:r>
+            <a:r>
+              <a:rPr lang="en-US" sz="2000" b="1" dirty="0" err="1" smtClean="0">
+                <a:latin typeface="Times New Roman" panose="02020603050405020304" pitchFamily="18" charset="0"/>
+                <a:cs typeface="Times New Roman" panose="02020603050405020304" pitchFamily="18" charset="0"/>
+              </a:rPr>
+              <a:t>với</a:t>
+            </a:r>
+            <a:r>
+              <a:rPr lang="en-US" sz="2000" b="1" dirty="0" smtClean="0">
+                <a:latin typeface="Times New Roman" panose="02020603050405020304" pitchFamily="18" charset="0"/>
+                <a:cs typeface="Times New Roman" panose="02020603050405020304" pitchFamily="18" charset="0"/>
+              </a:rPr>
+              <a:t> </a:t>
+            </a:r>
+            <a:r>
+              <a:rPr lang="en-US" sz="2000" b="1" dirty="0" err="1" smtClean="0">
+                <a:latin typeface="Times New Roman" panose="02020603050405020304" pitchFamily="18" charset="0"/>
+                <a:cs typeface="Times New Roman" panose="02020603050405020304" pitchFamily="18" charset="0"/>
+              </a:rPr>
+              <a:t>thiết</a:t>
+            </a:r>
+            <a:r>
+              <a:rPr lang="en-US" sz="2000" b="1" dirty="0" smtClean="0">
+                <a:latin typeface="Times New Roman" panose="02020603050405020304" pitchFamily="18" charset="0"/>
+                <a:cs typeface="Times New Roman" panose="02020603050405020304" pitchFamily="18" charset="0"/>
+              </a:rPr>
+              <a:t> </a:t>
+            </a:r>
+            <a:r>
+              <a:rPr lang="en-US" sz="2000" b="1" dirty="0" err="1" smtClean="0">
+                <a:latin typeface="Times New Roman" panose="02020603050405020304" pitchFamily="18" charset="0"/>
+                <a:cs typeface="Times New Roman" panose="02020603050405020304" pitchFamily="18" charset="0"/>
+              </a:rPr>
+              <a:t>kế</a:t>
+            </a:r>
+            <a:endParaRPr lang="en-US" sz="2000" b="1" dirty="0">
+              <a:latin typeface="Times New Roman" panose="02020603050405020304" pitchFamily="18" charset="0"/>
+              <a:cs typeface="Times New Roman" panose="02020603050405020304" pitchFamily="18" charset="0"/>
+            </a:endParaRPr>
+          </a:p>
+        </p:txBody>
+      </p:sp>
+      <p:sp>
+        <p:nvSpPr>
+          <p:cNvPr id="4" name="AutoShape 2" descr="Kết quả hình ảnh cho nút tick&quot;"/>
+          <p:cNvSpPr>
+            <a:spLocks noChangeAspect="1" noChangeArrowheads="1"/>
+          </p:cNvSpPr>
+          <p:nvPr/>
+        </p:nvSpPr>
+        <p:spPr bwMode="auto">
+          <a:xfrm>
+            <a:off x="155575" y="-144463"/>
+            <a:ext cx="304800" cy="304801"/>
+          </a:xfrm>
+          <a:prstGeom prst="rect">
+            <a:avLst/>
+          </a:prstGeom>
+          <a:noFill/>
+          <a:extLst>
+            <a:ext uri="{909E8E84-426E-40DD-AFC4-6F175D3DCCD1}">
+              <a14:hiddenFill xmlns:a14="http://schemas.microsoft.com/office/drawing/2010/main">
+                <a:solidFill>
+                  <a:srgbClr val="FFFFFF"/>
+                </a:solidFill>
+              </a14:hiddenFill>
+            </a:ext>
+          </a:extLst>
+        </p:spPr>
+        <p:txBody>
+          <a:bodyPr vert="horz" wrap="square" lIns="91440" tIns="45720" rIns="91440" bIns="45720" numCol="1" anchor="t" anchorCtr="0" compatLnSpc="1">
+            <a:prstTxWarp prst="textNoShape">
+              <a:avLst/>
+            </a:prstTxWarp>
+          </a:bodyPr>
+          <a:lstStyle/>
+          <a:p>
+            <a:endParaRPr lang="en-US"/>
+          </a:p>
+        </p:txBody>
+      </p:sp>
+      <p:sp>
+        <p:nvSpPr>
+          <p:cNvPr id="5" name="AutoShape 4" descr="Kết quả hình ảnh cho nút tick&quot;"/>
+          <p:cNvSpPr>
+            <a:spLocks noChangeAspect="1" noChangeArrowheads="1"/>
+          </p:cNvSpPr>
+          <p:nvPr/>
+        </p:nvSpPr>
+        <p:spPr bwMode="auto">
+          <a:xfrm>
+            <a:off x="307975" y="7937"/>
+            <a:ext cx="304800" cy="304801"/>
+          </a:xfrm>
+          <a:prstGeom prst="rect">
+            <a:avLst/>
+          </a:prstGeom>
+          <a:noFill/>
+          <a:extLst>
+            <a:ext uri="{909E8E84-426E-40DD-AFC4-6F175D3DCCD1}">
+              <a14:hiddenFill xmlns:a14="http://schemas.microsoft.com/office/drawing/2010/main">
+                <a:solidFill>
+                  <a:srgbClr val="FFFFFF"/>
+                </a:solidFill>
+              </a14:hiddenFill>
+            </a:ext>
+          </a:extLst>
+        </p:spPr>
+        <p:txBody>
+          <a:bodyPr vert="horz" wrap="square" lIns="91440" tIns="45720" rIns="91440" bIns="45720" numCol="1" anchor="t" anchorCtr="0" compatLnSpc="1">
+            <a:prstTxWarp prst="textNoShape">
+              <a:avLst/>
+            </a:prstTxWarp>
+          </a:bodyPr>
+          <a:lstStyle/>
+          <a:p>
+            <a:endParaRPr lang="en-US"/>
+          </a:p>
+        </p:txBody>
+      </p:sp>
+      <p:sp>
+        <p:nvSpPr>
+          <p:cNvPr id="6" name="AutoShape 6" descr="Kết quả hình ảnh cho nút tick&quot;"/>
+          <p:cNvSpPr>
+            <a:spLocks noChangeAspect="1" noChangeArrowheads="1"/>
+          </p:cNvSpPr>
+          <p:nvPr/>
+        </p:nvSpPr>
+        <p:spPr bwMode="auto">
+          <a:xfrm>
+            <a:off x="460375" y="160337"/>
+            <a:ext cx="304800" cy="304801"/>
+          </a:xfrm>
+          <a:prstGeom prst="rect">
+            <a:avLst/>
+          </a:prstGeom>
+          <a:noFill/>
+          <a:extLst>
+            <a:ext uri="{909E8E84-426E-40DD-AFC4-6F175D3DCCD1}">
+              <a14:hiddenFill xmlns:a14="http://schemas.microsoft.com/office/drawing/2010/main">
+                <a:solidFill>
+                  <a:srgbClr val="FFFFFF"/>
+                </a:solidFill>
+              </a14:hiddenFill>
+            </a:ext>
+          </a:extLst>
+        </p:spPr>
+        <p:txBody>
+          <a:bodyPr vert="horz" wrap="square" lIns="91440" tIns="45720" rIns="91440" bIns="45720" numCol="1" anchor="t" anchorCtr="0" compatLnSpc="1">
+            <a:prstTxWarp prst="textNoShape">
+              <a:avLst/>
+            </a:prstTxWarp>
+          </a:bodyPr>
+          <a:lstStyle/>
+          <a:p>
+            <a:endParaRPr lang="en-US"/>
+          </a:p>
+        </p:txBody>
+      </p:sp>
+      <p:pic>
+        <p:nvPicPr>
+          <p:cNvPr id="1032" name="Picture 8" descr="Kết quả hình ảnh cho nút tick&quot;"/>
+          <p:cNvPicPr>
+            <a:picLocks noChangeAspect="1" noChangeArrowheads="1"/>
+          </p:cNvPicPr>
+          <p:nvPr/>
+        </p:nvPicPr>
+        <p:blipFill>
+          <a:blip r:embed="rId2" cstate="print">
+            <a:extLst>
+              <a:ext uri="{28A0092B-C50C-407E-A947-70E740481C1C}">
+                <a14:useLocalDpi xmlns:a14="http://schemas.microsoft.com/office/drawing/2010/main" val="0"/>
+              </a:ext>
+            </a:extLst>
+          </a:blip>
+          <a:srcRect/>
+          <a:stretch>
+            <a:fillRect/>
+          </a:stretch>
+        </p:blipFill>
+        <p:spPr bwMode="auto">
+          <a:xfrm>
+            <a:off x="9638868" y="542840"/>
+            <a:ext cx="911713" cy="1141074"/>
+          </a:xfrm>
+          <a:prstGeom prst="rect">
+            <a:avLst/>
+          </a:prstGeom>
+          <a:noFill/>
+          <a:extLst>
+            <a:ext uri="{909E8E84-426E-40DD-AFC4-6F175D3DCCD1}">
+              <a14:hiddenFill xmlns:a14="http://schemas.microsoft.com/office/drawing/2010/main">
+                <a:solidFill>
+                  <a:srgbClr val="FFFFFF"/>
+                </a:solidFill>
+              </a14:hiddenFill>
+            </a:ext>
+          </a:extLst>
+        </p:spPr>
+      </p:pic>
+      <p:pic>
+        <p:nvPicPr>
+          <p:cNvPr id="26" name="Picture 8" descr="Kết quả hình ảnh cho nút tick&quot;"/>
+          <p:cNvPicPr>
+            <a:picLocks noChangeAspect="1" noChangeArrowheads="1"/>
+          </p:cNvPicPr>
+          <p:nvPr/>
+        </p:nvPicPr>
+        <p:blipFill>
+          <a:blip r:embed="rId2" cstate="print">
+            <a:extLst>
+              <a:ext uri="{28A0092B-C50C-407E-A947-70E740481C1C}">
+                <a14:useLocalDpi xmlns:a14="http://schemas.microsoft.com/office/drawing/2010/main" val="0"/>
+              </a:ext>
+            </a:extLst>
+          </a:blip>
+          <a:srcRect/>
+          <a:stretch>
+            <a:fillRect/>
+          </a:stretch>
+        </p:blipFill>
+        <p:spPr bwMode="auto">
+          <a:xfrm>
+            <a:off x="9642578" y="1144507"/>
+            <a:ext cx="911713" cy="1141074"/>
+          </a:xfrm>
+          <a:prstGeom prst="rect">
+            <a:avLst/>
+          </a:prstGeom>
+          <a:noFill/>
+          <a:extLst>
+            <a:ext uri="{909E8E84-426E-40DD-AFC4-6F175D3DCCD1}">
+              <a14:hiddenFill xmlns:a14="http://schemas.microsoft.com/office/drawing/2010/main">
+                <a:solidFill>
+                  <a:srgbClr val="FFFFFF"/>
+                </a:solidFill>
+              </a14:hiddenFill>
+            </a:ext>
+          </a:extLst>
+        </p:spPr>
+      </p:pic>
+      <p:pic>
+        <p:nvPicPr>
+          <p:cNvPr id="27" name="Picture 8" descr="Kết quả hình ảnh cho nút tick&quot;"/>
+          <p:cNvPicPr>
+            <a:picLocks noChangeAspect="1" noChangeArrowheads="1"/>
+          </p:cNvPicPr>
+          <p:nvPr/>
+        </p:nvPicPr>
+        <p:blipFill>
+          <a:blip r:embed="rId2" cstate="print">
+            <a:extLst>
+              <a:ext uri="{28A0092B-C50C-407E-A947-70E740481C1C}">
+                <a14:useLocalDpi xmlns:a14="http://schemas.microsoft.com/office/drawing/2010/main" val="0"/>
+              </a:ext>
+            </a:extLst>
+          </a:blip>
+          <a:srcRect/>
+          <a:stretch>
+            <a:fillRect/>
+          </a:stretch>
+        </p:blipFill>
+        <p:spPr bwMode="auto">
+          <a:xfrm>
+            <a:off x="9570285" y="2053422"/>
+            <a:ext cx="911713" cy="1141074"/>
+          </a:xfrm>
+          <a:prstGeom prst="rect">
+            <a:avLst/>
+          </a:prstGeom>
+          <a:noFill/>
+          <a:extLst>
+            <a:ext uri="{909E8E84-426E-40DD-AFC4-6F175D3DCCD1}">
+              <a14:hiddenFill xmlns:a14="http://schemas.microsoft.com/office/drawing/2010/main">
+                <a:solidFill>
+                  <a:srgbClr val="FFFFFF"/>
+                </a:solidFill>
+              </a14:hiddenFill>
+            </a:ext>
+          </a:extLst>
+        </p:spPr>
+      </p:pic>
+      <p:pic>
+        <p:nvPicPr>
+          <p:cNvPr id="28" name="Picture 8" descr="Kết quả hình ảnh cho nút tick&quot;"/>
+          <p:cNvPicPr>
+            <a:picLocks noChangeAspect="1" noChangeArrowheads="1"/>
+          </p:cNvPicPr>
+          <p:nvPr/>
+        </p:nvPicPr>
+        <p:blipFill>
+          <a:blip r:embed="rId2" cstate="print">
+            <a:extLst>
+              <a:ext uri="{28A0092B-C50C-407E-A947-70E740481C1C}">
+                <a14:useLocalDpi xmlns:a14="http://schemas.microsoft.com/office/drawing/2010/main" val="0"/>
+              </a:ext>
+            </a:extLst>
+          </a:blip>
+          <a:srcRect/>
+          <a:stretch>
+            <a:fillRect/>
+          </a:stretch>
+        </p:blipFill>
+        <p:spPr bwMode="auto">
+          <a:xfrm>
+            <a:off x="9570284" y="2901826"/>
+            <a:ext cx="911713" cy="1141074"/>
+          </a:xfrm>
+          <a:prstGeom prst="rect">
+            <a:avLst/>
+          </a:prstGeom>
+          <a:noFill/>
+          <a:extLst>
+            <a:ext uri="{909E8E84-426E-40DD-AFC4-6F175D3DCCD1}">
+              <a14:hiddenFill xmlns:a14="http://schemas.microsoft.com/office/drawing/2010/main">
+                <a:solidFill>
+                  <a:srgbClr val="FFFFFF"/>
+                </a:solidFill>
+              </a14:hiddenFill>
+            </a:ext>
+          </a:extLst>
+        </p:spPr>
+      </p:pic>
+      <p:pic>
+        <p:nvPicPr>
+          <p:cNvPr id="29" name="Picture 8" descr="Kết quả hình ảnh cho nút tick&quot;"/>
+          <p:cNvPicPr>
+            <a:picLocks noChangeAspect="1" noChangeArrowheads="1"/>
+          </p:cNvPicPr>
+          <p:nvPr/>
+        </p:nvPicPr>
+        <p:blipFill>
+          <a:blip r:embed="rId2" cstate="print">
+            <a:extLst>
+              <a:ext uri="{28A0092B-C50C-407E-A947-70E740481C1C}">
+                <a14:useLocalDpi xmlns:a14="http://schemas.microsoft.com/office/drawing/2010/main" val="0"/>
+              </a:ext>
+            </a:extLst>
+          </a:blip>
+          <a:srcRect/>
+          <a:stretch>
+            <a:fillRect/>
+          </a:stretch>
+        </p:blipFill>
+        <p:spPr bwMode="auto">
+          <a:xfrm>
+            <a:off x="9570285" y="3804630"/>
+            <a:ext cx="911713" cy="1141074"/>
+          </a:xfrm>
+          <a:prstGeom prst="rect">
+            <a:avLst/>
+          </a:prstGeom>
+          <a:noFill/>
+          <a:extLst>
+            <a:ext uri="{909E8E84-426E-40DD-AFC4-6F175D3DCCD1}">
+              <a14:hiddenFill xmlns:a14="http://schemas.microsoft.com/office/drawing/2010/main">
+                <a:solidFill>
+                  <a:srgbClr val="FFFFFF"/>
+                </a:solidFill>
+              </a14:hiddenFill>
+            </a:ext>
+          </a:extLst>
+        </p:spPr>
+      </p:pic>
+      <p:pic>
+        <p:nvPicPr>
+          <p:cNvPr id="30" name="Picture 8" descr="Kết quả hình ảnh cho nút tick&quot;"/>
+          <p:cNvPicPr>
+            <a:picLocks noChangeAspect="1" noChangeArrowheads="1"/>
+          </p:cNvPicPr>
+          <p:nvPr/>
+        </p:nvPicPr>
+        <p:blipFill>
+          <a:blip r:embed="rId2" cstate="print">
+            <a:extLst>
+              <a:ext uri="{28A0092B-C50C-407E-A947-70E740481C1C}">
+                <a14:useLocalDpi xmlns:a14="http://schemas.microsoft.com/office/drawing/2010/main" val="0"/>
+              </a:ext>
+            </a:extLst>
+          </a:blip>
+          <a:srcRect/>
+          <a:stretch>
+            <a:fillRect/>
+          </a:stretch>
+        </p:blipFill>
+        <p:spPr bwMode="auto">
+          <a:xfrm>
+            <a:off x="9620463" y="5456722"/>
+            <a:ext cx="911713" cy="1141074"/>
+          </a:xfrm>
+          <a:prstGeom prst="rect">
+            <a:avLst/>
+          </a:prstGeom>
+          <a:noFill/>
+          <a:extLst>
+            <a:ext uri="{909E8E84-426E-40DD-AFC4-6F175D3DCCD1}">
+              <a14:hiddenFill xmlns:a14="http://schemas.microsoft.com/office/drawing/2010/main">
+                <a:solidFill>
+                  <a:srgbClr val="FFFFFF"/>
+                </a:solidFill>
+              </a14:hiddenFill>
+            </a:ext>
+          </a:extLst>
+        </p:spPr>
+      </p:pic>
+      <p:pic>
+        <p:nvPicPr>
+          <p:cNvPr id="31" name="Picture 8" descr="Kết quả hình ảnh cho nút tick&quot;"/>
+          <p:cNvPicPr>
+            <a:picLocks noChangeAspect="1" noChangeArrowheads="1"/>
+          </p:cNvPicPr>
+          <p:nvPr/>
+        </p:nvPicPr>
+        <p:blipFill>
+          <a:blip r:embed="rId2" cstate="print">
+            <a:extLst>
+              <a:ext uri="{28A0092B-C50C-407E-A947-70E740481C1C}">
+                <a14:useLocalDpi xmlns:a14="http://schemas.microsoft.com/office/drawing/2010/main" val="0"/>
+              </a:ext>
+            </a:extLst>
+          </a:blip>
+          <a:srcRect/>
+          <a:stretch>
+            <a:fillRect/>
+          </a:stretch>
+        </p:blipFill>
+        <p:spPr bwMode="auto">
+          <a:xfrm>
+            <a:off x="9638868" y="4680743"/>
+            <a:ext cx="911713" cy="1141074"/>
+          </a:xfrm>
+          <a:prstGeom prst="rect">
+            <a:avLst/>
+          </a:prstGeom>
+          <a:noFill/>
+          <a:extLst>
+            <a:ext uri="{909E8E84-426E-40DD-AFC4-6F175D3DCCD1}">
+              <a14:hiddenFill xmlns:a14="http://schemas.microsoft.com/office/drawing/2010/main">
+                <a:solidFill>
+                  <a:srgbClr val="FFFFFF"/>
+                </a:solidFill>
+              </a14:hiddenFill>
+            </a:ext>
+          </a:extLst>
+        </p:spPr>
+      </p:pic>
+    </p:spTree>
+    <p:extLst>
+      <p:ext uri="{BB962C8B-B14F-4D97-AF65-F5344CB8AC3E}">
+        <p14:creationId xmlns:p14="http://schemas.microsoft.com/office/powerpoint/2010/main" val="3099256105"/>
+      </p:ext>
+    </p:extLst>
+  </p:cSld>
+  <p:clrMapOvr>
+    <a:masterClrMapping/>
+  </p:clrMapOvr>
+  <p:transition spd="med">
+    <p:pull/>
+  </p:transition>
+  <p:timing>
+    <p:tnLst>
+      <p:par>
+        <p:cTn id="1" dur="indefinite" restart="never" nodeType="tmRoot">
+          <p:childTnLst>
+            <p:seq concurrent="1" nextAc="seek">
+              <p:cTn id="2" dur="indefinite" nodeType="mainSeq">
+                <p:childTnLst>
+                  <p:par>
+                    <p:cTn id="3" fill="hold">
+                      <p:stCondLst>
+                        <p:cond delay="indefinite"/>
+                      </p:stCondLst>
+                      <p:childTnLst>
+                        <p:par>
+                          <p:cTn id="4" fill="hold">
+                            <p:stCondLst>
+                              <p:cond delay="0"/>
+                            </p:stCondLst>
+                            <p:childTnLst>
+                              <p:par>
+                                <p:cTn id="5" presetID="53" presetClass="entr" presetSubtype="16" fill="hold" grpId="0" nodeType="clickEffect">
+                                  <p:stCondLst>
+                                    <p:cond delay="0"/>
+                                  </p:stCondLst>
+                                  <p:childTnLst>
+                                    <p:set>
+                                      <p:cBhvr>
+                                        <p:cTn id="6" dur="1" fill="hold">
+                                          <p:stCondLst>
+                                            <p:cond delay="0"/>
+                                          </p:stCondLst>
+                                        </p:cTn>
+                                        <p:tgtEl>
+                                          <p:spTgt spid="25"/>
+                                        </p:tgtEl>
+                                        <p:attrNameLst>
+                                          <p:attrName>style.visibility</p:attrName>
+                                        </p:attrNameLst>
+                                      </p:cBhvr>
+                                      <p:to>
+                                        <p:strVal val="visible"/>
+                                      </p:to>
+                                    </p:set>
+                                    <p:anim calcmode="lin" valueType="num">
+                                      <p:cBhvr>
+                                        <p:cTn id="7" dur="500" fill="hold"/>
+                                        <p:tgtEl>
+                                          <p:spTgt spid="25"/>
+                                        </p:tgtEl>
+                                        <p:attrNameLst>
+                                          <p:attrName>ppt_w</p:attrName>
+                                        </p:attrNameLst>
+                                      </p:cBhvr>
+                                      <p:tavLst>
+                                        <p:tav tm="0">
+                                          <p:val>
+                                            <p:fltVal val="0"/>
+                                          </p:val>
+                                        </p:tav>
+                                        <p:tav tm="100000">
+                                          <p:val>
+                                            <p:strVal val="#ppt_w"/>
+                                          </p:val>
+                                        </p:tav>
+                                      </p:tavLst>
+                                    </p:anim>
+                                    <p:anim calcmode="lin" valueType="num">
+                                      <p:cBhvr>
+                                        <p:cTn id="8" dur="500" fill="hold"/>
+                                        <p:tgtEl>
+                                          <p:spTgt spid="25"/>
+                                        </p:tgtEl>
+                                        <p:attrNameLst>
+                                          <p:attrName>ppt_h</p:attrName>
+                                        </p:attrNameLst>
+                                      </p:cBhvr>
+                                      <p:tavLst>
+                                        <p:tav tm="0">
+                                          <p:val>
+                                            <p:fltVal val="0"/>
+                                          </p:val>
+                                        </p:tav>
+                                        <p:tav tm="100000">
+                                          <p:val>
+                                            <p:strVal val="#ppt_h"/>
+                                          </p:val>
+                                        </p:tav>
+                                      </p:tavLst>
+                                    </p:anim>
+                                    <p:animEffect transition="in" filter="fade">
+                                      <p:cBhvr>
+                                        <p:cTn id="9" dur="500"/>
+                                        <p:tgtEl>
+                                          <p:spTgt spid="25"/>
+                                        </p:tgtEl>
+                                      </p:cBhvr>
+                                    </p:animEffect>
+                                  </p:childTnLst>
+                                </p:cTn>
+                              </p:par>
+                              <p:par>
+                                <p:cTn id="10" presetID="53" presetClass="entr" presetSubtype="16" fill="hold" grpId="0" nodeType="withEffect">
+                                  <p:stCondLst>
+                                    <p:cond delay="0"/>
+                                  </p:stCondLst>
+                                  <p:childTnLst>
+                                    <p:set>
+                                      <p:cBhvr>
+                                        <p:cTn id="11" dur="1" fill="hold">
+                                          <p:stCondLst>
+                                            <p:cond delay="0"/>
+                                          </p:stCondLst>
+                                        </p:cTn>
+                                        <p:tgtEl>
+                                          <p:spTgt spid="11"/>
+                                        </p:tgtEl>
+                                        <p:attrNameLst>
+                                          <p:attrName>style.visibility</p:attrName>
+                                        </p:attrNameLst>
+                                      </p:cBhvr>
+                                      <p:to>
+                                        <p:strVal val="visible"/>
+                                      </p:to>
+                                    </p:set>
+                                    <p:anim calcmode="lin" valueType="num">
+                                      <p:cBhvr>
+                                        <p:cTn id="12" dur="500" fill="hold"/>
+                                        <p:tgtEl>
+                                          <p:spTgt spid="11"/>
+                                        </p:tgtEl>
+                                        <p:attrNameLst>
+                                          <p:attrName>ppt_w</p:attrName>
+                                        </p:attrNameLst>
+                                      </p:cBhvr>
+                                      <p:tavLst>
+                                        <p:tav tm="0">
+                                          <p:val>
+                                            <p:fltVal val="0"/>
+                                          </p:val>
+                                        </p:tav>
+                                        <p:tav tm="100000">
+                                          <p:val>
+                                            <p:strVal val="#ppt_w"/>
+                                          </p:val>
+                                        </p:tav>
+                                      </p:tavLst>
+                                    </p:anim>
+                                    <p:anim calcmode="lin" valueType="num">
+                                      <p:cBhvr>
+                                        <p:cTn id="13" dur="500" fill="hold"/>
+                                        <p:tgtEl>
+                                          <p:spTgt spid="11"/>
+                                        </p:tgtEl>
+                                        <p:attrNameLst>
+                                          <p:attrName>ppt_h</p:attrName>
+                                        </p:attrNameLst>
+                                      </p:cBhvr>
+                                      <p:tavLst>
+                                        <p:tav tm="0">
+                                          <p:val>
+                                            <p:fltVal val="0"/>
+                                          </p:val>
+                                        </p:tav>
+                                        <p:tav tm="100000">
+                                          <p:val>
+                                            <p:strVal val="#ppt_h"/>
+                                          </p:val>
+                                        </p:tav>
+                                      </p:tavLst>
+                                    </p:anim>
+                                    <p:animEffect transition="in" filter="fade">
+                                      <p:cBhvr>
+                                        <p:cTn id="14" dur="500"/>
+                                        <p:tgtEl>
+                                          <p:spTgt spid="11"/>
+                                        </p:tgtEl>
+                                      </p:cBhvr>
+                                    </p:animEffect>
+                                  </p:childTnLst>
+                                </p:cTn>
+                              </p:par>
+                            </p:childTnLst>
+                          </p:cTn>
+                        </p:par>
+                      </p:childTnLst>
+                    </p:cTn>
+                  </p:par>
+                  <p:par>
+                    <p:cTn id="15" fill="hold">
+                      <p:stCondLst>
+                        <p:cond delay="indefinite"/>
+                      </p:stCondLst>
+                      <p:childTnLst>
+                        <p:par>
+                          <p:cTn id="16" fill="hold">
+                            <p:stCondLst>
+                              <p:cond delay="0"/>
+                            </p:stCondLst>
+                            <p:childTnLst>
+                              <p:par>
+                                <p:cTn id="17" presetID="53" presetClass="entr" presetSubtype="16" fill="hold" grpId="0" nodeType="clickEffect">
+                                  <p:stCondLst>
+                                    <p:cond delay="0"/>
+                                  </p:stCondLst>
+                                  <p:childTnLst>
+                                    <p:set>
+                                      <p:cBhvr>
+                                        <p:cTn id="18" dur="1" fill="hold">
+                                          <p:stCondLst>
+                                            <p:cond delay="0"/>
+                                          </p:stCondLst>
+                                        </p:cTn>
+                                        <p:tgtEl>
+                                          <p:spTgt spid="44"/>
+                                        </p:tgtEl>
+                                        <p:attrNameLst>
+                                          <p:attrName>style.visibility</p:attrName>
+                                        </p:attrNameLst>
+                                      </p:cBhvr>
+                                      <p:to>
+                                        <p:strVal val="visible"/>
+                                      </p:to>
+                                    </p:set>
+                                    <p:anim calcmode="lin" valueType="num">
+                                      <p:cBhvr>
+                                        <p:cTn id="19" dur="500" fill="hold"/>
+                                        <p:tgtEl>
+                                          <p:spTgt spid="44"/>
+                                        </p:tgtEl>
+                                        <p:attrNameLst>
+                                          <p:attrName>ppt_w</p:attrName>
+                                        </p:attrNameLst>
+                                      </p:cBhvr>
+                                      <p:tavLst>
+                                        <p:tav tm="0">
+                                          <p:val>
+                                            <p:fltVal val="0"/>
+                                          </p:val>
+                                        </p:tav>
+                                        <p:tav tm="100000">
+                                          <p:val>
+                                            <p:strVal val="#ppt_w"/>
+                                          </p:val>
+                                        </p:tav>
+                                      </p:tavLst>
+                                    </p:anim>
+                                    <p:anim calcmode="lin" valueType="num">
+                                      <p:cBhvr>
+                                        <p:cTn id="20" dur="500" fill="hold"/>
+                                        <p:tgtEl>
+                                          <p:spTgt spid="44"/>
+                                        </p:tgtEl>
+                                        <p:attrNameLst>
+                                          <p:attrName>ppt_h</p:attrName>
+                                        </p:attrNameLst>
+                                      </p:cBhvr>
+                                      <p:tavLst>
+                                        <p:tav tm="0">
+                                          <p:val>
+                                            <p:fltVal val="0"/>
+                                          </p:val>
+                                        </p:tav>
+                                        <p:tav tm="100000">
+                                          <p:val>
+                                            <p:strVal val="#ppt_h"/>
+                                          </p:val>
+                                        </p:tav>
+                                      </p:tavLst>
+                                    </p:anim>
+                                    <p:animEffect transition="in" filter="fade">
+                                      <p:cBhvr>
+                                        <p:cTn id="21" dur="500"/>
+                                        <p:tgtEl>
+                                          <p:spTgt spid="44"/>
+                                        </p:tgtEl>
+                                      </p:cBhvr>
+                                    </p:animEffect>
+                                  </p:childTnLst>
+                                </p:cTn>
+                              </p:par>
+                              <p:par>
+                                <p:cTn id="22" presetID="53" presetClass="entr" presetSubtype="16" fill="hold" grpId="0" nodeType="withEffect">
+                                  <p:stCondLst>
+                                    <p:cond delay="0"/>
+                                  </p:stCondLst>
+                                  <p:childTnLst>
+                                    <p:set>
+                                      <p:cBhvr>
+                                        <p:cTn id="23" dur="1" fill="hold">
+                                          <p:stCondLst>
+                                            <p:cond delay="0"/>
+                                          </p:stCondLst>
+                                        </p:cTn>
+                                        <p:tgtEl>
+                                          <p:spTgt spid="43"/>
+                                        </p:tgtEl>
+                                        <p:attrNameLst>
+                                          <p:attrName>style.visibility</p:attrName>
+                                        </p:attrNameLst>
+                                      </p:cBhvr>
+                                      <p:to>
+                                        <p:strVal val="visible"/>
+                                      </p:to>
+                                    </p:set>
+                                    <p:anim calcmode="lin" valueType="num">
+                                      <p:cBhvr>
+                                        <p:cTn id="24" dur="500" fill="hold"/>
+                                        <p:tgtEl>
+                                          <p:spTgt spid="43"/>
+                                        </p:tgtEl>
+                                        <p:attrNameLst>
+                                          <p:attrName>ppt_w</p:attrName>
+                                        </p:attrNameLst>
+                                      </p:cBhvr>
+                                      <p:tavLst>
+                                        <p:tav tm="0">
+                                          <p:val>
+                                            <p:fltVal val="0"/>
+                                          </p:val>
+                                        </p:tav>
+                                        <p:tav tm="100000">
+                                          <p:val>
+                                            <p:strVal val="#ppt_w"/>
+                                          </p:val>
+                                        </p:tav>
+                                      </p:tavLst>
+                                    </p:anim>
+                                    <p:anim calcmode="lin" valueType="num">
+                                      <p:cBhvr>
+                                        <p:cTn id="25" dur="500" fill="hold"/>
+                                        <p:tgtEl>
+                                          <p:spTgt spid="43"/>
+                                        </p:tgtEl>
+                                        <p:attrNameLst>
+                                          <p:attrName>ppt_h</p:attrName>
+                                        </p:attrNameLst>
+                                      </p:cBhvr>
+                                      <p:tavLst>
+                                        <p:tav tm="0">
+                                          <p:val>
+                                            <p:fltVal val="0"/>
+                                          </p:val>
+                                        </p:tav>
+                                        <p:tav tm="100000">
+                                          <p:val>
+                                            <p:strVal val="#ppt_h"/>
+                                          </p:val>
+                                        </p:tav>
+                                      </p:tavLst>
+                                    </p:anim>
+                                    <p:animEffect transition="in" filter="fade">
+                                      <p:cBhvr>
+                                        <p:cTn id="26" dur="500"/>
+                                        <p:tgtEl>
+                                          <p:spTgt spid="43"/>
+                                        </p:tgtEl>
+                                      </p:cBhvr>
+                                    </p:animEffect>
+                                  </p:childTnLst>
+                                </p:cTn>
+                              </p:par>
+                            </p:childTnLst>
+                          </p:cTn>
+                        </p:par>
+                      </p:childTnLst>
+                    </p:cTn>
+                  </p:par>
+                  <p:par>
+                    <p:cTn id="27" fill="hold">
+                      <p:stCondLst>
+                        <p:cond delay="indefinite"/>
+                      </p:stCondLst>
+                      <p:childTnLst>
+                        <p:par>
+                          <p:cTn id="28" fill="hold">
+                            <p:stCondLst>
+                              <p:cond delay="0"/>
+                            </p:stCondLst>
+                            <p:childTnLst>
+                              <p:par>
+                                <p:cTn id="29" presetID="53" presetClass="entr" presetSubtype="16" fill="hold" grpId="0" nodeType="clickEffect">
+                                  <p:stCondLst>
+                                    <p:cond delay="0"/>
+                                  </p:stCondLst>
+                                  <p:childTnLst>
+                                    <p:set>
+                                      <p:cBhvr>
+                                        <p:cTn id="30" dur="1" fill="hold">
+                                          <p:stCondLst>
+                                            <p:cond delay="0"/>
+                                          </p:stCondLst>
+                                        </p:cTn>
+                                        <p:tgtEl>
+                                          <p:spTgt spid="45"/>
+                                        </p:tgtEl>
+                                        <p:attrNameLst>
+                                          <p:attrName>style.visibility</p:attrName>
+                                        </p:attrNameLst>
+                                      </p:cBhvr>
+                                      <p:to>
+                                        <p:strVal val="visible"/>
+                                      </p:to>
+                                    </p:set>
+                                    <p:anim calcmode="lin" valueType="num">
+                                      <p:cBhvr>
+                                        <p:cTn id="31" dur="500" fill="hold"/>
+                                        <p:tgtEl>
+                                          <p:spTgt spid="45"/>
+                                        </p:tgtEl>
+                                        <p:attrNameLst>
+                                          <p:attrName>ppt_w</p:attrName>
+                                        </p:attrNameLst>
+                                      </p:cBhvr>
+                                      <p:tavLst>
+                                        <p:tav tm="0">
+                                          <p:val>
+                                            <p:fltVal val="0"/>
+                                          </p:val>
+                                        </p:tav>
+                                        <p:tav tm="100000">
+                                          <p:val>
+                                            <p:strVal val="#ppt_w"/>
+                                          </p:val>
+                                        </p:tav>
+                                      </p:tavLst>
+                                    </p:anim>
+                                    <p:anim calcmode="lin" valueType="num">
+                                      <p:cBhvr>
+                                        <p:cTn id="32" dur="500" fill="hold"/>
+                                        <p:tgtEl>
+                                          <p:spTgt spid="45"/>
+                                        </p:tgtEl>
+                                        <p:attrNameLst>
+                                          <p:attrName>ppt_h</p:attrName>
+                                        </p:attrNameLst>
+                                      </p:cBhvr>
+                                      <p:tavLst>
+                                        <p:tav tm="0">
+                                          <p:val>
+                                            <p:fltVal val="0"/>
+                                          </p:val>
+                                        </p:tav>
+                                        <p:tav tm="100000">
+                                          <p:val>
+                                            <p:strVal val="#ppt_h"/>
+                                          </p:val>
+                                        </p:tav>
+                                      </p:tavLst>
+                                    </p:anim>
+                                    <p:animEffect transition="in" filter="fade">
+                                      <p:cBhvr>
+                                        <p:cTn id="33" dur="500"/>
+                                        <p:tgtEl>
+                                          <p:spTgt spid="45"/>
+                                        </p:tgtEl>
+                                      </p:cBhvr>
+                                    </p:animEffect>
+                                  </p:childTnLst>
+                                </p:cTn>
+                              </p:par>
+                              <p:par>
+                                <p:cTn id="34" presetID="53" presetClass="entr" presetSubtype="16" fill="hold" grpId="0" nodeType="withEffect">
+                                  <p:stCondLst>
+                                    <p:cond delay="0"/>
+                                  </p:stCondLst>
+                                  <p:childTnLst>
+                                    <p:set>
+                                      <p:cBhvr>
+                                        <p:cTn id="35" dur="1" fill="hold">
+                                          <p:stCondLst>
+                                            <p:cond delay="0"/>
+                                          </p:stCondLst>
+                                        </p:cTn>
+                                        <p:tgtEl>
+                                          <p:spTgt spid="46"/>
+                                        </p:tgtEl>
+                                        <p:attrNameLst>
+                                          <p:attrName>style.visibility</p:attrName>
+                                        </p:attrNameLst>
+                                      </p:cBhvr>
+                                      <p:to>
+                                        <p:strVal val="visible"/>
+                                      </p:to>
+                                    </p:set>
+                                    <p:anim calcmode="lin" valueType="num">
+                                      <p:cBhvr>
+                                        <p:cTn id="36" dur="500" fill="hold"/>
+                                        <p:tgtEl>
+                                          <p:spTgt spid="46"/>
+                                        </p:tgtEl>
+                                        <p:attrNameLst>
+                                          <p:attrName>ppt_w</p:attrName>
+                                        </p:attrNameLst>
+                                      </p:cBhvr>
+                                      <p:tavLst>
+                                        <p:tav tm="0">
+                                          <p:val>
+                                            <p:fltVal val="0"/>
+                                          </p:val>
+                                        </p:tav>
+                                        <p:tav tm="100000">
+                                          <p:val>
+                                            <p:strVal val="#ppt_w"/>
+                                          </p:val>
+                                        </p:tav>
+                                      </p:tavLst>
+                                    </p:anim>
+                                    <p:anim calcmode="lin" valueType="num">
+                                      <p:cBhvr>
+                                        <p:cTn id="37" dur="500" fill="hold"/>
+                                        <p:tgtEl>
+                                          <p:spTgt spid="46"/>
+                                        </p:tgtEl>
+                                        <p:attrNameLst>
+                                          <p:attrName>ppt_h</p:attrName>
+                                        </p:attrNameLst>
+                                      </p:cBhvr>
+                                      <p:tavLst>
+                                        <p:tav tm="0">
+                                          <p:val>
+                                            <p:fltVal val="0"/>
+                                          </p:val>
+                                        </p:tav>
+                                        <p:tav tm="100000">
+                                          <p:val>
+                                            <p:strVal val="#ppt_h"/>
+                                          </p:val>
+                                        </p:tav>
+                                      </p:tavLst>
+                                    </p:anim>
+                                    <p:animEffect transition="in" filter="fade">
+                                      <p:cBhvr>
+                                        <p:cTn id="38" dur="500"/>
+                                        <p:tgtEl>
+                                          <p:spTgt spid="46"/>
+                                        </p:tgtEl>
+                                      </p:cBhvr>
+                                    </p:animEffect>
+                                  </p:childTnLst>
+                                </p:cTn>
+                              </p:par>
+                            </p:childTnLst>
+                          </p:cTn>
+                        </p:par>
+                      </p:childTnLst>
+                    </p:cTn>
+                  </p:par>
+                  <p:par>
+                    <p:cTn id="39" fill="hold">
+                      <p:stCondLst>
+                        <p:cond delay="indefinite"/>
+                      </p:stCondLst>
+                      <p:childTnLst>
+                        <p:par>
+                          <p:cTn id="40" fill="hold">
+                            <p:stCondLst>
+                              <p:cond delay="0"/>
+                            </p:stCondLst>
+                            <p:childTnLst>
+                              <p:par>
+                                <p:cTn id="41" presetID="53" presetClass="entr" presetSubtype="16" fill="hold" grpId="0" nodeType="clickEffect">
+                                  <p:stCondLst>
+                                    <p:cond delay="0"/>
+                                  </p:stCondLst>
+                                  <p:childTnLst>
+                                    <p:set>
+                                      <p:cBhvr>
+                                        <p:cTn id="42" dur="1" fill="hold">
+                                          <p:stCondLst>
+                                            <p:cond delay="0"/>
+                                          </p:stCondLst>
+                                        </p:cTn>
+                                        <p:tgtEl>
+                                          <p:spTgt spid="14"/>
+                                        </p:tgtEl>
+                                        <p:attrNameLst>
+                                          <p:attrName>style.visibility</p:attrName>
+                                        </p:attrNameLst>
+                                      </p:cBhvr>
+                                      <p:to>
+                                        <p:strVal val="visible"/>
+                                      </p:to>
+                                    </p:set>
+                                    <p:anim calcmode="lin" valueType="num">
+                                      <p:cBhvr>
+                                        <p:cTn id="43" dur="500" fill="hold"/>
+                                        <p:tgtEl>
+                                          <p:spTgt spid="14"/>
+                                        </p:tgtEl>
+                                        <p:attrNameLst>
+                                          <p:attrName>ppt_w</p:attrName>
+                                        </p:attrNameLst>
+                                      </p:cBhvr>
+                                      <p:tavLst>
+                                        <p:tav tm="0">
+                                          <p:val>
+                                            <p:fltVal val="0"/>
+                                          </p:val>
+                                        </p:tav>
+                                        <p:tav tm="100000">
+                                          <p:val>
+                                            <p:strVal val="#ppt_w"/>
+                                          </p:val>
+                                        </p:tav>
+                                      </p:tavLst>
+                                    </p:anim>
+                                    <p:anim calcmode="lin" valueType="num">
+                                      <p:cBhvr>
+                                        <p:cTn id="44" dur="500" fill="hold"/>
+                                        <p:tgtEl>
+                                          <p:spTgt spid="14"/>
+                                        </p:tgtEl>
+                                        <p:attrNameLst>
+                                          <p:attrName>ppt_h</p:attrName>
+                                        </p:attrNameLst>
+                                      </p:cBhvr>
+                                      <p:tavLst>
+                                        <p:tav tm="0">
+                                          <p:val>
+                                            <p:fltVal val="0"/>
+                                          </p:val>
+                                        </p:tav>
+                                        <p:tav tm="100000">
+                                          <p:val>
+                                            <p:strVal val="#ppt_h"/>
+                                          </p:val>
+                                        </p:tav>
+                                      </p:tavLst>
+                                    </p:anim>
+                                    <p:animEffect transition="in" filter="fade">
+                                      <p:cBhvr>
+                                        <p:cTn id="45" dur="500"/>
+                                        <p:tgtEl>
+                                          <p:spTgt spid="14"/>
+                                        </p:tgtEl>
+                                      </p:cBhvr>
+                                    </p:animEffect>
+                                  </p:childTnLst>
+                                </p:cTn>
+                              </p:par>
+                              <p:par>
+                                <p:cTn id="46" presetID="53" presetClass="entr" presetSubtype="16" fill="hold" grpId="0" nodeType="withEffect">
+                                  <p:stCondLst>
+                                    <p:cond delay="0"/>
+                                  </p:stCondLst>
+                                  <p:childTnLst>
+                                    <p:set>
+                                      <p:cBhvr>
+                                        <p:cTn id="47" dur="1" fill="hold">
+                                          <p:stCondLst>
+                                            <p:cond delay="0"/>
+                                          </p:stCondLst>
+                                        </p:cTn>
+                                        <p:tgtEl>
+                                          <p:spTgt spid="15"/>
+                                        </p:tgtEl>
+                                        <p:attrNameLst>
+                                          <p:attrName>style.visibility</p:attrName>
+                                        </p:attrNameLst>
+                                      </p:cBhvr>
+                                      <p:to>
+                                        <p:strVal val="visible"/>
+                                      </p:to>
+                                    </p:set>
+                                    <p:anim calcmode="lin" valueType="num">
+                                      <p:cBhvr>
+                                        <p:cTn id="48" dur="500" fill="hold"/>
+                                        <p:tgtEl>
+                                          <p:spTgt spid="15"/>
+                                        </p:tgtEl>
+                                        <p:attrNameLst>
+                                          <p:attrName>ppt_w</p:attrName>
+                                        </p:attrNameLst>
+                                      </p:cBhvr>
+                                      <p:tavLst>
+                                        <p:tav tm="0">
+                                          <p:val>
+                                            <p:fltVal val="0"/>
+                                          </p:val>
+                                        </p:tav>
+                                        <p:tav tm="100000">
+                                          <p:val>
+                                            <p:strVal val="#ppt_w"/>
+                                          </p:val>
+                                        </p:tav>
+                                      </p:tavLst>
+                                    </p:anim>
+                                    <p:anim calcmode="lin" valueType="num">
+                                      <p:cBhvr>
+                                        <p:cTn id="49" dur="500" fill="hold"/>
+                                        <p:tgtEl>
+                                          <p:spTgt spid="15"/>
+                                        </p:tgtEl>
+                                        <p:attrNameLst>
+                                          <p:attrName>ppt_h</p:attrName>
+                                        </p:attrNameLst>
+                                      </p:cBhvr>
+                                      <p:tavLst>
+                                        <p:tav tm="0">
+                                          <p:val>
+                                            <p:fltVal val="0"/>
+                                          </p:val>
+                                        </p:tav>
+                                        <p:tav tm="100000">
+                                          <p:val>
+                                            <p:strVal val="#ppt_h"/>
+                                          </p:val>
+                                        </p:tav>
+                                      </p:tavLst>
+                                    </p:anim>
+                                    <p:animEffect transition="in" filter="fade">
+                                      <p:cBhvr>
+                                        <p:cTn id="50" dur="500"/>
+                                        <p:tgtEl>
+                                          <p:spTgt spid="15"/>
+                                        </p:tgtEl>
+                                      </p:cBhvr>
+                                    </p:animEffect>
+                                  </p:childTnLst>
+                                </p:cTn>
+                              </p:par>
+                            </p:childTnLst>
+                          </p:cTn>
+                        </p:par>
+                      </p:childTnLst>
+                    </p:cTn>
+                  </p:par>
+                  <p:par>
+                    <p:cTn id="51" fill="hold">
+                      <p:stCondLst>
+                        <p:cond delay="indefinite"/>
+                      </p:stCondLst>
+                      <p:childTnLst>
+                        <p:par>
+                          <p:cTn id="52" fill="hold">
+                            <p:stCondLst>
+                              <p:cond delay="0"/>
+                            </p:stCondLst>
+                            <p:childTnLst>
+                              <p:par>
+                                <p:cTn id="53" presetID="53" presetClass="entr" presetSubtype="16" fill="hold" grpId="0" nodeType="clickEffect">
+                                  <p:stCondLst>
+                                    <p:cond delay="0"/>
+                                  </p:stCondLst>
+                                  <p:childTnLst>
+                                    <p:set>
+                                      <p:cBhvr>
+                                        <p:cTn id="54" dur="1" fill="hold">
+                                          <p:stCondLst>
+                                            <p:cond delay="0"/>
+                                          </p:stCondLst>
+                                        </p:cTn>
+                                        <p:tgtEl>
+                                          <p:spTgt spid="16"/>
+                                        </p:tgtEl>
+                                        <p:attrNameLst>
+                                          <p:attrName>style.visibility</p:attrName>
+                                        </p:attrNameLst>
+                                      </p:cBhvr>
+                                      <p:to>
+                                        <p:strVal val="visible"/>
+                                      </p:to>
+                                    </p:set>
+                                    <p:anim calcmode="lin" valueType="num">
+                                      <p:cBhvr>
+                                        <p:cTn id="55" dur="500" fill="hold"/>
+                                        <p:tgtEl>
+                                          <p:spTgt spid="16"/>
+                                        </p:tgtEl>
+                                        <p:attrNameLst>
+                                          <p:attrName>ppt_w</p:attrName>
+                                        </p:attrNameLst>
+                                      </p:cBhvr>
+                                      <p:tavLst>
+                                        <p:tav tm="0">
+                                          <p:val>
+                                            <p:fltVal val="0"/>
+                                          </p:val>
+                                        </p:tav>
+                                        <p:tav tm="100000">
+                                          <p:val>
+                                            <p:strVal val="#ppt_w"/>
+                                          </p:val>
+                                        </p:tav>
+                                      </p:tavLst>
+                                    </p:anim>
+                                    <p:anim calcmode="lin" valueType="num">
+                                      <p:cBhvr>
+                                        <p:cTn id="56" dur="500" fill="hold"/>
+                                        <p:tgtEl>
+                                          <p:spTgt spid="16"/>
+                                        </p:tgtEl>
+                                        <p:attrNameLst>
+                                          <p:attrName>ppt_h</p:attrName>
+                                        </p:attrNameLst>
+                                      </p:cBhvr>
+                                      <p:tavLst>
+                                        <p:tav tm="0">
+                                          <p:val>
+                                            <p:fltVal val="0"/>
+                                          </p:val>
+                                        </p:tav>
+                                        <p:tav tm="100000">
+                                          <p:val>
+                                            <p:strVal val="#ppt_h"/>
+                                          </p:val>
+                                        </p:tav>
+                                      </p:tavLst>
+                                    </p:anim>
+                                    <p:animEffect transition="in" filter="fade">
+                                      <p:cBhvr>
+                                        <p:cTn id="57" dur="500"/>
+                                        <p:tgtEl>
+                                          <p:spTgt spid="16"/>
+                                        </p:tgtEl>
+                                      </p:cBhvr>
+                                    </p:animEffect>
+                                  </p:childTnLst>
+                                </p:cTn>
+                              </p:par>
+                              <p:par>
+                                <p:cTn id="58" presetID="53" presetClass="entr" presetSubtype="16" fill="hold" grpId="0" nodeType="withEffect">
+                                  <p:stCondLst>
+                                    <p:cond delay="0"/>
+                                  </p:stCondLst>
+                                  <p:childTnLst>
+                                    <p:set>
+                                      <p:cBhvr>
+                                        <p:cTn id="59" dur="1" fill="hold">
+                                          <p:stCondLst>
+                                            <p:cond delay="0"/>
+                                          </p:stCondLst>
+                                        </p:cTn>
+                                        <p:tgtEl>
+                                          <p:spTgt spid="17"/>
+                                        </p:tgtEl>
+                                        <p:attrNameLst>
+                                          <p:attrName>style.visibility</p:attrName>
+                                        </p:attrNameLst>
+                                      </p:cBhvr>
+                                      <p:to>
+                                        <p:strVal val="visible"/>
+                                      </p:to>
+                                    </p:set>
+                                    <p:anim calcmode="lin" valueType="num">
+                                      <p:cBhvr>
+                                        <p:cTn id="60" dur="500" fill="hold"/>
+                                        <p:tgtEl>
+                                          <p:spTgt spid="17"/>
+                                        </p:tgtEl>
+                                        <p:attrNameLst>
+                                          <p:attrName>ppt_w</p:attrName>
+                                        </p:attrNameLst>
+                                      </p:cBhvr>
+                                      <p:tavLst>
+                                        <p:tav tm="0">
+                                          <p:val>
+                                            <p:fltVal val="0"/>
+                                          </p:val>
+                                        </p:tav>
+                                        <p:tav tm="100000">
+                                          <p:val>
+                                            <p:strVal val="#ppt_w"/>
+                                          </p:val>
+                                        </p:tav>
+                                      </p:tavLst>
+                                    </p:anim>
+                                    <p:anim calcmode="lin" valueType="num">
+                                      <p:cBhvr>
+                                        <p:cTn id="61" dur="500" fill="hold"/>
+                                        <p:tgtEl>
+                                          <p:spTgt spid="17"/>
+                                        </p:tgtEl>
+                                        <p:attrNameLst>
+                                          <p:attrName>ppt_h</p:attrName>
+                                        </p:attrNameLst>
+                                      </p:cBhvr>
+                                      <p:tavLst>
+                                        <p:tav tm="0">
+                                          <p:val>
+                                            <p:fltVal val="0"/>
+                                          </p:val>
+                                        </p:tav>
+                                        <p:tav tm="100000">
+                                          <p:val>
+                                            <p:strVal val="#ppt_h"/>
+                                          </p:val>
+                                        </p:tav>
+                                      </p:tavLst>
+                                    </p:anim>
+                                    <p:animEffect transition="in" filter="fade">
+                                      <p:cBhvr>
+                                        <p:cTn id="62" dur="500"/>
+                                        <p:tgtEl>
+                                          <p:spTgt spid="17"/>
+                                        </p:tgtEl>
+                                      </p:cBhvr>
+                                    </p:animEffect>
+                                  </p:childTnLst>
+                                </p:cTn>
+                              </p:par>
+                            </p:childTnLst>
+                          </p:cTn>
+                        </p:par>
+                      </p:childTnLst>
+                    </p:cTn>
+                  </p:par>
+                  <p:par>
+                    <p:cTn id="63" fill="hold">
+                      <p:stCondLst>
+                        <p:cond delay="indefinite"/>
+                      </p:stCondLst>
+                      <p:childTnLst>
+                        <p:par>
+                          <p:cTn id="64" fill="hold">
+                            <p:stCondLst>
+                              <p:cond delay="0"/>
+                            </p:stCondLst>
+                            <p:childTnLst>
+                              <p:par>
+                                <p:cTn id="65" presetID="53" presetClass="entr" presetSubtype="16" fill="hold" grpId="0" nodeType="clickEffect">
+                                  <p:stCondLst>
+                                    <p:cond delay="0"/>
+                                  </p:stCondLst>
+                                  <p:childTnLst>
+                                    <p:set>
+                                      <p:cBhvr>
+                                        <p:cTn id="66" dur="1" fill="hold">
+                                          <p:stCondLst>
+                                            <p:cond delay="0"/>
+                                          </p:stCondLst>
+                                        </p:cTn>
+                                        <p:tgtEl>
+                                          <p:spTgt spid="18"/>
+                                        </p:tgtEl>
+                                        <p:attrNameLst>
+                                          <p:attrName>style.visibility</p:attrName>
+                                        </p:attrNameLst>
+                                      </p:cBhvr>
+                                      <p:to>
+                                        <p:strVal val="visible"/>
+                                      </p:to>
+                                    </p:set>
+                                    <p:anim calcmode="lin" valueType="num">
+                                      <p:cBhvr>
+                                        <p:cTn id="67" dur="500" fill="hold"/>
+                                        <p:tgtEl>
+                                          <p:spTgt spid="18"/>
+                                        </p:tgtEl>
+                                        <p:attrNameLst>
+                                          <p:attrName>ppt_w</p:attrName>
+                                        </p:attrNameLst>
+                                      </p:cBhvr>
+                                      <p:tavLst>
+                                        <p:tav tm="0">
+                                          <p:val>
+                                            <p:fltVal val="0"/>
+                                          </p:val>
+                                        </p:tav>
+                                        <p:tav tm="100000">
+                                          <p:val>
+                                            <p:strVal val="#ppt_w"/>
+                                          </p:val>
+                                        </p:tav>
+                                      </p:tavLst>
+                                    </p:anim>
+                                    <p:anim calcmode="lin" valueType="num">
+                                      <p:cBhvr>
+                                        <p:cTn id="68" dur="500" fill="hold"/>
+                                        <p:tgtEl>
+                                          <p:spTgt spid="18"/>
+                                        </p:tgtEl>
+                                        <p:attrNameLst>
+                                          <p:attrName>ppt_h</p:attrName>
+                                        </p:attrNameLst>
+                                      </p:cBhvr>
+                                      <p:tavLst>
+                                        <p:tav tm="0">
+                                          <p:val>
+                                            <p:fltVal val="0"/>
+                                          </p:val>
+                                        </p:tav>
+                                        <p:tav tm="100000">
+                                          <p:val>
+                                            <p:strVal val="#ppt_h"/>
+                                          </p:val>
+                                        </p:tav>
+                                      </p:tavLst>
+                                    </p:anim>
+                                    <p:animEffect transition="in" filter="fade">
+                                      <p:cBhvr>
+                                        <p:cTn id="69" dur="500"/>
+                                        <p:tgtEl>
+                                          <p:spTgt spid="18"/>
+                                        </p:tgtEl>
+                                      </p:cBhvr>
+                                    </p:animEffect>
+                                  </p:childTnLst>
+                                </p:cTn>
+                              </p:par>
+                              <p:par>
+                                <p:cTn id="70" presetID="53" presetClass="entr" presetSubtype="16" fill="hold" grpId="0" nodeType="withEffect">
+                                  <p:stCondLst>
+                                    <p:cond delay="0"/>
+                                  </p:stCondLst>
+                                  <p:childTnLst>
+                                    <p:set>
+                                      <p:cBhvr>
+                                        <p:cTn id="71" dur="1" fill="hold">
+                                          <p:stCondLst>
+                                            <p:cond delay="0"/>
+                                          </p:stCondLst>
+                                        </p:cTn>
+                                        <p:tgtEl>
+                                          <p:spTgt spid="19"/>
+                                        </p:tgtEl>
+                                        <p:attrNameLst>
+                                          <p:attrName>style.visibility</p:attrName>
+                                        </p:attrNameLst>
+                                      </p:cBhvr>
+                                      <p:to>
+                                        <p:strVal val="visible"/>
+                                      </p:to>
+                                    </p:set>
+                                    <p:anim calcmode="lin" valueType="num">
+                                      <p:cBhvr>
+                                        <p:cTn id="72" dur="500" fill="hold"/>
+                                        <p:tgtEl>
+                                          <p:spTgt spid="19"/>
+                                        </p:tgtEl>
+                                        <p:attrNameLst>
+                                          <p:attrName>ppt_w</p:attrName>
+                                        </p:attrNameLst>
+                                      </p:cBhvr>
+                                      <p:tavLst>
+                                        <p:tav tm="0">
+                                          <p:val>
+                                            <p:fltVal val="0"/>
+                                          </p:val>
+                                        </p:tav>
+                                        <p:tav tm="100000">
+                                          <p:val>
+                                            <p:strVal val="#ppt_w"/>
+                                          </p:val>
+                                        </p:tav>
+                                      </p:tavLst>
+                                    </p:anim>
+                                    <p:anim calcmode="lin" valueType="num">
+                                      <p:cBhvr>
+                                        <p:cTn id="73" dur="500" fill="hold"/>
+                                        <p:tgtEl>
+                                          <p:spTgt spid="19"/>
+                                        </p:tgtEl>
+                                        <p:attrNameLst>
+                                          <p:attrName>ppt_h</p:attrName>
+                                        </p:attrNameLst>
+                                      </p:cBhvr>
+                                      <p:tavLst>
+                                        <p:tav tm="0">
+                                          <p:val>
+                                            <p:fltVal val="0"/>
+                                          </p:val>
+                                        </p:tav>
+                                        <p:tav tm="100000">
+                                          <p:val>
+                                            <p:strVal val="#ppt_h"/>
+                                          </p:val>
+                                        </p:tav>
+                                      </p:tavLst>
+                                    </p:anim>
+                                    <p:animEffect transition="in" filter="fade">
+                                      <p:cBhvr>
+                                        <p:cTn id="74" dur="500"/>
+                                        <p:tgtEl>
+                                          <p:spTgt spid="19"/>
+                                        </p:tgtEl>
+                                      </p:cBhvr>
+                                    </p:animEffect>
+                                  </p:childTnLst>
+                                </p:cTn>
+                              </p:par>
+                            </p:childTnLst>
+                          </p:cTn>
+                        </p:par>
+                      </p:childTnLst>
+                    </p:cTn>
+                  </p:par>
+                  <p:par>
+                    <p:cTn id="75" fill="hold">
+                      <p:stCondLst>
+                        <p:cond delay="indefinite"/>
+                      </p:stCondLst>
+                      <p:childTnLst>
+                        <p:par>
+                          <p:cTn id="76" fill="hold">
+                            <p:stCondLst>
+                              <p:cond delay="0"/>
+                            </p:stCondLst>
+                            <p:childTnLst>
+                              <p:par>
+                                <p:cTn id="77" presetID="53" presetClass="entr" presetSubtype="16" fill="hold" grpId="0" nodeType="clickEffect">
+                                  <p:stCondLst>
+                                    <p:cond delay="0"/>
+                                  </p:stCondLst>
+                                  <p:childTnLst>
+                                    <p:set>
+                                      <p:cBhvr>
+                                        <p:cTn id="78" dur="1" fill="hold">
+                                          <p:stCondLst>
+                                            <p:cond delay="0"/>
+                                          </p:stCondLst>
+                                        </p:cTn>
+                                        <p:tgtEl>
+                                          <p:spTgt spid="20"/>
+                                        </p:tgtEl>
+                                        <p:attrNameLst>
+                                          <p:attrName>style.visibility</p:attrName>
+                                        </p:attrNameLst>
+                                      </p:cBhvr>
+                                      <p:to>
+                                        <p:strVal val="visible"/>
+                                      </p:to>
+                                    </p:set>
+                                    <p:anim calcmode="lin" valueType="num">
+                                      <p:cBhvr>
+                                        <p:cTn id="79" dur="500" fill="hold"/>
+                                        <p:tgtEl>
+                                          <p:spTgt spid="20"/>
+                                        </p:tgtEl>
+                                        <p:attrNameLst>
+                                          <p:attrName>ppt_w</p:attrName>
+                                        </p:attrNameLst>
+                                      </p:cBhvr>
+                                      <p:tavLst>
+                                        <p:tav tm="0">
+                                          <p:val>
+                                            <p:fltVal val="0"/>
+                                          </p:val>
+                                        </p:tav>
+                                        <p:tav tm="100000">
+                                          <p:val>
+                                            <p:strVal val="#ppt_w"/>
+                                          </p:val>
+                                        </p:tav>
+                                      </p:tavLst>
+                                    </p:anim>
+                                    <p:anim calcmode="lin" valueType="num">
+                                      <p:cBhvr>
+                                        <p:cTn id="80" dur="500" fill="hold"/>
+                                        <p:tgtEl>
+                                          <p:spTgt spid="20"/>
+                                        </p:tgtEl>
+                                        <p:attrNameLst>
+                                          <p:attrName>ppt_h</p:attrName>
+                                        </p:attrNameLst>
+                                      </p:cBhvr>
+                                      <p:tavLst>
+                                        <p:tav tm="0">
+                                          <p:val>
+                                            <p:fltVal val="0"/>
+                                          </p:val>
+                                        </p:tav>
+                                        <p:tav tm="100000">
+                                          <p:val>
+                                            <p:strVal val="#ppt_h"/>
+                                          </p:val>
+                                        </p:tav>
+                                      </p:tavLst>
+                                    </p:anim>
+                                    <p:animEffect transition="in" filter="fade">
+                                      <p:cBhvr>
+                                        <p:cTn id="81" dur="500"/>
+                                        <p:tgtEl>
+                                          <p:spTgt spid="20"/>
+                                        </p:tgtEl>
+                                      </p:cBhvr>
+                                    </p:animEffect>
+                                  </p:childTnLst>
+                                </p:cTn>
+                              </p:par>
+                              <p:par>
+                                <p:cTn id="82" presetID="53" presetClass="entr" presetSubtype="16" fill="hold" grpId="0" nodeType="withEffect">
+                                  <p:stCondLst>
+                                    <p:cond delay="0"/>
+                                  </p:stCondLst>
+                                  <p:childTnLst>
+                                    <p:set>
+                                      <p:cBhvr>
+                                        <p:cTn id="83" dur="1" fill="hold">
+                                          <p:stCondLst>
+                                            <p:cond delay="0"/>
+                                          </p:stCondLst>
+                                        </p:cTn>
+                                        <p:tgtEl>
+                                          <p:spTgt spid="21"/>
+                                        </p:tgtEl>
+                                        <p:attrNameLst>
+                                          <p:attrName>style.visibility</p:attrName>
+                                        </p:attrNameLst>
+                                      </p:cBhvr>
+                                      <p:to>
+                                        <p:strVal val="visible"/>
+                                      </p:to>
+                                    </p:set>
+                                    <p:anim calcmode="lin" valueType="num">
+                                      <p:cBhvr>
+                                        <p:cTn id="84" dur="500" fill="hold"/>
+                                        <p:tgtEl>
+                                          <p:spTgt spid="21"/>
+                                        </p:tgtEl>
+                                        <p:attrNameLst>
+                                          <p:attrName>ppt_w</p:attrName>
+                                        </p:attrNameLst>
+                                      </p:cBhvr>
+                                      <p:tavLst>
+                                        <p:tav tm="0">
+                                          <p:val>
+                                            <p:fltVal val="0"/>
+                                          </p:val>
+                                        </p:tav>
+                                        <p:tav tm="100000">
+                                          <p:val>
+                                            <p:strVal val="#ppt_w"/>
+                                          </p:val>
+                                        </p:tav>
+                                      </p:tavLst>
+                                    </p:anim>
+                                    <p:anim calcmode="lin" valueType="num">
+                                      <p:cBhvr>
+                                        <p:cTn id="85" dur="500" fill="hold"/>
+                                        <p:tgtEl>
+                                          <p:spTgt spid="21"/>
+                                        </p:tgtEl>
+                                        <p:attrNameLst>
+                                          <p:attrName>ppt_h</p:attrName>
+                                        </p:attrNameLst>
+                                      </p:cBhvr>
+                                      <p:tavLst>
+                                        <p:tav tm="0">
+                                          <p:val>
+                                            <p:fltVal val="0"/>
+                                          </p:val>
+                                        </p:tav>
+                                        <p:tav tm="100000">
+                                          <p:val>
+                                            <p:strVal val="#ppt_h"/>
+                                          </p:val>
+                                        </p:tav>
+                                      </p:tavLst>
+                                    </p:anim>
+                                    <p:animEffect transition="in" filter="fade">
+                                      <p:cBhvr>
+                                        <p:cTn id="86" dur="500"/>
+                                        <p:tgtEl>
+                                          <p:spTgt spid="21"/>
+                                        </p:tgtEl>
+                                      </p:cBhvr>
+                                    </p:animEffect>
+                                  </p:childTnLst>
+                                </p:cTn>
+                              </p:par>
+                            </p:childTnLst>
+                          </p:cTn>
+                        </p:par>
+                      </p:childTnLst>
+                    </p:cTn>
+                  </p:par>
+                  <p:par>
+                    <p:cTn id="87" fill="hold">
+                      <p:stCondLst>
+                        <p:cond delay="indefinite"/>
+                      </p:stCondLst>
+                      <p:childTnLst>
+                        <p:par>
+                          <p:cTn id="88" fill="hold">
+                            <p:stCondLst>
+                              <p:cond delay="0"/>
+                            </p:stCondLst>
+                            <p:childTnLst>
+                              <p:par>
+                                <p:cTn id="89" presetID="21" presetClass="entr" presetSubtype="1" fill="hold" nodeType="clickEffect">
+                                  <p:stCondLst>
+                                    <p:cond delay="0"/>
+                                  </p:stCondLst>
+                                  <p:childTnLst>
+                                    <p:set>
+                                      <p:cBhvr>
+                                        <p:cTn id="90" dur="1" fill="hold">
+                                          <p:stCondLst>
+                                            <p:cond delay="0"/>
+                                          </p:stCondLst>
+                                        </p:cTn>
+                                        <p:tgtEl>
+                                          <p:spTgt spid="1032"/>
+                                        </p:tgtEl>
+                                        <p:attrNameLst>
+                                          <p:attrName>style.visibility</p:attrName>
+                                        </p:attrNameLst>
+                                      </p:cBhvr>
+                                      <p:to>
+                                        <p:strVal val="visible"/>
+                                      </p:to>
+                                    </p:set>
+                                    <p:animEffect transition="in" filter="wheel(1)">
+                                      <p:cBhvr>
+                                        <p:cTn id="91" dur="2000"/>
+                                        <p:tgtEl>
+                                          <p:spTgt spid="1032"/>
+                                        </p:tgtEl>
+                                      </p:cBhvr>
+                                    </p:animEffect>
+                                  </p:childTnLst>
+                                </p:cTn>
+                              </p:par>
+                              <p:par>
+                                <p:cTn id="92" presetID="21" presetClass="entr" presetSubtype="1" fill="hold" nodeType="withEffect">
+                                  <p:stCondLst>
+                                    <p:cond delay="0"/>
+                                  </p:stCondLst>
+                                  <p:childTnLst>
+                                    <p:set>
+                                      <p:cBhvr>
+                                        <p:cTn id="93" dur="1" fill="hold">
+                                          <p:stCondLst>
+                                            <p:cond delay="0"/>
+                                          </p:stCondLst>
+                                        </p:cTn>
+                                        <p:tgtEl>
+                                          <p:spTgt spid="26"/>
+                                        </p:tgtEl>
+                                        <p:attrNameLst>
+                                          <p:attrName>style.visibility</p:attrName>
+                                        </p:attrNameLst>
+                                      </p:cBhvr>
+                                      <p:to>
+                                        <p:strVal val="visible"/>
+                                      </p:to>
+                                    </p:set>
+                                    <p:animEffect transition="in" filter="wheel(1)">
+                                      <p:cBhvr>
+                                        <p:cTn id="94" dur="2000"/>
+                                        <p:tgtEl>
+                                          <p:spTgt spid="26"/>
+                                        </p:tgtEl>
+                                      </p:cBhvr>
+                                    </p:animEffect>
+                                  </p:childTnLst>
+                                </p:cTn>
+                              </p:par>
+                              <p:par>
+                                <p:cTn id="95" presetID="21" presetClass="entr" presetSubtype="1" fill="hold" nodeType="withEffect">
+                                  <p:stCondLst>
+                                    <p:cond delay="0"/>
+                                  </p:stCondLst>
+                                  <p:childTnLst>
+                                    <p:set>
+                                      <p:cBhvr>
+                                        <p:cTn id="96" dur="1" fill="hold">
+                                          <p:stCondLst>
+                                            <p:cond delay="0"/>
+                                          </p:stCondLst>
+                                        </p:cTn>
+                                        <p:tgtEl>
+                                          <p:spTgt spid="27"/>
+                                        </p:tgtEl>
+                                        <p:attrNameLst>
+                                          <p:attrName>style.visibility</p:attrName>
+                                        </p:attrNameLst>
+                                      </p:cBhvr>
+                                      <p:to>
+                                        <p:strVal val="visible"/>
+                                      </p:to>
+                                    </p:set>
+                                    <p:animEffect transition="in" filter="wheel(1)">
+                                      <p:cBhvr>
+                                        <p:cTn id="97" dur="2000"/>
+                                        <p:tgtEl>
+                                          <p:spTgt spid="27"/>
+                                        </p:tgtEl>
+                                      </p:cBhvr>
+                                    </p:animEffect>
+                                  </p:childTnLst>
+                                </p:cTn>
+                              </p:par>
+                              <p:par>
+                                <p:cTn id="98" presetID="21" presetClass="entr" presetSubtype="1" fill="hold" nodeType="withEffect">
+                                  <p:stCondLst>
+                                    <p:cond delay="0"/>
+                                  </p:stCondLst>
+                                  <p:childTnLst>
+                                    <p:set>
+                                      <p:cBhvr>
+                                        <p:cTn id="99" dur="1" fill="hold">
+                                          <p:stCondLst>
+                                            <p:cond delay="0"/>
+                                          </p:stCondLst>
+                                        </p:cTn>
+                                        <p:tgtEl>
+                                          <p:spTgt spid="28"/>
+                                        </p:tgtEl>
+                                        <p:attrNameLst>
+                                          <p:attrName>style.visibility</p:attrName>
+                                        </p:attrNameLst>
+                                      </p:cBhvr>
+                                      <p:to>
+                                        <p:strVal val="visible"/>
+                                      </p:to>
+                                    </p:set>
+                                    <p:animEffect transition="in" filter="wheel(1)">
+                                      <p:cBhvr>
+                                        <p:cTn id="100" dur="2000"/>
+                                        <p:tgtEl>
+                                          <p:spTgt spid="28"/>
+                                        </p:tgtEl>
+                                      </p:cBhvr>
+                                    </p:animEffect>
+                                  </p:childTnLst>
+                                </p:cTn>
+                              </p:par>
+                              <p:par>
+                                <p:cTn id="101" presetID="21" presetClass="entr" presetSubtype="1" fill="hold" nodeType="withEffect">
+                                  <p:stCondLst>
+                                    <p:cond delay="0"/>
+                                  </p:stCondLst>
+                                  <p:childTnLst>
+                                    <p:set>
+                                      <p:cBhvr>
+                                        <p:cTn id="102" dur="1" fill="hold">
+                                          <p:stCondLst>
+                                            <p:cond delay="0"/>
+                                          </p:stCondLst>
+                                        </p:cTn>
+                                        <p:tgtEl>
+                                          <p:spTgt spid="29"/>
+                                        </p:tgtEl>
+                                        <p:attrNameLst>
+                                          <p:attrName>style.visibility</p:attrName>
+                                        </p:attrNameLst>
+                                      </p:cBhvr>
+                                      <p:to>
+                                        <p:strVal val="visible"/>
+                                      </p:to>
+                                    </p:set>
+                                    <p:animEffect transition="in" filter="wheel(1)">
+                                      <p:cBhvr>
+                                        <p:cTn id="103" dur="2000"/>
+                                        <p:tgtEl>
+                                          <p:spTgt spid="29"/>
+                                        </p:tgtEl>
+                                      </p:cBhvr>
+                                    </p:animEffect>
+                                  </p:childTnLst>
+                                </p:cTn>
+                              </p:par>
+                              <p:par>
+                                <p:cTn id="104" presetID="21" presetClass="entr" presetSubtype="1" fill="hold" nodeType="withEffect">
+                                  <p:stCondLst>
+                                    <p:cond delay="0"/>
+                                  </p:stCondLst>
+                                  <p:childTnLst>
+                                    <p:set>
+                                      <p:cBhvr>
+                                        <p:cTn id="105" dur="1" fill="hold">
+                                          <p:stCondLst>
+                                            <p:cond delay="0"/>
+                                          </p:stCondLst>
+                                        </p:cTn>
+                                        <p:tgtEl>
+                                          <p:spTgt spid="31"/>
+                                        </p:tgtEl>
+                                        <p:attrNameLst>
+                                          <p:attrName>style.visibility</p:attrName>
+                                        </p:attrNameLst>
+                                      </p:cBhvr>
+                                      <p:to>
+                                        <p:strVal val="visible"/>
+                                      </p:to>
+                                    </p:set>
+                                    <p:animEffect transition="in" filter="wheel(1)">
+                                      <p:cBhvr>
+                                        <p:cTn id="106" dur="2000"/>
+                                        <p:tgtEl>
+                                          <p:spTgt spid="31"/>
+                                        </p:tgtEl>
+                                      </p:cBhvr>
+                                    </p:animEffect>
+                                  </p:childTnLst>
+                                </p:cTn>
+                              </p:par>
+                              <p:par>
+                                <p:cTn id="107" presetID="21" presetClass="entr" presetSubtype="1" fill="hold" nodeType="withEffect">
+                                  <p:stCondLst>
+                                    <p:cond delay="0"/>
+                                  </p:stCondLst>
+                                  <p:childTnLst>
+                                    <p:set>
+                                      <p:cBhvr>
+                                        <p:cTn id="108" dur="1" fill="hold">
+                                          <p:stCondLst>
+                                            <p:cond delay="0"/>
+                                          </p:stCondLst>
+                                        </p:cTn>
+                                        <p:tgtEl>
+                                          <p:spTgt spid="30"/>
+                                        </p:tgtEl>
+                                        <p:attrNameLst>
+                                          <p:attrName>style.visibility</p:attrName>
+                                        </p:attrNameLst>
+                                      </p:cBhvr>
+                                      <p:to>
+                                        <p:strVal val="visible"/>
+                                      </p:to>
+                                    </p:set>
+                                    <p:animEffect transition="in" filter="wheel(1)">
+                                      <p:cBhvr>
+                                        <p:cTn id="109" dur="2000"/>
+                                        <p:tgtEl>
+                                          <p:spTgt spid="30"/>
+                                        </p:tgtEl>
+                                      </p:cBhvr>
+                                    </p:animEffect>
+                                  </p:childTnLst>
+                                </p:cTn>
+                              </p:par>
+                            </p:childTnLst>
+                          </p:cTn>
+                        </p:par>
+                      </p:childTnLst>
+                    </p:cTn>
+                  </p:par>
+                </p:childTnLst>
+              </p:cTn>
+              <p:prevCondLst>
+                <p:cond evt="onPrev" delay="0">
+                  <p:tgtEl>
+                    <p:sldTgt/>
+                  </p:tgtEl>
+                </p:cond>
+              </p:prevCondLst>
+              <p:nextCondLst>
+                <p:cond evt="onNext" delay="0">
+                  <p:tgtEl>
+                    <p:sldTgt/>
+                  </p:tgtEl>
+                </p:cond>
+              </p:nextCondLst>
+            </p:seq>
+          </p:childTnLst>
+        </p:cTn>
+      </p:par>
+    </p:tnLst>
+    <p:bldLst>
+      <p:bldP spid="11" grpId="0" animBg="1"/>
+      <p:bldP spid="25" grpId="0" animBg="1"/>
+      <p:bldP spid="43" grpId="0" animBg="1"/>
+      <p:bldP spid="44" grpId="0" animBg="1"/>
+      <p:bldP spid="45" grpId="0" animBg="1"/>
+      <p:bldP spid="46" grpId="0" animBg="1"/>
+      <p:bldP spid="14" grpId="0" animBg="1"/>
+      <p:bldP spid="15" grpId="0" animBg="1"/>
+      <p:bldP spid="16" grpId="0" animBg="1"/>
+      <p:bldP spid="17" grpId="0" animBg="1"/>
+      <p:bldP spid="18" grpId="0" animBg="1"/>
+      <p:bldP spid="19" grpId="0" animBg="1"/>
+      <p:bldP spid="20" grpId="0" animBg="1"/>
+      <p:bldP spid="21" grpId="0" animBg="1"/>
+    </p:bldLst>
+  </p:timing>
+</p:sld>
+</file>
+
+<file path=ppt/slides/slide4.xml><?xml version="1.0" encoding="utf-8"?>
+<p:sld xmlns:a="http://schemas.openxmlformats.org/drawingml/2006/main" xmlns:r="http://schemas.openxmlformats.org/officeDocument/2006/relationships" xmlns:p="http://schemas.openxmlformats.org/presentationml/2006/main">
+  <p:cSld>
+    <p:spTree>
+      <p:nvGrpSpPr>
+        <p:cNvPr id="1" name=""/>
+        <p:cNvGrpSpPr/>
+        <p:nvPr/>
+      </p:nvGrpSpPr>
+      <p:grpSpPr>
+        <a:xfrm>
+          <a:off x="0" y="0"/>
+          <a:ext cx="0" cy="0"/>
+          <a:chOff x="0" y="0"/>
+          <a:chExt cx="0" cy="0"/>
+        </a:xfrm>
+      </p:grpSpPr>
       <p:grpSp>
         <p:nvGrpSpPr>
           <p:cNvPr id="18435" name="Group 3"/>
@@ -13386,7 +18314,7 @@
 </p:sld>
 </file>
 
-<file path=ppt/slides/slide4.xml><?xml version="1.0" encoding="utf-8"?>
+<file path=ppt/slides/slide5.xml><?xml version="1.0" encoding="utf-8"?>
 <p:sld xmlns:a="http://schemas.openxmlformats.org/drawingml/2006/main" xmlns:r="http://schemas.openxmlformats.org/officeDocument/2006/relationships" xmlns:p="http://schemas.openxmlformats.org/presentationml/2006/main">
   <p:cSld>
     <p:spTree>
@@ -15828,7 +20756,7 @@
 </p:sld>
 </file>
 
-<file path=ppt/slides/slide5.xml><?xml version="1.0" encoding="utf-8"?>
+<file path=ppt/slides/slide6.xml><?xml version="1.0" encoding="utf-8"?>
 <p:sld xmlns:a="http://schemas.openxmlformats.org/drawingml/2006/main" xmlns:r="http://schemas.openxmlformats.org/officeDocument/2006/relationships" xmlns:p="http://schemas.openxmlformats.org/presentationml/2006/main">
   <p:cSld>
     <p:spTree>
@@ -22071,7 +26999,7 @@
 </p:sld>
 </file>
 
-<file path=ppt/slides/slide6.xml><?xml version="1.0" encoding="utf-8"?>
+<file path=ppt/slides/slide7.xml><?xml version="1.0" encoding="utf-8"?>
 <p:sld xmlns:a="http://schemas.openxmlformats.org/drawingml/2006/main" xmlns:r="http://schemas.openxmlformats.org/officeDocument/2006/relationships" xmlns:p="http://schemas.openxmlformats.org/presentationml/2006/main">
   <p:cSld>
     <p:spTree>
@@ -28229,7 +33157,7 @@
 </p:sld>
 </file>
 
-<file path=ppt/slides/slide7.xml><?xml version="1.0" encoding="utf-8"?>
+<file path=ppt/slides/slide8.xml><?xml version="1.0" encoding="utf-8"?>
 <p:sld xmlns:a="http://schemas.openxmlformats.org/drawingml/2006/main" xmlns:r="http://schemas.openxmlformats.org/officeDocument/2006/relationships" xmlns:p="http://schemas.openxmlformats.org/presentationml/2006/main">
   <p:cSld>
     <p:spTree>
@@ -34114,7 +39042,14 @@
                 <a:latin typeface="Times New Roman" pitchFamily="18" charset="0"/>
                 <a:cs typeface="Times New Roman" pitchFamily="18" charset="0"/>
               </a:rPr>
-              <a:t>TỪNG BÁN</a:t>
+              <a:t>TỪNG </a:t>
+            </a:r>
+            <a:r>
+              <a:rPr lang="en-US" sz="2000" b="1" dirty="0" smtClean="0">
+                <a:latin typeface="Times New Roman" pitchFamily="18" charset="0"/>
+                <a:cs typeface="Times New Roman" pitchFamily="18" charset="0"/>
+              </a:rPr>
+              <a:t>BÀN</a:t>
             </a:r>
             <a:endParaRPr lang="en-US" sz="2000" b="1" dirty="0">
               <a:latin typeface="Times New Roman" pitchFamily="18" charset="0"/>
@@ -34459,7 +39394,7 @@
 </p:sld>
 </file>
 
-<file path=ppt/slides/slide8.xml><?xml version="1.0" encoding="utf-8"?>
+<file path=ppt/slides/slide9.xml><?xml version="1.0" encoding="utf-8"?>
 <p:sld xmlns:a="http://schemas.openxmlformats.org/drawingml/2006/main" xmlns:r="http://schemas.openxmlformats.org/officeDocument/2006/relationships" xmlns:p="http://schemas.openxmlformats.org/presentationml/2006/main">
   <p:cSld>
     <p:spTree>
@@ -34658,11 +39593,11 @@
   <p:clrMapOvr>
     <a:masterClrMapping/>
   </p:clrMapOvr>
-  <mc:AlternateContent xmlns:mc="http://schemas.openxmlformats.org/markup-compatibility/2006">
-    <mc:Choice xmlns:p14="http://schemas.microsoft.com/office/powerpoint/2010/main" Requires="p14">
+  <mc:AlternateContent xmlns:mc="http://schemas.openxmlformats.org/markup-compatibility/2006" xmlns:p14="http://schemas.microsoft.com/office/powerpoint/2010/main">
+    <mc:Choice Requires="p14">
       <p:transition p14:dur="10"/>
     </mc:Choice>
-    <mc:Fallback>
+    <mc:Fallback xmlns="">
       <p:transition/>
     </mc:Fallback>
   </mc:AlternateContent>
@@ -34794,315 +39729,6 @@
         </p:cTn>
       </p:par>
     </p:tnLst>
-  </p:timing>
-</p:sld>
-</file>
-
-<file path=ppt/slides/slide9.xml><?xml version="1.0" encoding="utf-8"?>
-<p:sld xmlns:a="http://schemas.openxmlformats.org/drawingml/2006/main" xmlns:r="http://schemas.openxmlformats.org/officeDocument/2006/relationships" xmlns:p="http://schemas.openxmlformats.org/presentationml/2006/main">
-  <p:cSld>
-    <p:spTree>
-      <p:nvGrpSpPr>
-        <p:cNvPr id="1" name=""/>
-        <p:cNvGrpSpPr/>
-        <p:nvPr/>
-      </p:nvGrpSpPr>
-      <p:grpSpPr>
-        <a:xfrm>
-          <a:off x="0" y="0"/>
-          <a:ext cx="0" cy="0"/>
-          <a:chOff x="0" y="0"/>
-          <a:chExt cx="0" cy="0"/>
-        </a:xfrm>
-      </p:grpSpPr>
-      <p:pic>
-        <p:nvPicPr>
-          <p:cNvPr id="3" name="Picture 2"/>
-          <p:cNvPicPr>
-            <a:picLocks noChangeAspect="1"/>
-          </p:cNvPicPr>
-          <p:nvPr/>
-        </p:nvPicPr>
-        <p:blipFill>
-          <a:blip r:embed="rId2">
-            <a:extLst>
-              <a:ext uri="{28A0092B-C50C-407E-A947-70E740481C1C}">
-                <a14:useLocalDpi xmlns:a14="http://schemas.microsoft.com/office/drawing/2010/main" val="0"/>
-              </a:ext>
-            </a:extLst>
-          </a:blip>
-          <a:stretch>
-            <a:fillRect/>
-          </a:stretch>
-        </p:blipFill>
-        <p:spPr>
-          <a:xfrm>
-            <a:off x="0" y="0"/>
-            <a:ext cx="12191999" cy="6852812"/>
-          </a:xfrm>
-          <a:prstGeom prst="rect">
-            <a:avLst/>
-          </a:prstGeom>
-        </p:spPr>
-      </p:pic>
-      <p:sp>
-        <p:nvSpPr>
-          <p:cNvPr id="5" name="Horizontal Scroll 4"/>
-          <p:cNvSpPr/>
-          <p:nvPr/>
-        </p:nvSpPr>
-        <p:spPr>
-          <a:xfrm>
-            <a:off x="288928" y="0"/>
-            <a:ext cx="11614142" cy="2714626"/>
-          </a:xfrm>
-          <a:prstGeom prst="horizontalScroll">
-            <a:avLst/>
-          </a:prstGeom>
-          <a:solidFill>
-            <a:srgbClr val="002060"/>
-          </a:solidFill>
-        </p:spPr>
-        <p:style>
-          <a:lnRef idx="2">
-            <a:schemeClr val="accent1">
-              <a:shade val="50000"/>
-            </a:schemeClr>
-          </a:lnRef>
-          <a:fillRef idx="1">
-            <a:schemeClr val="accent1"/>
-          </a:fillRef>
-          <a:effectRef idx="0">
-            <a:schemeClr val="accent1"/>
-          </a:effectRef>
-          <a:fontRef idx="minor">
-            <a:schemeClr val="lt1"/>
-          </a:fontRef>
-        </p:style>
-        <p:txBody>
-          <a:bodyPr rtlCol="0" anchor="ctr"/>
-          <a:lstStyle/>
-          <a:p>
-            <a:pPr algn="ctr"/>
-            <a:r>
-              <a:rPr lang="en-US" sz="6600" b="1" i="1" dirty="0" smtClean="0">
-                <a:ln w="9525">
-                  <a:solidFill>
-                    <a:schemeClr val="bg1"/>
-                  </a:solidFill>
-                  <a:prstDash val="solid"/>
-                </a:ln>
-                <a:solidFill>
-                  <a:schemeClr val="accent5"/>
-                </a:solidFill>
-                <a:effectLst>
-                  <a:outerShdw blurRad="12700" dist="38100" dir="2700000" algn="tl" rotWithShape="0">
-                    <a:schemeClr val="accent5">
-                      <a:lumMod val="60000"/>
-                      <a:lumOff val="40000"/>
-                    </a:schemeClr>
-                  </a:outerShdw>
-                </a:effectLst>
-                <a:latin typeface="Times New Roman" panose="02020603050405020304" pitchFamily="18" charset="0"/>
-                <a:cs typeface="Times New Roman" panose="02020603050405020304" pitchFamily="18" charset="0"/>
-              </a:rPr>
-              <a:t>CÁM ƠN THẦY VÀ CÁC BẠN </a:t>
-            </a:r>
-          </a:p>
-          <a:p>
-            <a:pPr algn="ctr"/>
-            <a:r>
-              <a:rPr lang="en-US" sz="6600" b="1" i="1" dirty="0" smtClean="0">
-                <a:ln w="9525">
-                  <a:solidFill>
-                    <a:schemeClr val="bg1"/>
-                  </a:solidFill>
-                  <a:prstDash val="solid"/>
-                </a:ln>
-                <a:solidFill>
-                  <a:schemeClr val="accent5"/>
-                </a:solidFill>
-                <a:effectLst>
-                  <a:outerShdw blurRad="12700" dist="38100" dir="2700000" algn="tl" rotWithShape="0">
-                    <a:schemeClr val="accent5">
-                      <a:lumMod val="60000"/>
-                      <a:lumOff val="40000"/>
-                    </a:schemeClr>
-                  </a:outerShdw>
-                </a:effectLst>
-                <a:latin typeface="Times New Roman" panose="02020603050405020304" pitchFamily="18" charset="0"/>
-                <a:cs typeface="Times New Roman" panose="02020603050405020304" pitchFamily="18" charset="0"/>
-              </a:rPr>
-              <a:t>ĐÃ LẮNG NGHE</a:t>
-            </a:r>
-            <a:endParaRPr lang="en-US" sz="6600" b="1" i="1" dirty="0">
-              <a:ln w="9525">
-                <a:solidFill>
-                  <a:schemeClr val="bg1"/>
-                </a:solidFill>
-                <a:prstDash val="solid"/>
-              </a:ln>
-              <a:solidFill>
-                <a:schemeClr val="accent5"/>
-              </a:solidFill>
-              <a:effectLst>
-                <a:outerShdw blurRad="12700" dist="38100" dir="2700000" algn="tl" rotWithShape="0">
-                  <a:schemeClr val="accent5">
-                    <a:lumMod val="60000"/>
-                    <a:lumOff val="40000"/>
-                  </a:schemeClr>
-                </a:outerShdw>
-              </a:effectLst>
-              <a:latin typeface="Times New Roman" panose="02020603050405020304" pitchFamily="18" charset="0"/>
-              <a:cs typeface="Times New Roman" panose="02020603050405020304" pitchFamily="18" charset="0"/>
-            </a:endParaRPr>
-          </a:p>
-        </p:txBody>
-      </p:sp>
-    </p:spTree>
-    <p:extLst>
-      <p:ext uri="{BB962C8B-B14F-4D97-AF65-F5344CB8AC3E}">
-        <p14:creationId xmlns:p14="http://schemas.microsoft.com/office/powerpoint/2010/main" val="75062086"/>
-      </p:ext>
-    </p:extLst>
-  </p:cSld>
-  <p:clrMapOvr>
-    <a:masterClrMapping/>
-  </p:clrMapOvr>
-  <p:transition spd="slow">
-    <p:fade/>
-  </p:transition>
-  <p:timing>
-    <p:tnLst>
-      <p:par>
-        <p:cTn id="1" dur="indefinite" restart="never" nodeType="tmRoot">
-          <p:childTnLst>
-            <p:seq concurrent="1" nextAc="seek">
-              <p:cTn id="2" dur="indefinite" nodeType="mainSeq">
-                <p:childTnLst>
-                  <p:par>
-                    <p:cTn id="3" fill="hold">
-                      <p:stCondLst>
-                        <p:cond delay="indefinite"/>
-                      </p:stCondLst>
-                      <p:childTnLst>
-                        <p:par>
-                          <p:cTn id="4" fill="hold">
-                            <p:stCondLst>
-                              <p:cond delay="0"/>
-                            </p:stCondLst>
-                            <p:childTnLst>
-                              <p:par>
-                                <p:cTn id="5" presetID="45" presetClass="entr" presetSubtype="0" fill="hold" grpId="0" nodeType="clickEffect">
-                                  <p:stCondLst>
-                                    <p:cond delay="0"/>
-                                  </p:stCondLst>
-                                  <p:childTnLst>
-                                    <p:set>
-                                      <p:cBhvr>
-                                        <p:cTn id="6" dur="1" fill="hold">
-                                          <p:stCondLst>
-                                            <p:cond delay="0"/>
-                                          </p:stCondLst>
-                                        </p:cTn>
-                                        <p:tgtEl>
-                                          <p:spTgt spid="5"/>
-                                        </p:tgtEl>
-                                        <p:attrNameLst>
-                                          <p:attrName>style.visibility</p:attrName>
-                                        </p:attrNameLst>
-                                      </p:cBhvr>
-                                      <p:to>
-                                        <p:strVal val="visible"/>
-                                      </p:to>
-                                    </p:set>
-                                    <p:animEffect transition="in" filter="fade">
-                                      <p:cBhvr>
-                                        <p:cTn id="7" dur="2000"/>
-                                        <p:tgtEl>
-                                          <p:spTgt spid="5"/>
-                                        </p:tgtEl>
-                                      </p:cBhvr>
-                                    </p:animEffect>
-                                    <p:anim calcmode="lin" valueType="num">
-                                      <p:cBhvr>
-                                        <p:cTn id="8" dur="2000" fill="hold"/>
-                                        <p:tgtEl>
-                                          <p:spTgt spid="5"/>
-                                        </p:tgtEl>
-                                        <p:attrNameLst>
-                                          <p:attrName>ppt_w</p:attrName>
-                                        </p:attrNameLst>
-                                      </p:cBhvr>
-                                      <p:tavLst>
-                                        <p:tav tm="0" fmla="#ppt_w*sin(2.5*pi*$)">
-                                          <p:val>
-                                            <p:fltVal val="0"/>
-                                          </p:val>
-                                        </p:tav>
-                                        <p:tav tm="100000">
-                                          <p:val>
-                                            <p:fltVal val="1"/>
-                                          </p:val>
-                                        </p:tav>
-                                      </p:tavLst>
-                                    </p:anim>
-                                    <p:anim calcmode="lin" valueType="num">
-                                      <p:cBhvr>
-                                        <p:cTn id="9" dur="2000" fill="hold"/>
-                                        <p:tgtEl>
-                                          <p:spTgt spid="5"/>
-                                        </p:tgtEl>
-                                        <p:attrNameLst>
-                                          <p:attrName>ppt_h</p:attrName>
-                                        </p:attrNameLst>
-                                      </p:cBhvr>
-                                      <p:tavLst>
-                                        <p:tav tm="0">
-                                          <p:val>
-                                            <p:strVal val="#ppt_h"/>
-                                          </p:val>
-                                        </p:tav>
-                                        <p:tav tm="100000">
-                                          <p:val>
-                                            <p:strVal val="#ppt_h"/>
-                                          </p:val>
-                                        </p:tav>
-                                      </p:tavLst>
-                                    </p:anim>
-                                  </p:childTnLst>
-                                </p:cTn>
-                              </p:par>
-                            </p:childTnLst>
-                          </p:cTn>
-                        </p:par>
-                      </p:childTnLst>
-                    </p:cTn>
-                  </p:par>
-                </p:childTnLst>
-              </p:cTn>
-              <p:prevCondLst>
-                <p:cond evt="onPrev" delay="0">
-                  <p:tgtEl>
-                    <p:sldTgt/>
-                  </p:tgtEl>
-                </p:cond>
-              </p:prevCondLst>
-              <p:nextCondLst>
-                <p:cond evt="onNext" delay="0">
-                  <p:tgtEl>
-                    <p:sldTgt/>
-                  </p:tgtEl>
-                </p:cond>
-              </p:nextCondLst>
-            </p:seq>
-          </p:childTnLst>
-        </p:cTn>
-      </p:par>
-    </p:tnLst>
-    <p:bldLst>
-      <p:bldP spid="5" grpId="0" animBg="1"/>
-    </p:bldLst>
   </p:timing>
 </p:sld>
 </file>
@@ -35362,7 +39988,7 @@
   <a:extraClrSchemeLst/>
   <a:extLst>
     <a:ext uri="{05A4C25C-085E-4340-85A3-A5531E510DB2}">
-      <thm15:themeFamily xmlns="" xmlns:thm15="http://schemas.microsoft.com/office/thememl/2012/main" name="Office Theme" id="{62F939B6-93AF-4DB8-9C6B-D6C7DFDC589F}" vid="{4A3C46E8-61CC-4603-A589-7422A47A8E4A}"/>
+      <thm15:themeFamily xmlns:thm15="http://schemas.microsoft.com/office/thememl/2012/main" xmlns="" name="Office Theme" id="{62F939B6-93AF-4DB8-9C6B-D6C7DFDC589F}" vid="{4A3C46E8-61CC-4603-A589-7422A47A8E4A}"/>
     </a:ext>
   </a:extLst>
 </a:theme>
@@ -35657,7 +40283,7 @@
   <a:extraClrSchemeLst/>
   <a:extLst>
     <a:ext uri="{05A4C25C-085E-4340-85A3-A5531E510DB2}">
-      <thm15:themeFamily xmlns="" xmlns:thm15="http://schemas.microsoft.com/office/thememl/2012/main" name="Office Theme" id="{62F939B6-93AF-4DB8-9C6B-D6C7DFDC589F}" vid="{4A3C46E8-61CC-4603-A589-7422A47A8E4A}"/>
+      <thm15:themeFamily xmlns:thm15="http://schemas.microsoft.com/office/thememl/2012/main" xmlns="" name="Office Theme" id="{62F939B6-93AF-4DB8-9C6B-D6C7DFDC589F}" vid="{4A3C46E8-61CC-4603-A589-7422A47A8E4A}"/>
     </a:ext>
   </a:extLst>
 </a:theme>
